--- a/ppt slides for omic codeathon.pptx
+++ b/ppt slides for omic codeathon.pptx
@@ -4,6 +4,9 @@
   <p:sldMasterIdLst>
     <p:sldMasterId id="2147483660" r:id="rId1"/>
   </p:sldMasterIdLst>
+  <p:notesMasterIdLst>
+    <p:notesMasterId r:id="rId11"/>
+  </p:notesMasterIdLst>
   <p:sldIdLst>
     <p:sldId id="256" r:id="rId2"/>
     <p:sldId id="261" r:id="rId3"/>
@@ -11,8 +14,9 @@
     <p:sldId id="257" r:id="rId5"/>
     <p:sldId id="263" r:id="rId6"/>
     <p:sldId id="262" r:id="rId7"/>
-    <p:sldId id="259" r:id="rId8"/>
-    <p:sldId id="260" r:id="rId9"/>
+    <p:sldId id="264" r:id="rId8"/>
+    <p:sldId id="259" r:id="rId9"/>
+    <p:sldId id="260" r:id="rId10"/>
   </p:sldIdLst>
   <p:sldSz cx="12192000" cy="6858000"/>
   <p:notesSz cx="6858000" cy="9144000"/>
@@ -6246,6 +6250,440 @@
 </dgm:styleDef>
 </file>
 
+<file path=ppt/notesMasters/notesMaster1.xml><?xml version="1.0" encoding="utf-8"?>
+<p:notesMaster xmlns:a="http://schemas.openxmlformats.org/drawingml/2006/main" xmlns:r="http://schemas.openxmlformats.org/officeDocument/2006/relationships" xmlns:p="http://schemas.openxmlformats.org/presentationml/2006/main">
+  <p:cSld>
+    <p:bg>
+      <p:bgRef idx="1001">
+        <a:schemeClr val="bg1"/>
+      </p:bgRef>
+    </p:bg>
+    <p:spTree>
+      <p:nvGrpSpPr>
+        <p:cNvPr id="1" name=""/>
+        <p:cNvGrpSpPr/>
+        <p:nvPr/>
+      </p:nvGrpSpPr>
+      <p:grpSpPr>
+        <a:xfrm>
+          <a:off x="0" y="0"/>
+          <a:ext cx="0" cy="0"/>
+          <a:chOff x="0" y="0"/>
+          <a:chExt cx="0" cy="0"/>
+        </a:xfrm>
+      </p:grpSpPr>
+      <p:sp>
+        <p:nvSpPr>
+          <p:cNvPr id="2" name="Header Placeholder 1"/>
+          <p:cNvSpPr>
+            <a:spLocks noGrp="1"/>
+          </p:cNvSpPr>
+          <p:nvPr>
+            <p:ph type="hdr" sz="quarter"/>
+          </p:nvPr>
+        </p:nvSpPr>
+        <p:spPr>
+          <a:xfrm>
+            <a:off x="0" y="0"/>
+            <a:ext cx="2971800" cy="458788"/>
+          </a:xfrm>
+          <a:prstGeom prst="rect">
+            <a:avLst/>
+          </a:prstGeom>
+        </p:spPr>
+        <p:txBody>
+          <a:bodyPr vert="horz" lIns="91440" tIns="45720" rIns="91440" bIns="45720" rtlCol="0"/>
+          <a:lstStyle>
+            <a:lvl1pPr algn="l">
+              <a:defRPr sz="1200"/>
+            </a:lvl1pPr>
+          </a:lstStyle>
+          <a:p>
+            <a:endParaRPr lang="en-CA"/>
+          </a:p>
+        </p:txBody>
+      </p:sp>
+      <p:sp>
+        <p:nvSpPr>
+          <p:cNvPr id="3" name="Date Placeholder 2"/>
+          <p:cNvSpPr>
+            <a:spLocks noGrp="1"/>
+          </p:cNvSpPr>
+          <p:nvPr>
+            <p:ph type="dt" idx="1"/>
+          </p:nvPr>
+        </p:nvSpPr>
+        <p:spPr>
+          <a:xfrm>
+            <a:off x="3884613" y="0"/>
+            <a:ext cx="2971800" cy="458788"/>
+          </a:xfrm>
+          <a:prstGeom prst="rect">
+            <a:avLst/>
+          </a:prstGeom>
+        </p:spPr>
+        <p:txBody>
+          <a:bodyPr vert="horz" lIns="91440" tIns="45720" rIns="91440" bIns="45720" rtlCol="0"/>
+          <a:lstStyle>
+            <a:lvl1pPr algn="r">
+              <a:defRPr sz="1200"/>
+            </a:lvl1pPr>
+          </a:lstStyle>
+          <a:p>
+            <a:fld id="{1BA98A8E-17BA-4637-BE34-16BBE5AD305E}" type="datetimeFigureOut">
+              <a:rPr lang="en-CA" smtClean="0"/>
+              <a:t>2025-11-12</a:t>
+            </a:fld>
+            <a:endParaRPr lang="en-CA"/>
+          </a:p>
+        </p:txBody>
+      </p:sp>
+      <p:sp>
+        <p:nvSpPr>
+          <p:cNvPr id="4" name="Slide Image Placeholder 3"/>
+          <p:cNvSpPr>
+            <a:spLocks noGrp="1" noRot="1" noChangeAspect="1"/>
+          </p:cNvSpPr>
+          <p:nvPr>
+            <p:ph type="sldImg" idx="2"/>
+          </p:nvPr>
+        </p:nvSpPr>
+        <p:spPr>
+          <a:xfrm>
+            <a:off x="685800" y="1143000"/>
+            <a:ext cx="5486400" cy="3086100"/>
+          </a:xfrm>
+          <a:prstGeom prst="rect">
+            <a:avLst/>
+          </a:prstGeom>
+          <a:noFill/>
+          <a:ln w="12700">
+            <a:solidFill>
+              <a:prstClr val="black"/>
+            </a:solidFill>
+          </a:ln>
+        </p:spPr>
+        <p:txBody>
+          <a:bodyPr vert="horz" lIns="91440" tIns="45720" rIns="91440" bIns="45720" rtlCol="0" anchor="ctr"/>
+          <a:lstStyle/>
+          <a:p>
+            <a:endParaRPr lang="en-CA"/>
+          </a:p>
+        </p:txBody>
+      </p:sp>
+      <p:sp>
+        <p:nvSpPr>
+          <p:cNvPr id="5" name="Notes Placeholder 4"/>
+          <p:cNvSpPr>
+            <a:spLocks noGrp="1"/>
+          </p:cNvSpPr>
+          <p:nvPr>
+            <p:ph type="body" sz="quarter" idx="3"/>
+          </p:nvPr>
+        </p:nvSpPr>
+        <p:spPr>
+          <a:xfrm>
+            <a:off x="685800" y="4400550"/>
+            <a:ext cx="5486400" cy="3600450"/>
+          </a:xfrm>
+          <a:prstGeom prst="rect">
+            <a:avLst/>
+          </a:prstGeom>
+        </p:spPr>
+        <p:txBody>
+          <a:bodyPr vert="horz" lIns="91440" tIns="45720" rIns="91440" bIns="45720" rtlCol="0"/>
+          <a:lstStyle/>
+          <a:p>
+            <a:pPr lvl="0"/>
+            <a:r>
+              <a:rPr lang="en-US"/>
+              <a:t>Click to edit Master text styles</a:t>
+            </a:r>
+          </a:p>
+          <a:p>
+            <a:pPr lvl="1"/>
+            <a:r>
+              <a:rPr lang="en-US"/>
+              <a:t>Second level</a:t>
+            </a:r>
+          </a:p>
+          <a:p>
+            <a:pPr lvl="2"/>
+            <a:r>
+              <a:rPr lang="en-US"/>
+              <a:t>Third level</a:t>
+            </a:r>
+          </a:p>
+          <a:p>
+            <a:pPr lvl="3"/>
+            <a:r>
+              <a:rPr lang="en-US"/>
+              <a:t>Fourth level</a:t>
+            </a:r>
+          </a:p>
+          <a:p>
+            <a:pPr lvl="4"/>
+            <a:r>
+              <a:rPr lang="en-US"/>
+              <a:t>Fifth level</a:t>
+            </a:r>
+            <a:endParaRPr lang="en-CA"/>
+          </a:p>
+        </p:txBody>
+      </p:sp>
+      <p:sp>
+        <p:nvSpPr>
+          <p:cNvPr id="6" name="Footer Placeholder 5"/>
+          <p:cNvSpPr>
+            <a:spLocks noGrp="1"/>
+          </p:cNvSpPr>
+          <p:nvPr>
+            <p:ph type="ftr" sz="quarter" idx="4"/>
+          </p:nvPr>
+        </p:nvSpPr>
+        <p:spPr>
+          <a:xfrm>
+            <a:off x="0" y="8685213"/>
+            <a:ext cx="2971800" cy="458787"/>
+          </a:xfrm>
+          <a:prstGeom prst="rect">
+            <a:avLst/>
+          </a:prstGeom>
+        </p:spPr>
+        <p:txBody>
+          <a:bodyPr vert="horz" lIns="91440" tIns="45720" rIns="91440" bIns="45720" rtlCol="0" anchor="b"/>
+          <a:lstStyle>
+            <a:lvl1pPr algn="l">
+              <a:defRPr sz="1200"/>
+            </a:lvl1pPr>
+          </a:lstStyle>
+          <a:p>
+            <a:endParaRPr lang="en-CA"/>
+          </a:p>
+        </p:txBody>
+      </p:sp>
+      <p:sp>
+        <p:nvSpPr>
+          <p:cNvPr id="7" name="Slide Number Placeholder 6"/>
+          <p:cNvSpPr>
+            <a:spLocks noGrp="1"/>
+          </p:cNvSpPr>
+          <p:nvPr>
+            <p:ph type="sldNum" sz="quarter" idx="5"/>
+          </p:nvPr>
+        </p:nvSpPr>
+        <p:spPr>
+          <a:xfrm>
+            <a:off x="3884613" y="8685213"/>
+            <a:ext cx="2971800" cy="458787"/>
+          </a:xfrm>
+          <a:prstGeom prst="rect">
+            <a:avLst/>
+          </a:prstGeom>
+        </p:spPr>
+        <p:txBody>
+          <a:bodyPr vert="horz" lIns="91440" tIns="45720" rIns="91440" bIns="45720" rtlCol="0" anchor="b"/>
+          <a:lstStyle>
+            <a:lvl1pPr algn="r">
+              <a:defRPr sz="1200"/>
+            </a:lvl1pPr>
+          </a:lstStyle>
+          <a:p>
+            <a:fld id="{40ECFF4B-0A5E-4A04-A84E-9F2917B495C3}" type="slidenum">
+              <a:rPr lang="en-CA" smtClean="0"/>
+              <a:t>‹#›</a:t>
+            </a:fld>
+            <a:endParaRPr lang="en-CA"/>
+          </a:p>
+        </p:txBody>
+      </p:sp>
+    </p:spTree>
+    <p:extLst>
+      <p:ext uri="{BB962C8B-B14F-4D97-AF65-F5344CB8AC3E}">
+        <p14:creationId xmlns:p14="http://schemas.microsoft.com/office/powerpoint/2010/main" val="3636882253"/>
+      </p:ext>
+    </p:extLst>
+  </p:cSld>
+  <p:clrMap bg1="lt1" tx1="dk1" bg2="lt2" tx2="dk2" accent1="accent1" accent2="accent2" accent3="accent3" accent4="accent4" accent5="accent5" accent6="accent6" hlink="hlink" folHlink="folHlink"/>
+  <p:notesStyle>
+    <a:lvl1pPr marL="0" algn="l" defTabSz="914400" rtl="0" eaLnBrk="1" latinLnBrk="0" hangingPunct="1">
+      <a:defRPr sz="1200" kern="1200">
+        <a:solidFill>
+          <a:schemeClr val="tx1"/>
+        </a:solidFill>
+        <a:latin typeface="+mn-lt"/>
+        <a:ea typeface="+mn-ea"/>
+        <a:cs typeface="+mn-cs"/>
+      </a:defRPr>
+    </a:lvl1pPr>
+    <a:lvl2pPr marL="457200" algn="l" defTabSz="914400" rtl="0" eaLnBrk="1" latinLnBrk="0" hangingPunct="1">
+      <a:defRPr sz="1200" kern="1200">
+        <a:solidFill>
+          <a:schemeClr val="tx1"/>
+        </a:solidFill>
+        <a:latin typeface="+mn-lt"/>
+        <a:ea typeface="+mn-ea"/>
+        <a:cs typeface="+mn-cs"/>
+      </a:defRPr>
+    </a:lvl2pPr>
+    <a:lvl3pPr marL="914400" algn="l" defTabSz="914400" rtl="0" eaLnBrk="1" latinLnBrk="0" hangingPunct="1">
+      <a:defRPr sz="1200" kern="1200">
+        <a:solidFill>
+          <a:schemeClr val="tx1"/>
+        </a:solidFill>
+        <a:latin typeface="+mn-lt"/>
+        <a:ea typeface="+mn-ea"/>
+        <a:cs typeface="+mn-cs"/>
+      </a:defRPr>
+    </a:lvl3pPr>
+    <a:lvl4pPr marL="1371600" algn="l" defTabSz="914400" rtl="0" eaLnBrk="1" latinLnBrk="0" hangingPunct="1">
+      <a:defRPr sz="1200" kern="1200">
+        <a:solidFill>
+          <a:schemeClr val="tx1"/>
+        </a:solidFill>
+        <a:latin typeface="+mn-lt"/>
+        <a:ea typeface="+mn-ea"/>
+        <a:cs typeface="+mn-cs"/>
+      </a:defRPr>
+    </a:lvl4pPr>
+    <a:lvl5pPr marL="1828800" algn="l" defTabSz="914400" rtl="0" eaLnBrk="1" latinLnBrk="0" hangingPunct="1">
+      <a:defRPr sz="1200" kern="1200">
+        <a:solidFill>
+          <a:schemeClr val="tx1"/>
+        </a:solidFill>
+        <a:latin typeface="+mn-lt"/>
+        <a:ea typeface="+mn-ea"/>
+        <a:cs typeface="+mn-cs"/>
+      </a:defRPr>
+    </a:lvl5pPr>
+    <a:lvl6pPr marL="2286000" algn="l" defTabSz="914400" rtl="0" eaLnBrk="1" latinLnBrk="0" hangingPunct="1">
+      <a:defRPr sz="1200" kern="1200">
+        <a:solidFill>
+          <a:schemeClr val="tx1"/>
+        </a:solidFill>
+        <a:latin typeface="+mn-lt"/>
+        <a:ea typeface="+mn-ea"/>
+        <a:cs typeface="+mn-cs"/>
+      </a:defRPr>
+    </a:lvl6pPr>
+    <a:lvl7pPr marL="2743200" algn="l" defTabSz="914400" rtl="0" eaLnBrk="1" latinLnBrk="0" hangingPunct="1">
+      <a:defRPr sz="1200" kern="1200">
+        <a:solidFill>
+          <a:schemeClr val="tx1"/>
+        </a:solidFill>
+        <a:latin typeface="+mn-lt"/>
+        <a:ea typeface="+mn-ea"/>
+        <a:cs typeface="+mn-cs"/>
+      </a:defRPr>
+    </a:lvl7pPr>
+    <a:lvl8pPr marL="3200400" algn="l" defTabSz="914400" rtl="0" eaLnBrk="1" latinLnBrk="0" hangingPunct="1">
+      <a:defRPr sz="1200" kern="1200">
+        <a:solidFill>
+          <a:schemeClr val="tx1"/>
+        </a:solidFill>
+        <a:latin typeface="+mn-lt"/>
+        <a:ea typeface="+mn-ea"/>
+        <a:cs typeface="+mn-cs"/>
+      </a:defRPr>
+    </a:lvl8pPr>
+    <a:lvl9pPr marL="3657600" algn="l" defTabSz="914400" rtl="0" eaLnBrk="1" latinLnBrk="0" hangingPunct="1">
+      <a:defRPr sz="1200" kern="1200">
+        <a:solidFill>
+          <a:schemeClr val="tx1"/>
+        </a:solidFill>
+        <a:latin typeface="+mn-lt"/>
+        <a:ea typeface="+mn-ea"/>
+        <a:cs typeface="+mn-cs"/>
+      </a:defRPr>
+    </a:lvl9pPr>
+  </p:notesStyle>
+</p:notesMaster>
+</file>
+
+<file path=ppt/notesSlides/notesSlide1.xml><?xml version="1.0" encoding="utf-8"?>
+<p:notes xmlns:a="http://schemas.openxmlformats.org/drawingml/2006/main" xmlns:r="http://schemas.openxmlformats.org/officeDocument/2006/relationships" xmlns:p="http://schemas.openxmlformats.org/presentationml/2006/main">
+  <p:cSld>
+    <p:spTree>
+      <p:nvGrpSpPr>
+        <p:cNvPr id="1" name=""/>
+        <p:cNvGrpSpPr/>
+        <p:nvPr/>
+      </p:nvGrpSpPr>
+      <p:grpSpPr>
+        <a:xfrm>
+          <a:off x="0" y="0"/>
+          <a:ext cx="0" cy="0"/>
+          <a:chOff x="0" y="0"/>
+          <a:chExt cx="0" cy="0"/>
+        </a:xfrm>
+      </p:grpSpPr>
+      <p:sp>
+        <p:nvSpPr>
+          <p:cNvPr id="2" name="Slide Image Placeholder 1"/>
+          <p:cNvSpPr>
+            <a:spLocks noGrp="1" noRot="1" noChangeAspect="1"/>
+          </p:cNvSpPr>
+          <p:nvPr>
+            <p:ph type="sldImg"/>
+          </p:nvPr>
+        </p:nvSpPr>
+        <p:spPr/>
+      </p:sp>
+      <p:sp>
+        <p:nvSpPr>
+          <p:cNvPr id="3" name="Notes Placeholder 2"/>
+          <p:cNvSpPr>
+            <a:spLocks noGrp="1"/>
+          </p:cNvSpPr>
+          <p:nvPr>
+            <p:ph type="body" idx="1"/>
+          </p:nvPr>
+        </p:nvSpPr>
+        <p:spPr/>
+        <p:txBody>
+          <a:bodyPr/>
+          <a:lstStyle/>
+          <a:p>
+            <a:endParaRPr lang="en-CA" dirty="0"/>
+          </a:p>
+        </p:txBody>
+      </p:sp>
+      <p:sp>
+        <p:nvSpPr>
+          <p:cNvPr id="4" name="Slide Number Placeholder 3"/>
+          <p:cNvSpPr>
+            <a:spLocks noGrp="1"/>
+          </p:cNvSpPr>
+          <p:nvPr>
+            <p:ph type="sldNum" sz="quarter" idx="5"/>
+          </p:nvPr>
+        </p:nvSpPr>
+        <p:spPr/>
+        <p:txBody>
+          <a:bodyPr/>
+          <a:lstStyle/>
+          <a:p>
+            <a:fld id="{40ECFF4B-0A5E-4A04-A84E-9F2917B495C3}" type="slidenum">
+              <a:rPr lang="en-CA" smtClean="0"/>
+              <a:t>6</a:t>
+            </a:fld>
+            <a:endParaRPr lang="en-CA"/>
+          </a:p>
+        </p:txBody>
+      </p:sp>
+    </p:spTree>
+    <p:extLst>
+      <p:ext uri="{BB962C8B-B14F-4D97-AF65-F5344CB8AC3E}">
+        <p14:creationId xmlns:p14="http://schemas.microsoft.com/office/powerpoint/2010/main" val="591426902"/>
+      </p:ext>
+    </p:extLst>
+  </p:cSld>
+  <p:clrMapOvr>
+    <a:masterClrMapping/>
+  </p:clrMapOvr>
+</p:notes>
+</file>
+
 <file path=ppt/slideLayouts/slideLayout1.xml><?xml version="1.0" encoding="utf-8"?>
 <p:sldLayout xmlns:a="http://schemas.openxmlformats.org/drawingml/2006/main" xmlns:r="http://schemas.openxmlformats.org/officeDocument/2006/relationships" xmlns:p="http://schemas.openxmlformats.org/presentationml/2006/main" type="title" preserve="1">
   <p:cSld name="Title Slide">
@@ -9867,8 +10305,8 @@
         </p:nvSpPr>
         <p:spPr>
           <a:xfrm>
-            <a:off x="838200" y="1335024"/>
-            <a:ext cx="10515600" cy="4351338"/>
+            <a:off x="838200" y="1253331"/>
+            <a:ext cx="10850880" cy="4351338"/>
           </a:xfrm>
         </p:spPr>
         <p:txBody>
@@ -9921,6 +10359,19 @@
           </a:p>
           <a:p>
             <a:r>
+              <a:rPr lang="en-CA" sz="1400" b="1" dirty="0">
+                <a:latin typeface="Times New Roman" panose="02020603050405020304" pitchFamily="18" charset="0"/>
+                <a:cs typeface="Times New Roman" panose="02020603050405020304" pitchFamily="18" charset="0"/>
+              </a:rPr>
+              <a:t>Unknown:</a:t>
+            </a:r>
+            <a:endParaRPr lang="en-CA" sz="1400" dirty="0">
+              <a:latin typeface="Times New Roman" panose="02020603050405020304" pitchFamily="18" charset="0"/>
+              <a:cs typeface="Times New Roman" panose="02020603050405020304" pitchFamily="18" charset="0"/>
+            </a:endParaRPr>
+          </a:p>
+          <a:p>
+            <a:r>
               <a:rPr lang="en-CA" sz="1400" dirty="0">
                 <a:latin typeface="Times New Roman" panose="02020603050405020304" pitchFamily="18" charset="0"/>
                 <a:cs typeface="Times New Roman" panose="02020603050405020304" pitchFamily="18" charset="0"/>
@@ -9948,42 +10399,21 @@
                 <a:latin typeface="Times New Roman" panose="02020603050405020304" pitchFamily="18" charset="0"/>
                 <a:cs typeface="Times New Roman" panose="02020603050405020304" pitchFamily="18" charset="0"/>
               </a:rPr>
-              <a:t> perturbation data or experimental perturbation data, but rarely integrate both—limiting their ability to generalize and validate predictions across simulated and real biological contexts.</a:t>
-            </a:r>
-            <a:endParaRPr lang="en-CA" sz="1400" b="1" dirty="0">
-              <a:latin typeface="Times New Roman" panose="02020603050405020304" pitchFamily="18" charset="0"/>
-              <a:cs typeface="Times New Roman" panose="02020603050405020304" pitchFamily="18" charset="0"/>
-            </a:endParaRPr>
-          </a:p>
-          <a:p>
+              <a:t> perturbation data or experimental perturbation data but rarely integrate both limiting their ability to generalize and validate predictions across simulated and real biological contexts.</a:t>
+            </a:r>
             <a:r>
               <a:rPr lang="en-CA" sz="1400" b="1" dirty="0">
                 <a:latin typeface="Times New Roman" panose="02020603050405020304" pitchFamily="18" charset="0"/>
                 <a:cs typeface="Times New Roman" panose="02020603050405020304" pitchFamily="18" charset="0"/>
               </a:rPr>
-              <a:t>Unknown:</a:t>
-            </a:r>
-            <a:endParaRPr lang="en-CA" sz="1400" dirty="0">
-              <a:latin typeface="Times New Roman" panose="02020603050405020304" pitchFamily="18" charset="0"/>
-              <a:cs typeface="Times New Roman" panose="02020603050405020304" pitchFamily="18" charset="0"/>
-            </a:endParaRPr>
-          </a:p>
-          <a:p>
+              <a:t> Hence, g</a:t>
+            </a:r>
             <a:r>
               <a:rPr lang="en-CA" sz="1400" dirty="0">
                 <a:latin typeface="Times New Roman" panose="02020603050405020304" pitchFamily="18" charset="0"/>
                 <a:cs typeface="Times New Roman" panose="02020603050405020304" pitchFamily="18" charset="0"/>
               </a:rPr>
-              <a:t>Integration between regression (static mapping) and RL (dynamic decision process).</a:t>
-            </a:r>
-          </a:p>
-          <a:p>
-            <a:r>
-              <a:rPr lang="en-CA" sz="1400" dirty="0">
-                <a:latin typeface="Times New Roman" panose="02020603050405020304" pitchFamily="18" charset="0"/>
-                <a:cs typeface="Times New Roman" panose="02020603050405020304" pitchFamily="18" charset="0"/>
-              </a:rPr>
-              <a:t>Generalization to </a:t>
+              <a:t>eneralization to </a:t>
             </a:r>
             <a:r>
               <a:rPr lang="en-CA" sz="1400" i="1" dirty="0">
@@ -10006,7 +10436,7 @@
                 <a:latin typeface="Times New Roman" panose="02020603050405020304" pitchFamily="18" charset="0"/>
                 <a:cs typeface="Times New Roman" panose="02020603050405020304" pitchFamily="18" charset="0"/>
               </a:rPr>
-              <a:t>Interpretability of perturbation effects across multi-omics layers (RNA, ATAC, ADT).</a:t>
+              <a:t>Interpretability of perturbation effects across multi-omics layers (RNA, ATAC, ADT) with experimental Validation.</a:t>
             </a:r>
           </a:p>
           <a:p>
@@ -10673,10 +11103,16 @@
           <a:lstStyle/>
           <a:p>
             <a:r>
-              <a:rPr lang="en-US" sz="4800" dirty="0"/>
+              <a:rPr lang="en-US" sz="2400" dirty="0">
+                <a:latin typeface="Times New Roman" panose="02020603050405020304" pitchFamily="18" charset="0"/>
+                <a:cs typeface="Times New Roman" panose="02020603050405020304" pitchFamily="18" charset="0"/>
+              </a:rPr>
               <a:t>Datasets</a:t>
             </a:r>
-            <a:endParaRPr lang="en-CA" sz="4800" dirty="0"/>
+            <a:endParaRPr lang="en-CA" sz="2400" dirty="0">
+              <a:latin typeface="Times New Roman" panose="02020603050405020304" pitchFamily="18" charset="0"/>
+              <a:cs typeface="Times New Roman" panose="02020603050405020304" pitchFamily="18" charset="0"/>
+            </a:endParaRPr>
           </a:p>
         </p:txBody>
       </p:sp>
@@ -11056,11 +11492,11 @@
           <a:lstStyle/>
           <a:p>
             <a:r>
-              <a:rPr lang="en-CA" sz="2400" b="1" dirty="0"/>
+              <a:rPr lang="en-CA" sz="2400" b="1"/>
               <a:t>Using Initialization Strategies to Address Nonlinearity in Developmental Biology</a:t>
             </a:r>
             <a:br>
-              <a:rPr lang="en-CA" sz="2400" b="1" dirty="0"/>
+              <a:rPr lang="en-CA" sz="2400" b="1"/>
             </a:br>
             <a:endParaRPr lang="en-CA" sz="2400" dirty="0"/>
           </a:p>
@@ -11098,39 +11534,25 @@
               <a:buNone/>
             </a:pPr>
             <a:r>
-              <a:rPr lang="en-US" sz="1400" dirty="0">
+              <a:rPr lang="en-US" sz="1400">
                 <a:latin typeface="Times New Roman" panose="02020603050405020304" pitchFamily="18" charset="0"/>
                 <a:cs typeface="Times New Roman" panose="02020603050405020304" pitchFamily="18" charset="0"/>
               </a:rPr>
               <a:t>K. D. Humbird, J. L. Peterson and R. G. Mcclarren, "Deep Neural Network Initialization With Decision Trees," in </a:t>
             </a:r>
             <a:r>
-              <a:rPr lang="en-US" sz="1400" i="1" dirty="0">
+              <a:rPr lang="en-US" sz="1400" i="1">
                 <a:latin typeface="Times New Roman" panose="02020603050405020304" pitchFamily="18" charset="0"/>
                 <a:cs typeface="Times New Roman" panose="02020603050405020304" pitchFamily="18" charset="0"/>
               </a:rPr>
               <a:t>IEEE Transactions on Neural Networks and Learning Systems</a:t>
             </a:r>
             <a:r>
-              <a:rPr lang="en-US" sz="1400" dirty="0">
+              <a:rPr lang="en-US" sz="1400">
                 <a:latin typeface="Times New Roman" panose="02020603050405020304" pitchFamily="18" charset="0"/>
                 <a:cs typeface="Times New Roman" panose="02020603050405020304" pitchFamily="18" charset="0"/>
               </a:rPr>
-              <a:t>, vol. 30, no. 5, pp. 1286-1295, May 2019, </a:t>
-            </a:r>
-            <a:r>
-              <a:rPr lang="en-US" sz="1400" dirty="0" err="1">
-                <a:latin typeface="Times New Roman" panose="02020603050405020304" pitchFamily="18" charset="0"/>
-                <a:cs typeface="Times New Roman" panose="02020603050405020304" pitchFamily="18" charset="0"/>
-              </a:rPr>
-              <a:t>doi</a:t>
-            </a:r>
-            <a:r>
-              <a:rPr lang="en-US" sz="1400" dirty="0">
-                <a:latin typeface="Times New Roman" panose="02020603050405020304" pitchFamily="18" charset="0"/>
-                <a:cs typeface="Times New Roman" panose="02020603050405020304" pitchFamily="18" charset="0"/>
-              </a:rPr>
-              <a:t>: 10.1109/TNNLS.2018.2869694. </a:t>
+              <a:t>, vol. 30, no. 5, pp. 1286-1295, May 2019, doi: 10.1109/TNNLS.2018.2869694. </a:t>
             </a:r>
           </a:p>
           <a:p>
@@ -11138,14 +11560,14 @@
               <a:buNone/>
             </a:pPr>
             <a:r>
-              <a:rPr lang="en-US" sz="1400" b="1" dirty="0">
+              <a:rPr lang="en-US" sz="1400" b="1">
                 <a:latin typeface="Times New Roman" panose="02020603050405020304" pitchFamily="18" charset="0"/>
                 <a:cs typeface="Times New Roman" panose="02020603050405020304" pitchFamily="18" charset="0"/>
               </a:rPr>
               <a:t>Application</a:t>
             </a:r>
             <a:r>
-              <a:rPr lang="en-US" sz="1400" dirty="0">
+              <a:rPr lang="en-US" sz="1400">
                 <a:latin typeface="Times New Roman" panose="02020603050405020304" pitchFamily="18" charset="0"/>
                 <a:cs typeface="Times New Roman" panose="02020603050405020304" pitchFamily="18" charset="0"/>
               </a:rPr>
@@ -11156,7 +11578,7 @@
             <a:pPr marL="0" indent="0" fontAlgn="base">
               <a:buNone/>
             </a:pPr>
-            <a:endParaRPr lang="en-US" sz="1400" dirty="0">
+            <a:endParaRPr lang="en-US" sz="1400">
               <a:latin typeface="Times New Roman" panose="02020603050405020304" pitchFamily="18" charset="0"/>
               <a:cs typeface="Times New Roman" panose="02020603050405020304" pitchFamily="18" charset="0"/>
             </a:endParaRPr>
@@ -11166,42 +11588,21 @@
               <a:buNone/>
             </a:pPr>
             <a:r>
-              <a:rPr lang="en-CA" sz="1400" dirty="0">
+              <a:rPr lang="en-CA" sz="1400">
                 <a:latin typeface="Times New Roman" panose="02020603050405020304" pitchFamily="18" charset="0"/>
                 <a:cs typeface="Times New Roman" panose="02020603050405020304" pitchFamily="18" charset="0"/>
               </a:rPr>
-              <a:t>Boabang, Francis, and Samuel Asante </a:t>
-            </a:r>
-            <a:r>
-              <a:rPr lang="en-CA" sz="1400" dirty="0" err="1">
+              <a:t>Boabang, Francis, and Samuel Asante Gyamerah. "Escaping Local Optima in the Waddington Landscape: A Multi-Stage TRPO-PPO Approach for Single-Cell Perturbation Analysis." </a:t>
+            </a:r>
+            <a:r>
+              <a:rPr lang="en-CA" sz="1400" i="1">
                 <a:latin typeface="Times New Roman" panose="02020603050405020304" pitchFamily="18" charset="0"/>
                 <a:cs typeface="Times New Roman" panose="02020603050405020304" pitchFamily="18" charset="0"/>
               </a:rPr>
-              <a:t>Gyamerah</a:t>
-            </a:r>
-            <a:r>
-              <a:rPr lang="en-CA" sz="1400" dirty="0">
-                <a:latin typeface="Times New Roman" panose="02020603050405020304" pitchFamily="18" charset="0"/>
-                <a:cs typeface="Times New Roman" panose="02020603050405020304" pitchFamily="18" charset="0"/>
-              </a:rPr>
-              <a:t>. "Escaping Local Optima in the Waddington Landscape: A Multi-Stage TRPO-PPO Approach for Single-Cell Perturbation Analysis." </a:t>
-            </a:r>
-            <a:r>
-              <a:rPr lang="en-CA" sz="1400" i="1" dirty="0" err="1">
-                <a:latin typeface="Times New Roman" panose="02020603050405020304" pitchFamily="18" charset="0"/>
-                <a:cs typeface="Times New Roman" panose="02020603050405020304" pitchFamily="18" charset="0"/>
-              </a:rPr>
-              <a:t>arXiv</a:t>
-            </a:r>
-            <a:r>
-              <a:rPr lang="en-CA" sz="1400" i="1" dirty="0">
-                <a:latin typeface="Times New Roman" panose="02020603050405020304" pitchFamily="18" charset="0"/>
-                <a:cs typeface="Times New Roman" panose="02020603050405020304" pitchFamily="18" charset="0"/>
-              </a:rPr>
-              <a:t> preprint arXiv:2510.13018</a:t>
-            </a:r>
-            <a:r>
-              <a:rPr lang="en-CA" sz="1400" dirty="0">
+              <a:t>arXiv preprint arXiv:2510.13018</a:t>
+            </a:r>
+            <a:r>
+              <a:rPr lang="en-CA" sz="1400">
                 <a:latin typeface="Times New Roman" panose="02020603050405020304" pitchFamily="18" charset="0"/>
                 <a:cs typeface="Times New Roman" panose="02020603050405020304" pitchFamily="18" charset="0"/>
               </a:rPr>
@@ -11213,14 +11614,14 @@
               <a:buNone/>
             </a:pPr>
             <a:r>
-              <a:rPr lang="en-CA" sz="1400" b="1" dirty="0">
+              <a:rPr lang="en-CA" sz="1400" b="1">
                 <a:latin typeface="Times New Roman" panose="02020603050405020304" pitchFamily="18" charset="0"/>
                 <a:cs typeface="Times New Roman" panose="02020603050405020304" pitchFamily="18" charset="0"/>
               </a:rPr>
               <a:t>Application</a:t>
             </a:r>
             <a:r>
-              <a:rPr lang="en-CA" sz="1400" dirty="0">
+              <a:rPr lang="en-CA" sz="1400">
                 <a:latin typeface="Times New Roman" panose="02020603050405020304" pitchFamily="18" charset="0"/>
                 <a:cs typeface="Times New Roman" panose="02020603050405020304" pitchFamily="18" charset="0"/>
               </a:rPr>
@@ -11231,7 +11632,7 @@
             <a:pPr marL="0" indent="0" fontAlgn="base">
               <a:buNone/>
             </a:pPr>
-            <a:endParaRPr lang="en-CA" sz="1400" dirty="0">
+            <a:endParaRPr lang="en-CA" sz="1400">
               <a:latin typeface="Times New Roman" panose="02020603050405020304" pitchFamily="18" charset="0"/>
               <a:cs typeface="Times New Roman" panose="02020603050405020304" pitchFamily="18" charset="0"/>
             </a:endParaRPr>
@@ -11241,21 +11642,21 @@
               <a:buNone/>
             </a:pPr>
             <a:r>
-              <a:rPr lang="en-CA" sz="1400" dirty="0">
+              <a:rPr lang="en-CA" sz="1400">
                 <a:latin typeface="Times New Roman" panose="02020603050405020304" pitchFamily="18" charset="0"/>
                 <a:cs typeface="Times New Roman" panose="02020603050405020304" pitchFamily="18" charset="0"/>
               </a:rPr>
               <a:t>Selesnick, "Sparse Regularization via Convex Analysis," in </a:t>
             </a:r>
             <a:r>
-              <a:rPr lang="en-CA" sz="1400" i="1" dirty="0">
+              <a:rPr lang="en-CA" sz="1400" i="1">
                 <a:latin typeface="Times New Roman" panose="02020603050405020304" pitchFamily="18" charset="0"/>
                 <a:cs typeface="Times New Roman" panose="02020603050405020304" pitchFamily="18" charset="0"/>
               </a:rPr>
               <a:t>IEEE Transactions on Signal Processing</a:t>
             </a:r>
             <a:r>
-              <a:rPr lang="en-CA" sz="1400" dirty="0">
+              <a:rPr lang="en-CA" sz="1400">
                 <a:latin typeface="Times New Roman" panose="02020603050405020304" pitchFamily="18" charset="0"/>
                 <a:cs typeface="Times New Roman" panose="02020603050405020304" pitchFamily="18" charset="0"/>
               </a:rPr>
@@ -11267,18 +11668,18 @@
               <a:buNone/>
             </a:pPr>
             <a:r>
-              <a:rPr lang="en-CA" sz="1400" dirty="0"/>
+              <a:rPr lang="en-CA" sz="1400"/>
               <a:t>Boabang, Francis. </a:t>
             </a:r>
             <a:r>
-              <a:rPr lang="en-CA" sz="1400" i="1" dirty="0"/>
+              <a:rPr lang="en-CA" sz="1400" i="1"/>
               <a:t>Refining Optimization Methods for Training Machine Learning Models: A Case Study in Robotic Surgical Procedures</a:t>
             </a:r>
             <a:r>
-              <a:rPr lang="en-CA" sz="1400" dirty="0"/>
+              <a:rPr lang="en-CA" sz="1400"/>
               <a:t>. Diss. Concordia University, 2024.</a:t>
             </a:r>
-            <a:endParaRPr lang="en-CA" sz="1400" dirty="0">
+            <a:endParaRPr lang="en-CA" sz="1400">
               <a:latin typeface="Times New Roman" panose="02020603050405020304" pitchFamily="18" charset="0"/>
               <a:cs typeface="Times New Roman" panose="02020603050405020304" pitchFamily="18" charset="0"/>
             </a:endParaRPr>
@@ -11288,7 +11689,7 @@
               <a:buNone/>
             </a:pPr>
             <a:r>
-              <a:rPr lang="en-CA" sz="1400" b="1" dirty="0">
+              <a:rPr lang="en-CA" sz="1400" b="1">
                 <a:latin typeface="Times New Roman" panose="02020603050405020304" pitchFamily="18" charset="0"/>
                 <a:cs typeface="Times New Roman" panose="02020603050405020304" pitchFamily="18" charset="0"/>
               </a:rPr>
@@ -11300,21 +11701,21 @@
               <a:buNone/>
             </a:pPr>
             <a:r>
-              <a:rPr lang="en-CA" sz="1400" dirty="0">
+              <a:rPr lang="en-CA" sz="1400">
                 <a:latin typeface="Times New Roman" panose="02020603050405020304" pitchFamily="18" charset="0"/>
                 <a:cs typeface="Times New Roman" panose="02020603050405020304" pitchFamily="18" charset="0"/>
               </a:rPr>
               <a:t>Building on Selesnick’s </a:t>
             </a:r>
             <a:r>
-              <a:rPr lang="en-CA" sz="1400" i="1" dirty="0">
+              <a:rPr lang="en-CA" sz="1400" i="1">
                 <a:latin typeface="Times New Roman" panose="02020603050405020304" pitchFamily="18" charset="0"/>
                 <a:cs typeface="Times New Roman" panose="02020603050405020304" pitchFamily="18" charset="0"/>
               </a:rPr>
               <a:t>“Sparse Regularization via Convex Analysis”</a:t>
             </a:r>
             <a:r>
-              <a:rPr lang="en-CA" sz="1400" dirty="0">
+              <a:rPr lang="en-CA" sz="1400">
                 <a:latin typeface="Times New Roman" panose="02020603050405020304" pitchFamily="18" charset="0"/>
                 <a:cs typeface="Times New Roman" panose="02020603050405020304" pitchFamily="18" charset="0"/>
               </a:rPr>
@@ -11326,14 +11727,14 @@
               <a:buNone/>
             </a:pPr>
             <a:r>
-              <a:rPr lang="en-CA" sz="1400" b="1" dirty="0">
+              <a:rPr lang="en-CA" sz="1400" b="1">
                 <a:latin typeface="Times New Roman" panose="02020603050405020304" pitchFamily="18" charset="0"/>
                 <a:cs typeface="Times New Roman" panose="02020603050405020304" pitchFamily="18" charset="0"/>
               </a:rPr>
               <a:t>Convex initialization:</a:t>
             </a:r>
             <a:r>
-              <a:rPr lang="en-CA" sz="1400" dirty="0">
+              <a:rPr lang="en-CA" sz="1400">
                 <a:latin typeface="Times New Roman" panose="02020603050405020304" pitchFamily="18" charset="0"/>
                 <a:cs typeface="Times New Roman" panose="02020603050405020304" pitchFamily="18" charset="0"/>
               </a:rPr>
@@ -11345,14 +11746,14 @@
               <a:buNone/>
             </a:pPr>
             <a:r>
-              <a:rPr lang="en-CA" sz="1400" b="1" dirty="0">
+              <a:rPr lang="en-CA" sz="1400" b="1">
                 <a:latin typeface="Times New Roman" panose="02020603050405020304" pitchFamily="18" charset="0"/>
                 <a:cs typeface="Times New Roman" panose="02020603050405020304" pitchFamily="18" charset="0"/>
               </a:rPr>
               <a:t>Nonlinear refinement:</a:t>
             </a:r>
             <a:r>
-              <a:rPr lang="en-CA" sz="1400" dirty="0">
+              <a:rPr lang="en-CA" sz="1400">
                 <a:latin typeface="Times New Roman" panose="02020603050405020304" pitchFamily="18" charset="0"/>
                 <a:cs typeface="Times New Roman" panose="02020603050405020304" pitchFamily="18" charset="0"/>
               </a:rPr>
@@ -11363,7 +11764,7 @@
             <a:pPr marL="0" indent="0" fontAlgn="base">
               <a:buNone/>
             </a:pPr>
-            <a:endParaRPr lang="en-US" sz="1400" dirty="0">
+            <a:endParaRPr lang="en-US" sz="1400">
               <a:latin typeface="Times New Roman" panose="02020603050405020304" pitchFamily="18" charset="0"/>
               <a:cs typeface="Times New Roman" panose="02020603050405020304" pitchFamily="18" charset="0"/>
             </a:endParaRPr>
@@ -11372,7 +11773,7 @@
             <a:pPr marL="0" indent="0" fontAlgn="base">
               <a:buNone/>
             </a:pPr>
-            <a:endParaRPr lang="en-US" sz="1400" dirty="0">
+            <a:endParaRPr lang="en-US" sz="1400">
               <a:latin typeface="Times New Roman" panose="02020603050405020304" pitchFamily="18" charset="0"/>
               <a:cs typeface="Times New Roman" panose="02020603050405020304" pitchFamily="18" charset="0"/>
             </a:endParaRPr>
@@ -11381,7 +11782,7 @@
             <a:pPr marL="0" indent="0" fontAlgn="base">
               <a:buNone/>
             </a:pPr>
-            <a:endParaRPr lang="en-US" sz="1400" dirty="0">
+            <a:endParaRPr lang="en-US" sz="1400">
               <a:latin typeface="Times New Roman" panose="02020603050405020304" pitchFamily="18" charset="0"/>
               <a:cs typeface="Times New Roman" panose="02020603050405020304" pitchFamily="18" charset="0"/>
             </a:endParaRPr>
@@ -11391,7 +11792,7 @@
               <a:buNone/>
             </a:pPr>
             <a:r>
-              <a:rPr lang="en-US" sz="1400" dirty="0">
+              <a:rPr lang="en-US" sz="1400">
                 <a:latin typeface="Times New Roman" panose="02020603050405020304" pitchFamily="18" charset="0"/>
                 <a:cs typeface="Times New Roman" panose="02020603050405020304" pitchFamily="18" charset="0"/>
               </a:rPr>
@@ -11420,6 +11821,98 @@
 </file>
 
 <file path=ppt/slides/slide7.xml><?xml version="1.0" encoding="utf-8"?>
+<p:sld xmlns:a="http://schemas.openxmlformats.org/drawingml/2006/main" xmlns:r="http://schemas.openxmlformats.org/officeDocument/2006/relationships" xmlns:p="http://schemas.openxmlformats.org/presentationml/2006/main">
+  <p:cSld>
+    <p:spTree>
+      <p:nvGrpSpPr>
+        <p:cNvPr id="1" name=""/>
+        <p:cNvGrpSpPr/>
+        <p:nvPr/>
+      </p:nvGrpSpPr>
+      <p:grpSpPr>
+        <a:xfrm>
+          <a:off x="0" y="0"/>
+          <a:ext cx="0" cy="0"/>
+          <a:chOff x="0" y="0"/>
+          <a:chExt cx="0" cy="0"/>
+        </a:xfrm>
+      </p:grpSpPr>
+      <p:sp>
+        <p:nvSpPr>
+          <p:cNvPr id="2" name="Title 1">
+            <a:extLst>
+              <a:ext uri="{FF2B5EF4-FFF2-40B4-BE49-F238E27FC236}">
+                <a16:creationId xmlns:a16="http://schemas.microsoft.com/office/drawing/2014/main" id="{F2C6B9FC-0183-CBD4-137A-426724D9B6A8}"/>
+              </a:ext>
+            </a:extLst>
+          </p:cNvPr>
+          <p:cNvSpPr>
+            <a:spLocks noGrp="1"/>
+          </p:cNvSpPr>
+          <p:nvPr>
+            <p:ph type="title"/>
+          </p:nvPr>
+        </p:nvSpPr>
+        <p:spPr/>
+        <p:txBody>
+          <a:bodyPr>
+            <a:normAutofit/>
+          </a:bodyPr>
+          <a:lstStyle/>
+          <a:p>
+            <a:r>
+              <a:rPr lang="en-US" sz="2000" dirty="0">
+                <a:latin typeface="Times New Roman" panose="02020603050405020304" pitchFamily="18" charset="0"/>
+                <a:cs typeface="Times New Roman" panose="02020603050405020304" pitchFamily="18" charset="0"/>
+              </a:rPr>
+              <a:t>Proposed Methodology</a:t>
+            </a:r>
+            <a:endParaRPr lang="en-CA" sz="2000" dirty="0">
+              <a:latin typeface="Times New Roman" panose="02020603050405020304" pitchFamily="18" charset="0"/>
+              <a:cs typeface="Times New Roman" panose="02020603050405020304" pitchFamily="18" charset="0"/>
+            </a:endParaRPr>
+          </a:p>
+        </p:txBody>
+      </p:sp>
+      <p:sp>
+        <p:nvSpPr>
+          <p:cNvPr id="3" name="Content Placeholder 2">
+            <a:extLst>
+              <a:ext uri="{FF2B5EF4-FFF2-40B4-BE49-F238E27FC236}">
+                <a16:creationId xmlns:a16="http://schemas.microsoft.com/office/drawing/2014/main" id="{AD648A0A-21DD-812C-CA22-BC3ECE22C926}"/>
+              </a:ext>
+            </a:extLst>
+          </p:cNvPr>
+          <p:cNvSpPr>
+            <a:spLocks noGrp="1"/>
+          </p:cNvSpPr>
+          <p:nvPr>
+            <p:ph idx="1"/>
+          </p:nvPr>
+        </p:nvSpPr>
+        <p:spPr/>
+        <p:txBody>
+          <a:bodyPr/>
+          <a:lstStyle/>
+          <a:p>
+            <a:endParaRPr lang="en-CA" dirty="0"/>
+          </a:p>
+        </p:txBody>
+      </p:sp>
+    </p:spTree>
+    <p:extLst>
+      <p:ext uri="{BB962C8B-B14F-4D97-AF65-F5344CB8AC3E}">
+        <p14:creationId xmlns:p14="http://schemas.microsoft.com/office/powerpoint/2010/main" val="1500399720"/>
+      </p:ext>
+    </p:extLst>
+  </p:cSld>
+  <p:clrMapOvr>
+    <a:masterClrMapping/>
+  </p:clrMapOvr>
+</p:sld>
+</file>
+
+<file path=ppt/slides/slide8.xml><?xml version="1.0" encoding="utf-8"?>
 <p:sld xmlns:a="http://schemas.openxmlformats.org/drawingml/2006/main" xmlns:r="http://schemas.openxmlformats.org/officeDocument/2006/relationships" xmlns:p="http://schemas.openxmlformats.org/presentationml/2006/main">
   <p:cSld>
     <p:bg>
@@ -11930,7 +12423,7 @@
 </p:sld>
 </file>
 
-<file path=ppt/slides/slide8.xml><?xml version="1.0" encoding="utf-8"?>
+<file path=ppt/slides/slide9.xml><?xml version="1.0" encoding="utf-8"?>
 <p:sld xmlns:a="http://schemas.openxmlformats.org/drawingml/2006/main" xmlns:r="http://schemas.openxmlformats.org/officeDocument/2006/relationships" xmlns:p="http://schemas.openxmlformats.org/presentationml/2006/main">
   <p:cSld>
     <p:spTree>
@@ -12419,4 +12912,319 @@
     </a:ext>
   </a:extLst>
 </a:theme>
+</file>
+
+<file path=ppt/theme/theme2.xml><?xml version="1.0" encoding="utf-8"?>
+<a:theme xmlns:a="http://schemas.openxmlformats.org/drawingml/2006/main" name="Office Theme">
+  <a:themeElements>
+    <a:clrScheme name="Office">
+      <a:dk1>
+        <a:sysClr val="windowText" lastClr="000000"/>
+      </a:dk1>
+      <a:lt1>
+        <a:sysClr val="window" lastClr="FFFFFF"/>
+      </a:lt1>
+      <a:dk2>
+        <a:srgbClr val="0E2841"/>
+      </a:dk2>
+      <a:lt2>
+        <a:srgbClr val="E8E8E8"/>
+      </a:lt2>
+      <a:accent1>
+        <a:srgbClr val="156082"/>
+      </a:accent1>
+      <a:accent2>
+        <a:srgbClr val="E97132"/>
+      </a:accent2>
+      <a:accent3>
+        <a:srgbClr val="196B24"/>
+      </a:accent3>
+      <a:accent4>
+        <a:srgbClr val="0F9ED5"/>
+      </a:accent4>
+      <a:accent5>
+        <a:srgbClr val="A02B93"/>
+      </a:accent5>
+      <a:accent6>
+        <a:srgbClr val="4EA72E"/>
+      </a:accent6>
+      <a:hlink>
+        <a:srgbClr val="467886"/>
+      </a:hlink>
+      <a:folHlink>
+        <a:srgbClr val="96607D"/>
+      </a:folHlink>
+    </a:clrScheme>
+    <a:fontScheme name="Office">
+      <a:majorFont>
+        <a:latin typeface="Aptos Display" panose="02110004020202020204"/>
+        <a:ea typeface=""/>
+        <a:cs typeface=""/>
+        <a:font script="Jpan" typeface="游ゴシック Light"/>
+        <a:font script="Hang" typeface="맑은 고딕"/>
+        <a:font script="Hans" typeface="等线 Light"/>
+        <a:font script="Hant" typeface="新細明體"/>
+        <a:font script="Arab" typeface="Times New Roman"/>
+        <a:font script="Hebr" typeface="Times New Roman"/>
+        <a:font script="Thai" typeface="Angsana New"/>
+        <a:font script="Ethi" typeface="Nyala"/>
+        <a:font script="Beng" typeface="Vrinda"/>
+        <a:font script="Gujr" typeface="Shruti"/>
+        <a:font script="Khmr" typeface="MoolBoran"/>
+        <a:font script="Knda" typeface="Tunga"/>
+        <a:font script="Guru" typeface="Raavi"/>
+        <a:font script="Cans" typeface="Euphemia"/>
+        <a:font script="Cher" typeface="Plantagenet Cherokee"/>
+        <a:font script="Yiii" typeface="Microsoft Yi Baiti"/>
+        <a:font script="Tibt" typeface="Microsoft Himalaya"/>
+        <a:font script="Thaa" typeface="MV Boli"/>
+        <a:font script="Deva" typeface="Mangal"/>
+        <a:font script="Telu" typeface="Gautami"/>
+        <a:font script="Taml" typeface="Latha"/>
+        <a:font script="Syrc" typeface="Estrangelo Edessa"/>
+        <a:font script="Orya" typeface="Kalinga"/>
+        <a:font script="Mlym" typeface="Kartika"/>
+        <a:font script="Laoo" typeface="DokChampa"/>
+        <a:font script="Sinh" typeface="Iskoola Pota"/>
+        <a:font script="Mong" typeface="Mongolian Baiti"/>
+        <a:font script="Viet" typeface="Times New Roman"/>
+        <a:font script="Uigh" typeface="Microsoft Uighur"/>
+        <a:font script="Geor" typeface="Sylfaen"/>
+        <a:font script="Armn" typeface="Arial"/>
+        <a:font script="Bugi" typeface="Leelawadee UI"/>
+        <a:font script="Bopo" typeface="Microsoft JhengHei"/>
+        <a:font script="Java" typeface="Javanese Text"/>
+        <a:font script="Lisu" typeface="Segoe UI"/>
+        <a:font script="Mymr" typeface="Myanmar Text"/>
+        <a:font script="Nkoo" typeface="Ebrima"/>
+        <a:font script="Olck" typeface="Nirmala UI"/>
+        <a:font script="Osma" typeface="Ebrima"/>
+        <a:font script="Phag" typeface="Phagspa"/>
+        <a:font script="Syrn" typeface="Estrangelo Edessa"/>
+        <a:font script="Syrj" typeface="Estrangelo Edessa"/>
+        <a:font script="Syre" typeface="Estrangelo Edessa"/>
+        <a:font script="Sora" typeface="Nirmala UI"/>
+        <a:font script="Tale" typeface="Microsoft Tai Le"/>
+        <a:font script="Talu" typeface="Microsoft New Tai Lue"/>
+        <a:font script="Tfng" typeface="Ebrima"/>
+      </a:majorFont>
+      <a:minorFont>
+        <a:latin typeface="Aptos" panose="02110004020202020204"/>
+        <a:ea typeface=""/>
+        <a:cs typeface=""/>
+        <a:font script="Jpan" typeface="游ゴシック"/>
+        <a:font script="Hang" typeface="맑은 고딕"/>
+        <a:font script="Hans" typeface="等线"/>
+        <a:font script="Hant" typeface="新細明體"/>
+        <a:font script="Arab" typeface="Arial"/>
+        <a:font script="Hebr" typeface="Arial"/>
+        <a:font script="Thai" typeface="Cordia New"/>
+        <a:font script="Ethi" typeface="Nyala"/>
+        <a:font script="Beng" typeface="Vrinda"/>
+        <a:font script="Gujr" typeface="Shruti"/>
+        <a:font script="Khmr" typeface="DaunPenh"/>
+        <a:font script="Knda" typeface="Tunga"/>
+        <a:font script="Guru" typeface="Raavi"/>
+        <a:font script="Cans" typeface="Euphemia"/>
+        <a:font script="Cher" typeface="Plantagenet Cherokee"/>
+        <a:font script="Yiii" typeface="Microsoft Yi Baiti"/>
+        <a:font script="Tibt" typeface="Microsoft Himalaya"/>
+        <a:font script="Thaa" typeface="MV Boli"/>
+        <a:font script="Deva" typeface="Mangal"/>
+        <a:font script="Telu" typeface="Gautami"/>
+        <a:font script="Taml" typeface="Latha"/>
+        <a:font script="Syrc" typeface="Estrangelo Edessa"/>
+        <a:font script="Orya" typeface="Kalinga"/>
+        <a:font script="Mlym" typeface="Kartika"/>
+        <a:font script="Laoo" typeface="DokChampa"/>
+        <a:font script="Sinh" typeface="Iskoola Pota"/>
+        <a:font script="Mong" typeface="Mongolian Baiti"/>
+        <a:font script="Viet" typeface="Arial"/>
+        <a:font script="Uigh" typeface="Microsoft Uighur"/>
+        <a:font script="Geor" typeface="Sylfaen"/>
+        <a:font script="Armn" typeface="Arial"/>
+        <a:font script="Bugi" typeface="Leelawadee UI"/>
+        <a:font script="Bopo" typeface="Microsoft JhengHei"/>
+        <a:font script="Java" typeface="Javanese Text"/>
+        <a:font script="Lisu" typeface="Segoe UI"/>
+        <a:font script="Mymr" typeface="Myanmar Text"/>
+        <a:font script="Nkoo" typeface="Ebrima"/>
+        <a:font script="Olck" typeface="Nirmala UI"/>
+        <a:font script="Osma" typeface="Ebrima"/>
+        <a:font script="Phag" typeface="Phagspa"/>
+        <a:font script="Syrn" typeface="Estrangelo Edessa"/>
+        <a:font script="Syrj" typeface="Estrangelo Edessa"/>
+        <a:font script="Syre" typeface="Estrangelo Edessa"/>
+        <a:font script="Sora" typeface="Nirmala UI"/>
+        <a:font script="Tale" typeface="Microsoft Tai Le"/>
+        <a:font script="Talu" typeface="Microsoft New Tai Lue"/>
+        <a:font script="Tfng" typeface="Ebrima"/>
+      </a:minorFont>
+    </a:fontScheme>
+    <a:fmtScheme name="Office">
+      <a:fillStyleLst>
+        <a:solidFill>
+          <a:schemeClr val="phClr"/>
+        </a:solidFill>
+        <a:gradFill rotWithShape="1">
+          <a:gsLst>
+            <a:gs pos="0">
+              <a:schemeClr val="phClr">
+                <a:lumMod val="110000"/>
+                <a:satMod val="105000"/>
+                <a:tint val="67000"/>
+              </a:schemeClr>
+            </a:gs>
+            <a:gs pos="50000">
+              <a:schemeClr val="phClr">
+                <a:lumMod val="105000"/>
+                <a:satMod val="103000"/>
+                <a:tint val="73000"/>
+              </a:schemeClr>
+            </a:gs>
+            <a:gs pos="100000">
+              <a:schemeClr val="phClr">
+                <a:lumMod val="105000"/>
+                <a:satMod val="109000"/>
+                <a:tint val="81000"/>
+              </a:schemeClr>
+            </a:gs>
+          </a:gsLst>
+          <a:lin ang="5400000" scaled="0"/>
+        </a:gradFill>
+        <a:gradFill rotWithShape="1">
+          <a:gsLst>
+            <a:gs pos="0">
+              <a:schemeClr val="phClr">
+                <a:satMod val="103000"/>
+                <a:lumMod val="102000"/>
+                <a:tint val="94000"/>
+              </a:schemeClr>
+            </a:gs>
+            <a:gs pos="50000">
+              <a:schemeClr val="phClr">
+                <a:satMod val="110000"/>
+                <a:lumMod val="100000"/>
+                <a:shade val="100000"/>
+              </a:schemeClr>
+            </a:gs>
+            <a:gs pos="100000">
+              <a:schemeClr val="phClr">
+                <a:lumMod val="99000"/>
+                <a:satMod val="120000"/>
+                <a:shade val="78000"/>
+              </a:schemeClr>
+            </a:gs>
+          </a:gsLst>
+          <a:lin ang="5400000" scaled="0"/>
+        </a:gradFill>
+      </a:fillStyleLst>
+      <a:lnStyleLst>
+        <a:ln w="12700" cap="flat" cmpd="sng" algn="ctr">
+          <a:solidFill>
+            <a:schemeClr val="phClr"/>
+          </a:solidFill>
+          <a:prstDash val="solid"/>
+          <a:miter lim="800000"/>
+        </a:ln>
+        <a:ln w="19050" cap="flat" cmpd="sng" algn="ctr">
+          <a:solidFill>
+            <a:schemeClr val="phClr"/>
+          </a:solidFill>
+          <a:prstDash val="solid"/>
+          <a:miter lim="800000"/>
+        </a:ln>
+        <a:ln w="25400" cap="flat" cmpd="sng" algn="ctr">
+          <a:solidFill>
+            <a:schemeClr val="phClr"/>
+          </a:solidFill>
+          <a:prstDash val="solid"/>
+          <a:miter lim="800000"/>
+        </a:ln>
+      </a:lnStyleLst>
+      <a:effectStyleLst>
+        <a:effectStyle>
+          <a:effectLst/>
+        </a:effectStyle>
+        <a:effectStyle>
+          <a:effectLst/>
+        </a:effectStyle>
+        <a:effectStyle>
+          <a:effectLst>
+            <a:outerShdw blurRad="57150" dist="19050" dir="5400000" algn="ctr" rotWithShape="0">
+              <a:srgbClr val="000000">
+                <a:alpha val="63000"/>
+              </a:srgbClr>
+            </a:outerShdw>
+          </a:effectLst>
+        </a:effectStyle>
+      </a:effectStyleLst>
+      <a:bgFillStyleLst>
+        <a:solidFill>
+          <a:schemeClr val="phClr"/>
+        </a:solidFill>
+        <a:solidFill>
+          <a:schemeClr val="phClr">
+            <a:tint val="95000"/>
+            <a:satMod val="170000"/>
+          </a:schemeClr>
+        </a:solidFill>
+        <a:gradFill rotWithShape="1">
+          <a:gsLst>
+            <a:gs pos="0">
+              <a:schemeClr val="phClr">
+                <a:tint val="93000"/>
+                <a:satMod val="150000"/>
+                <a:shade val="98000"/>
+                <a:lumMod val="102000"/>
+              </a:schemeClr>
+            </a:gs>
+            <a:gs pos="50000">
+              <a:schemeClr val="phClr">
+                <a:tint val="98000"/>
+                <a:satMod val="130000"/>
+                <a:shade val="90000"/>
+                <a:lumMod val="103000"/>
+              </a:schemeClr>
+            </a:gs>
+            <a:gs pos="100000">
+              <a:schemeClr val="phClr">
+                <a:shade val="63000"/>
+                <a:satMod val="120000"/>
+              </a:schemeClr>
+            </a:gs>
+          </a:gsLst>
+          <a:lin ang="5400000" scaled="0"/>
+        </a:gradFill>
+      </a:bgFillStyleLst>
+    </a:fmtScheme>
+  </a:themeElements>
+  <a:objectDefaults>
+    <a:lnDef>
+      <a:spPr/>
+      <a:bodyPr/>
+      <a:lstStyle/>
+      <a:style>
+        <a:lnRef idx="2">
+          <a:schemeClr val="accent1"/>
+        </a:lnRef>
+        <a:fillRef idx="0">
+          <a:schemeClr val="accent1"/>
+        </a:fillRef>
+        <a:effectRef idx="1">
+          <a:schemeClr val="accent1"/>
+        </a:effectRef>
+        <a:fontRef idx="minor">
+          <a:schemeClr val="tx1"/>
+        </a:fontRef>
+      </a:style>
+    </a:lnDef>
+  </a:objectDefaults>
+  <a:extraClrSchemeLst/>
+  <a:extLst>
+    <a:ext uri="{05A4C25C-085E-4340-85A3-A5531E510DB2}">
+      <thm15:themeFamily xmlns:thm15="http://schemas.microsoft.com/office/thememl/2012/main" name="Office Theme" id="{2E142A2C-CD16-42D6-873A-C26D2A0506FA}" vid="{1BDDFF52-6CD6-40A5-AB3C-68EB2F1E4D0A}"/>
+    </a:ext>
+  </a:extLst>
+</a:theme>
 </file>
--- a/ppt slides for omic codeathon.pptx
+++ b/ppt slides for omic codeathon.pptx
@@ -5,18 +5,19 @@
     <p:sldMasterId id="2147483660" r:id="rId1"/>
   </p:sldMasterIdLst>
   <p:notesMasterIdLst>
-    <p:notesMasterId r:id="rId11"/>
+    <p:notesMasterId r:id="rId12"/>
   </p:notesMasterIdLst>
   <p:sldIdLst>
     <p:sldId id="256" r:id="rId2"/>
     <p:sldId id="261" r:id="rId3"/>
     <p:sldId id="258" r:id="rId4"/>
     <p:sldId id="257" r:id="rId5"/>
-    <p:sldId id="263" r:id="rId6"/>
-    <p:sldId id="262" r:id="rId7"/>
-    <p:sldId id="264" r:id="rId8"/>
-    <p:sldId id="259" r:id="rId9"/>
-    <p:sldId id="260" r:id="rId10"/>
+    <p:sldId id="266" r:id="rId6"/>
+    <p:sldId id="263" r:id="rId7"/>
+    <p:sldId id="265" r:id="rId8"/>
+    <p:sldId id="262" r:id="rId9"/>
+    <p:sldId id="264" r:id="rId10"/>
+    <p:sldId id="259" r:id="rId11"/>
   </p:sldIdLst>
   <p:sldSz cx="12192000" cy="6858000"/>
   <p:notesSz cx="6858000" cy="9144000"/>
@@ -115,6 +116,11 @@
       </a:defRPr>
     </a:lvl9pPr>
   </p:defaultTextStyle>
+  <p:extLst>
+    <p:ext uri="{EFAFB233-063F-42B5-8137-9DF3F51BA10A}">
+      <p15:sldGuideLst xmlns:p15="http://schemas.microsoft.com/office/powerpoint/2012/main"/>
+    </p:ext>
+  </p:extLst>
 </p:presentation>
 </file>
 
@@ -6332,7 +6338,7 @@
           <a:p>
             <a:fld id="{1BA98A8E-17BA-4637-BE34-16BBE5AD305E}" type="datetimeFigureOut">
               <a:rPr lang="en-CA" smtClean="0"/>
-              <a:t>2025-11-12</a:t>
+              <a:t>2025-11-13</a:t>
             </a:fld>
             <a:endParaRPr lang="en-CA"/>
           </a:p>
@@ -6665,7 +6671,7 @@
           <a:p>
             <a:fld id="{40ECFF4B-0A5E-4A04-A84E-9F2917B495C3}" type="slidenum">
               <a:rPr lang="en-CA" smtClean="0"/>
-              <a:t>6</a:t>
+              <a:t>8</a:t>
             </a:fld>
             <a:endParaRPr lang="en-CA"/>
           </a:p>
@@ -6815,7 +6821,7 @@
           <a:p>
             <a:fld id="{16A6DBE6-5F48-46C6-8054-E594AA8CC26E}" type="datetimeFigureOut">
               <a:rPr lang="en-CA" smtClean="0"/>
-              <a:t>2025-11-12</a:t>
+              <a:t>2025-11-13</a:t>
             </a:fld>
             <a:endParaRPr lang="en-CA"/>
           </a:p>
@@ -6985,7 +6991,7 @@
           <a:p>
             <a:fld id="{16A6DBE6-5F48-46C6-8054-E594AA8CC26E}" type="datetimeFigureOut">
               <a:rPr lang="en-CA" smtClean="0"/>
-              <a:t>2025-11-12</a:t>
+              <a:t>2025-11-13</a:t>
             </a:fld>
             <a:endParaRPr lang="en-CA"/>
           </a:p>
@@ -7165,7 +7171,7 @@
           <a:p>
             <a:fld id="{16A6DBE6-5F48-46C6-8054-E594AA8CC26E}" type="datetimeFigureOut">
               <a:rPr lang="en-CA" smtClean="0"/>
-              <a:t>2025-11-12</a:t>
+              <a:t>2025-11-13</a:t>
             </a:fld>
             <a:endParaRPr lang="en-CA"/>
           </a:p>
@@ -7335,7 +7341,7 @@
           <a:p>
             <a:fld id="{16A6DBE6-5F48-46C6-8054-E594AA8CC26E}" type="datetimeFigureOut">
               <a:rPr lang="en-CA" smtClean="0"/>
-              <a:t>2025-11-12</a:t>
+              <a:t>2025-11-13</a:t>
             </a:fld>
             <a:endParaRPr lang="en-CA"/>
           </a:p>
@@ -7581,7 +7587,7 @@
           <a:p>
             <a:fld id="{16A6DBE6-5F48-46C6-8054-E594AA8CC26E}" type="datetimeFigureOut">
               <a:rPr lang="en-CA" smtClean="0"/>
-              <a:t>2025-11-12</a:t>
+              <a:t>2025-11-13</a:t>
             </a:fld>
             <a:endParaRPr lang="en-CA"/>
           </a:p>
@@ -7813,7 +7819,7 @@
           <a:p>
             <a:fld id="{16A6DBE6-5F48-46C6-8054-E594AA8CC26E}" type="datetimeFigureOut">
               <a:rPr lang="en-CA" smtClean="0"/>
-              <a:t>2025-11-12</a:t>
+              <a:t>2025-11-13</a:t>
             </a:fld>
             <a:endParaRPr lang="en-CA"/>
           </a:p>
@@ -8180,7 +8186,7 @@
           <a:p>
             <a:fld id="{16A6DBE6-5F48-46C6-8054-E594AA8CC26E}" type="datetimeFigureOut">
               <a:rPr lang="en-CA" smtClean="0"/>
-              <a:t>2025-11-12</a:t>
+              <a:t>2025-11-13</a:t>
             </a:fld>
             <a:endParaRPr lang="en-CA"/>
           </a:p>
@@ -8298,7 +8304,7 @@
           <a:p>
             <a:fld id="{16A6DBE6-5F48-46C6-8054-E594AA8CC26E}" type="datetimeFigureOut">
               <a:rPr lang="en-CA" smtClean="0"/>
-              <a:t>2025-11-12</a:t>
+              <a:t>2025-11-13</a:t>
             </a:fld>
             <a:endParaRPr lang="en-CA"/>
           </a:p>
@@ -8393,7 +8399,7 @@
           <a:p>
             <a:fld id="{16A6DBE6-5F48-46C6-8054-E594AA8CC26E}" type="datetimeFigureOut">
               <a:rPr lang="en-CA" smtClean="0"/>
-              <a:t>2025-11-12</a:t>
+              <a:t>2025-11-13</a:t>
             </a:fld>
             <a:endParaRPr lang="en-CA"/>
           </a:p>
@@ -8670,7 +8676,7 @@
           <a:p>
             <a:fld id="{16A6DBE6-5F48-46C6-8054-E594AA8CC26E}" type="datetimeFigureOut">
               <a:rPr lang="en-CA" smtClean="0"/>
-              <a:t>2025-11-12</a:t>
+              <a:t>2025-11-13</a:t>
             </a:fld>
             <a:endParaRPr lang="en-CA"/>
           </a:p>
@@ -8927,7 +8933,7 @@
           <a:p>
             <a:fld id="{16A6DBE6-5F48-46C6-8054-E594AA8CC26E}" type="datetimeFigureOut">
               <a:rPr lang="en-CA" smtClean="0"/>
-              <a:t>2025-11-12</a:t>
+              <a:t>2025-11-13</a:t>
             </a:fld>
             <a:endParaRPr lang="en-CA"/>
           </a:p>
@@ -9140,7 +9146,7 @@
           <a:p>
             <a:fld id="{16A6DBE6-5F48-46C6-8054-E594AA8CC26E}" type="datetimeFigureOut">
               <a:rPr lang="en-CA" smtClean="0"/>
-              <a:t>2025-11-12</a:t>
+              <a:t>2025-11-13</a:t>
             </a:fld>
             <a:endParaRPr lang="en-CA"/>
           </a:p>
@@ -9561,25 +9567,49 @@
             <p:ph type="ctrTitle"/>
           </p:nvPr>
         </p:nvSpPr>
-        <p:spPr/>
+        <p:spPr>
+          <a:xfrm>
+            <a:off x="1524000" y="868362"/>
+            <a:ext cx="9942576" cy="2387600"/>
+          </a:xfrm>
+        </p:spPr>
         <p:txBody>
           <a:bodyPr>
-            <a:normAutofit fontScale="90000"/>
+            <a:normAutofit/>
           </a:bodyPr>
           <a:lstStyle/>
           <a:p>
             <a:r>
-              <a:rPr lang="en-US" dirty="0"/>
-              <a:t>Gene Perturbation </a:t>
+              <a:rPr lang="en-CA" sz="4000" b="1" dirty="0">
+                <a:latin typeface="Times New Roman" panose="02020603050405020304" pitchFamily="18" charset="0"/>
+                <a:cs typeface="Times New Roman" panose="02020603050405020304" pitchFamily="18" charset="0"/>
+              </a:rPr>
+              <a:t>Single-Cell </a:t>
+            </a:r>
+            <a:r>
+              <a:rPr lang="en-US" sz="4000" b="1" dirty="0">
+                <a:latin typeface="Times New Roman" panose="02020603050405020304" pitchFamily="18" charset="0"/>
+                <a:cs typeface="Times New Roman" panose="02020603050405020304" pitchFamily="18" charset="0"/>
+              </a:rPr>
+              <a:t>Perturbation </a:t>
             </a:r>
             <a:br>
-              <a:rPr lang="en-US" dirty="0"/>
+              <a:rPr lang="en-US" sz="4000" b="1" dirty="0">
+                <a:latin typeface="Times New Roman" panose="02020603050405020304" pitchFamily="18" charset="0"/>
+                <a:cs typeface="Times New Roman" panose="02020603050405020304" pitchFamily="18" charset="0"/>
+              </a:rPr>
             </a:br>
             <a:r>
-              <a:rPr lang="en-US" dirty="0"/>
+              <a:rPr lang="en-US" sz="4000" b="1" dirty="0">
+                <a:latin typeface="Times New Roman" panose="02020603050405020304" pitchFamily="18" charset="0"/>
+                <a:cs typeface="Times New Roman" panose="02020603050405020304" pitchFamily="18" charset="0"/>
+              </a:rPr>
               <a:t>Analysis Using Machine Learning</a:t>
             </a:r>
-            <a:endParaRPr lang="en-CA" dirty="0"/>
+            <a:endParaRPr lang="en-CA" sz="4000" b="1" dirty="0">
+              <a:latin typeface="Times New Roman" panose="02020603050405020304" pitchFamily="18" charset="0"/>
+              <a:cs typeface="Times New Roman" panose="02020603050405020304" pitchFamily="18" charset="0"/>
+            </a:endParaRPr>
           </a:p>
         </p:txBody>
       </p:sp>
@@ -9616,6 +9646,517 @@
     <p:extLst>
       <p:ext uri="{BB962C8B-B14F-4D97-AF65-F5344CB8AC3E}">
         <p14:creationId xmlns:p14="http://schemas.microsoft.com/office/powerpoint/2010/main" val="1264684352"/>
+      </p:ext>
+    </p:extLst>
+  </p:cSld>
+  <p:clrMapOvr>
+    <a:masterClrMapping/>
+  </p:clrMapOvr>
+</p:sld>
+</file>
+
+<file path=ppt/slides/slide10.xml><?xml version="1.0" encoding="utf-8"?>
+<p:sld xmlns:a="http://schemas.openxmlformats.org/drawingml/2006/main" xmlns:r="http://schemas.openxmlformats.org/officeDocument/2006/relationships" xmlns:p="http://schemas.openxmlformats.org/presentationml/2006/main">
+  <p:cSld>
+    <p:bg>
+      <p:bgPr>
+        <a:solidFill>
+          <a:schemeClr val="bg1"/>
+        </a:solidFill>
+        <a:effectLst/>
+      </p:bgPr>
+    </p:bg>
+    <p:spTree>
+      <p:nvGrpSpPr>
+        <p:cNvPr id="1" name=""/>
+        <p:cNvGrpSpPr/>
+        <p:nvPr/>
+      </p:nvGrpSpPr>
+      <p:grpSpPr>
+        <a:xfrm>
+          <a:off x="0" y="0"/>
+          <a:ext cx="0" cy="0"/>
+          <a:chOff x="0" y="0"/>
+          <a:chExt cx="0" cy="0"/>
+        </a:xfrm>
+      </p:grpSpPr>
+      <p:sp useBgFill="1">
+        <p:nvSpPr>
+          <p:cNvPr id="9" name="Rectangle 8">
+            <a:extLst>
+              <a:ext uri="{FF2B5EF4-FFF2-40B4-BE49-F238E27FC236}">
+                <a16:creationId xmlns:a16="http://schemas.microsoft.com/office/drawing/2014/main" id="{56E9B3E6-E277-4D68-BA48-9CB43FFBD6E2}"/>
+              </a:ext>
+              <a:ext uri="{C183D7F6-B498-43B3-948B-1728B52AA6E4}">
+                <adec:decorative xmlns:adec="http://schemas.microsoft.com/office/drawing/2017/decorative" val="1"/>
+              </a:ext>
+            </a:extLst>
+          </p:cNvPr>
+          <p:cNvSpPr>
+            <a:spLocks noGrp="1" noRot="1" noChangeAspect="1" noMove="1" noResize="1" noEditPoints="1" noAdjustHandles="1" noChangeArrowheads="1" noChangeShapeType="1" noTextEdit="1"/>
+          </p:cNvSpPr>
+          <p:nvPr>
+            <p:extLst>
+              <p:ext uri="{386F3935-93C4-4BCD-93E2-E3B085C9AB24}">
+                <p16:designElem xmlns:p16="http://schemas.microsoft.com/office/powerpoint/2015/main" val="1"/>
+              </p:ext>
+            </p:extLst>
+          </p:nvPr>
+        </p:nvSpPr>
+        <p:spPr>
+          <a:xfrm>
+            <a:off x="0" y="0"/>
+            <a:ext cx="12191999" cy="6857365"/>
+          </a:xfrm>
+          <a:prstGeom prst="rect">
+            <a:avLst/>
+          </a:prstGeom>
+          <a:ln>
+            <a:noFill/>
+          </a:ln>
+        </p:spPr>
+        <p:style>
+          <a:lnRef idx="2">
+            <a:schemeClr val="accent1">
+              <a:shade val="50000"/>
+            </a:schemeClr>
+          </a:lnRef>
+          <a:fillRef idx="1">
+            <a:schemeClr val="accent1"/>
+          </a:fillRef>
+          <a:effectRef idx="0">
+            <a:schemeClr val="accent1"/>
+          </a:effectRef>
+          <a:fontRef idx="minor">
+            <a:schemeClr val="lt1"/>
+          </a:fontRef>
+        </p:style>
+        <p:txBody>
+          <a:bodyPr rtlCol="0" anchor="ctr"/>
+          <a:lstStyle/>
+          <a:p>
+            <a:pPr algn="ctr"/>
+            <a:endParaRPr lang="en-US"/>
+          </a:p>
+        </p:txBody>
+      </p:sp>
+      <p:grpSp>
+        <p:nvGrpSpPr>
+          <p:cNvPr id="11" name="Group 10">
+            <a:extLst>
+              <a:ext uri="{FF2B5EF4-FFF2-40B4-BE49-F238E27FC236}">
+                <a16:creationId xmlns:a16="http://schemas.microsoft.com/office/drawing/2014/main" id="{AE1C45F0-260A-458C-96ED-C1F6D2151219}"/>
+              </a:ext>
+              <a:ext uri="{C183D7F6-B498-43B3-948B-1728B52AA6E4}">
+                <adec:decorative xmlns:adec="http://schemas.microsoft.com/office/drawing/2017/decorative" val="1"/>
+              </a:ext>
+            </a:extLst>
+          </p:cNvPr>
+          <p:cNvGrpSpPr>
+            <a:grpSpLocks noGrp="1" noUngrp="1" noRot="1" noChangeAspect="1" noMove="1" noResize="1"/>
+          </p:cNvGrpSpPr>
+          <p:nvPr>
+            <p:extLst>
+              <p:ext uri="{386F3935-93C4-4BCD-93E2-E3B085C9AB24}">
+                <p16:designElem xmlns:p16="http://schemas.microsoft.com/office/powerpoint/2015/main" val="1"/>
+              </p:ext>
+            </p:extLst>
+          </p:nvPr>
+        </p:nvGrpSpPr>
+        <p:grpSpPr>
+          <a:xfrm>
+            <a:off x="4" y="1216597"/>
+            <a:ext cx="731521" cy="673460"/>
+            <a:chOff x="3940602" y="308034"/>
+            <a:chExt cx="2116791" cy="3428999"/>
+          </a:xfrm>
+          <a:solidFill>
+            <a:schemeClr val="accent4"/>
+          </a:solidFill>
+        </p:grpSpPr>
+        <p:sp>
+          <p:nvSpPr>
+            <p:cNvPr id="12" name="Rectangle 11">
+              <a:extLst>
+                <a:ext uri="{FF2B5EF4-FFF2-40B4-BE49-F238E27FC236}">
+                  <a16:creationId xmlns:a16="http://schemas.microsoft.com/office/drawing/2014/main" id="{A6604B49-AD5C-4590-B051-06C8222ECD99}"/>
+                </a:ext>
+                <a:ext uri="{C183D7F6-B498-43B3-948B-1728B52AA6E4}">
+                  <adec:decorative xmlns:adec="http://schemas.microsoft.com/office/drawing/2017/decorative" val="1"/>
+                </a:ext>
+              </a:extLst>
+            </p:cNvPr>
+            <p:cNvSpPr/>
+            <p:nvPr>
+              <p:extLst>
+                <p:ext uri="{386F3935-93C4-4BCD-93E2-E3B085C9AB24}">
+                  <p16:designElem xmlns:p16="http://schemas.microsoft.com/office/powerpoint/2015/main" val="1"/>
+                </p:ext>
+              </p:extLst>
+            </p:nvPr>
+          </p:nvSpPr>
+          <p:spPr>
+            <a:xfrm>
+              <a:off x="3940602" y="308034"/>
+              <a:ext cx="566743" cy="3428999"/>
+            </a:xfrm>
+            <a:prstGeom prst="rect">
+              <a:avLst/>
+            </a:prstGeom>
+            <a:grpFill/>
+            <a:ln>
+              <a:noFill/>
+            </a:ln>
+          </p:spPr>
+          <p:style>
+            <a:lnRef idx="2">
+              <a:schemeClr val="accent1">
+                <a:shade val="50000"/>
+              </a:schemeClr>
+            </a:lnRef>
+            <a:fillRef idx="1">
+              <a:schemeClr val="accent1"/>
+            </a:fillRef>
+            <a:effectRef idx="0">
+              <a:schemeClr val="accent1"/>
+            </a:effectRef>
+            <a:fontRef idx="minor">
+              <a:schemeClr val="lt1"/>
+            </a:fontRef>
+          </p:style>
+          <p:txBody>
+            <a:bodyPr rtlCol="0" anchor="ctr"/>
+            <a:lstStyle/>
+            <a:p>
+              <a:pPr algn="ctr"/>
+              <a:endParaRPr lang="en-US"/>
+            </a:p>
+          </p:txBody>
+        </p:sp>
+        <p:sp>
+          <p:nvSpPr>
+            <p:cNvPr id="13" name="Rectangle 12">
+              <a:extLst>
+                <a:ext uri="{FF2B5EF4-FFF2-40B4-BE49-F238E27FC236}">
+                  <a16:creationId xmlns:a16="http://schemas.microsoft.com/office/drawing/2014/main" id="{743ECCAF-29C5-4537-947C-7EA1292463DB}"/>
+                </a:ext>
+                <a:ext uri="{C183D7F6-B498-43B3-948B-1728B52AA6E4}">
+                  <adec:decorative xmlns:adec="http://schemas.microsoft.com/office/drawing/2017/decorative" val="1"/>
+                </a:ext>
+              </a:extLst>
+            </p:cNvPr>
+            <p:cNvSpPr/>
+            <p:nvPr>
+              <p:extLst>
+                <p:ext uri="{386F3935-93C4-4BCD-93E2-E3B085C9AB24}">
+                  <p16:designElem xmlns:p16="http://schemas.microsoft.com/office/powerpoint/2015/main" val="1"/>
+                </p:ext>
+              </p:extLst>
+            </p:nvPr>
+          </p:nvSpPr>
+          <p:spPr>
+            <a:xfrm>
+              <a:off x="4715626" y="308034"/>
+              <a:ext cx="566743" cy="3428999"/>
+            </a:xfrm>
+            <a:prstGeom prst="rect">
+              <a:avLst/>
+            </a:prstGeom>
+            <a:grpFill/>
+            <a:ln>
+              <a:noFill/>
+            </a:ln>
+          </p:spPr>
+          <p:style>
+            <a:lnRef idx="2">
+              <a:schemeClr val="accent1">
+                <a:shade val="50000"/>
+              </a:schemeClr>
+            </a:lnRef>
+            <a:fillRef idx="1">
+              <a:schemeClr val="accent1"/>
+            </a:fillRef>
+            <a:effectRef idx="0">
+              <a:schemeClr val="accent1"/>
+            </a:effectRef>
+            <a:fontRef idx="minor">
+              <a:schemeClr val="lt1"/>
+            </a:fontRef>
+          </p:style>
+          <p:txBody>
+            <a:bodyPr rtlCol="0" anchor="ctr"/>
+            <a:lstStyle/>
+            <a:p>
+              <a:pPr algn="ctr"/>
+              <a:endParaRPr lang="en-US"/>
+            </a:p>
+          </p:txBody>
+        </p:sp>
+        <p:sp>
+          <p:nvSpPr>
+            <p:cNvPr id="14" name="Rectangle 13">
+              <a:extLst>
+                <a:ext uri="{FF2B5EF4-FFF2-40B4-BE49-F238E27FC236}">
+                  <a16:creationId xmlns:a16="http://schemas.microsoft.com/office/drawing/2014/main" id="{ED49787B-8DE6-4467-AD0A-8DECC6E0C2D6}"/>
+                </a:ext>
+                <a:ext uri="{C183D7F6-B498-43B3-948B-1728B52AA6E4}">
+                  <adec:decorative xmlns:adec="http://schemas.microsoft.com/office/drawing/2017/decorative" val="1"/>
+                </a:ext>
+              </a:extLst>
+            </p:cNvPr>
+            <p:cNvSpPr/>
+            <p:nvPr>
+              <p:extLst>
+                <p:ext uri="{386F3935-93C4-4BCD-93E2-E3B085C9AB24}">
+                  <p16:designElem xmlns:p16="http://schemas.microsoft.com/office/powerpoint/2015/main" val="1"/>
+                </p:ext>
+              </p:extLst>
+            </p:nvPr>
+          </p:nvSpPr>
+          <p:spPr>
+            <a:xfrm>
+              <a:off x="5490650" y="308034"/>
+              <a:ext cx="566743" cy="3428999"/>
+            </a:xfrm>
+            <a:prstGeom prst="rect">
+              <a:avLst/>
+            </a:prstGeom>
+            <a:grpFill/>
+            <a:ln>
+              <a:noFill/>
+            </a:ln>
+          </p:spPr>
+          <p:style>
+            <a:lnRef idx="2">
+              <a:schemeClr val="accent1">
+                <a:shade val="50000"/>
+              </a:schemeClr>
+            </a:lnRef>
+            <a:fillRef idx="1">
+              <a:schemeClr val="accent1"/>
+            </a:fillRef>
+            <a:effectRef idx="0">
+              <a:schemeClr val="accent1"/>
+            </a:effectRef>
+            <a:fontRef idx="minor">
+              <a:schemeClr val="lt1"/>
+            </a:fontRef>
+          </p:style>
+          <p:txBody>
+            <a:bodyPr rtlCol="0" anchor="ctr"/>
+            <a:lstStyle/>
+            <a:p>
+              <a:pPr algn="ctr"/>
+              <a:endParaRPr lang="en-US"/>
+            </a:p>
+          </p:txBody>
+        </p:sp>
+      </p:grpSp>
+      <p:sp>
+        <p:nvSpPr>
+          <p:cNvPr id="16" name="Rectangle 15">
+            <a:extLst>
+              <a:ext uri="{FF2B5EF4-FFF2-40B4-BE49-F238E27FC236}">
+                <a16:creationId xmlns:a16="http://schemas.microsoft.com/office/drawing/2014/main" id="{D5B0017B-2ECA-49AF-B397-DC140825DF8D}"/>
+              </a:ext>
+              <a:ext uri="{C183D7F6-B498-43B3-948B-1728B52AA6E4}">
+                <adec:decorative xmlns:adec="http://schemas.microsoft.com/office/drawing/2017/decorative" val="1"/>
+              </a:ext>
+            </a:extLst>
+          </p:cNvPr>
+          <p:cNvSpPr>
+            <a:spLocks noGrp="1" noRot="1" noChangeAspect="1" noMove="1" noResize="1" noEditPoints="1" noAdjustHandles="1" noChangeArrowheads="1" noChangeShapeType="1" noTextEdit="1"/>
+          </p:cNvSpPr>
+          <p:nvPr>
+            <p:extLst>
+              <p:ext uri="{386F3935-93C4-4BCD-93E2-E3B085C9AB24}">
+                <p16:designElem xmlns:p16="http://schemas.microsoft.com/office/powerpoint/2015/main" val="1"/>
+              </p:ext>
+            </p:extLst>
+          </p:nvPr>
+        </p:nvSpPr>
+        <p:spPr>
+          <a:xfrm>
+            <a:off x="640079" y="613954"/>
+            <a:ext cx="10907487" cy="1894116"/>
+          </a:xfrm>
+          <a:prstGeom prst="rect">
+            <a:avLst/>
+          </a:prstGeom>
+          <a:solidFill>
+            <a:schemeClr val="bg1"/>
+          </a:solidFill>
+          <a:ln>
+            <a:noFill/>
+          </a:ln>
+          <a:effectLst>
+            <a:outerShdw blurRad="139700" dist="127000" dir="5400000" algn="t" rotWithShape="0">
+              <a:prstClr val="black">
+                <a:alpha val="15000"/>
+              </a:prstClr>
+            </a:outerShdw>
+          </a:effectLst>
+        </p:spPr>
+        <p:style>
+          <a:lnRef idx="2">
+            <a:schemeClr val="accent1">
+              <a:shade val="50000"/>
+            </a:schemeClr>
+          </a:lnRef>
+          <a:fillRef idx="1">
+            <a:schemeClr val="accent1"/>
+          </a:fillRef>
+          <a:effectRef idx="0">
+            <a:schemeClr val="accent1"/>
+          </a:effectRef>
+          <a:fontRef idx="minor">
+            <a:schemeClr val="lt1"/>
+          </a:fontRef>
+        </p:style>
+        <p:txBody>
+          <a:bodyPr rtlCol="0" anchor="ctr"/>
+          <a:lstStyle/>
+          <a:p>
+            <a:pPr algn="ctr"/>
+            <a:endParaRPr lang="en-US"/>
+          </a:p>
+        </p:txBody>
+      </p:sp>
+      <p:sp>
+        <p:nvSpPr>
+          <p:cNvPr id="2" name="Title 1">
+            <a:extLst>
+              <a:ext uri="{FF2B5EF4-FFF2-40B4-BE49-F238E27FC236}">
+                <a16:creationId xmlns:a16="http://schemas.microsoft.com/office/drawing/2014/main" id="{6BF1000D-1C8E-2F1B-B07B-51EF429F518A}"/>
+              </a:ext>
+            </a:extLst>
+          </p:cNvPr>
+          <p:cNvSpPr>
+            <a:spLocks noGrp="1"/>
+          </p:cNvSpPr>
+          <p:nvPr>
+            <p:ph type="title"/>
+          </p:nvPr>
+        </p:nvSpPr>
+        <p:spPr>
+          <a:xfrm>
+            <a:off x="1043631" y="809898"/>
+            <a:ext cx="10173010" cy="1554480"/>
+          </a:xfrm>
+        </p:spPr>
+        <p:txBody>
+          <a:bodyPr anchor="ctr">
+            <a:normAutofit/>
+          </a:bodyPr>
+          <a:lstStyle/>
+          <a:p>
+            <a:r>
+              <a:rPr lang="en-CA" sz="4800" b="1">
+                <a:latin typeface="Times New Roman" panose="02020603050405020304" pitchFamily="18" charset="0"/>
+                <a:cs typeface="Times New Roman" panose="02020603050405020304" pitchFamily="18" charset="0"/>
+              </a:rPr>
+              <a:t>Expected Impact</a:t>
+            </a:r>
+            <a:br>
+              <a:rPr lang="en-CA" sz="4800" b="1">
+                <a:latin typeface="Times New Roman" panose="02020603050405020304" pitchFamily="18" charset="0"/>
+                <a:cs typeface="Times New Roman" panose="02020603050405020304" pitchFamily="18" charset="0"/>
+              </a:rPr>
+            </a:br>
+            <a:endParaRPr lang="en-CA" sz="4800">
+              <a:latin typeface="Times New Roman" panose="02020603050405020304" pitchFamily="18" charset="0"/>
+              <a:cs typeface="Times New Roman" panose="02020603050405020304" pitchFamily="18" charset="0"/>
+            </a:endParaRPr>
+          </a:p>
+        </p:txBody>
+      </p:sp>
+      <p:cxnSp>
+        <p:nvCxnSpPr>
+          <p:cNvPr id="18" name="Straight Connector 17">
+            <a:extLst>
+              <a:ext uri="{FF2B5EF4-FFF2-40B4-BE49-F238E27FC236}">
+                <a16:creationId xmlns:a16="http://schemas.microsoft.com/office/drawing/2014/main" id="{6CF1BAF6-AD41-4082-B212-8A1F9A2E8779}"/>
+              </a:ext>
+              <a:ext uri="{C183D7F6-B498-43B3-948B-1728B52AA6E4}">
+                <adec:decorative xmlns:adec="http://schemas.microsoft.com/office/drawing/2017/decorative" val="1"/>
+              </a:ext>
+            </a:extLst>
+          </p:cNvPr>
+          <p:cNvCxnSpPr>
+            <a:cxnSpLocks noGrp="1" noRot="1" noChangeAspect="1" noMove="1" noResize="1" noEditPoints="1" noAdjustHandles="1" noChangeArrowheads="1" noChangeShapeType="1"/>
+          </p:cNvCxnSpPr>
+          <p:nvPr>
+            <p:extLst>
+              <p:ext uri="{386F3935-93C4-4BCD-93E2-E3B085C9AB24}">
+                <p16:designElem xmlns:p16="http://schemas.microsoft.com/office/powerpoint/2015/main" val="1"/>
+              </p:ext>
+            </p:extLst>
+          </p:nvPr>
+        </p:nvCxnSpPr>
+        <p:spPr>
+          <a:xfrm flipH="1">
+            <a:off x="838200" y="6485313"/>
+            <a:ext cx="10515600" cy="0"/>
+          </a:xfrm>
+          <a:prstGeom prst="line">
+            <a:avLst/>
+          </a:prstGeom>
+          <a:ln w="57150">
+            <a:solidFill>
+              <a:schemeClr val="accent4"/>
+            </a:solidFill>
+          </a:ln>
+        </p:spPr>
+        <p:style>
+          <a:lnRef idx="1">
+            <a:schemeClr val="accent1"/>
+          </a:lnRef>
+          <a:fillRef idx="0">
+            <a:schemeClr val="accent1"/>
+          </a:fillRef>
+          <a:effectRef idx="0">
+            <a:schemeClr val="accent1"/>
+          </a:effectRef>
+          <a:fontRef idx="minor">
+            <a:schemeClr val="tx1"/>
+          </a:fontRef>
+        </p:style>
+      </p:cxnSp>
+      <p:graphicFrame>
+        <p:nvGraphicFramePr>
+          <p:cNvPr id="5" name="Content Placeholder 2">
+            <a:extLst>
+              <a:ext uri="{FF2B5EF4-FFF2-40B4-BE49-F238E27FC236}">
+                <a16:creationId xmlns:a16="http://schemas.microsoft.com/office/drawing/2014/main" id="{4B034FA6-CFEC-6BBB-BE60-D6D98D39226F}"/>
+              </a:ext>
+            </a:extLst>
+          </p:cNvPr>
+          <p:cNvGraphicFramePr>
+            <a:graphicFrameLocks noGrp="1"/>
+          </p:cNvGraphicFramePr>
+          <p:nvPr>
+            <p:ph idx="1"/>
+            <p:extLst>
+              <p:ext uri="{D42A27DB-BD31-4B8C-83A1-F6EECF244321}">
+                <p14:modId xmlns:p14="http://schemas.microsoft.com/office/powerpoint/2010/main" val="2525633962"/>
+              </p:ext>
+            </p:extLst>
+          </p:nvPr>
+        </p:nvGraphicFramePr>
+        <p:xfrm>
+          <a:off x="904602" y="3017519"/>
+          <a:ext cx="10378440" cy="3209902"/>
+        </p:xfrm>
+        <a:graphic>
+          <a:graphicData uri="http://schemas.openxmlformats.org/drawingml/2006/diagram">
+            <dgm:relIds xmlns:dgm="http://schemas.openxmlformats.org/drawingml/2006/diagram" xmlns:r="http://schemas.openxmlformats.org/officeDocument/2006/relationships" r:dm="rId2" r:lo="rId3" r:qs="rId4" r:cs="rId5"/>
+          </a:graphicData>
+        </a:graphic>
+      </p:graphicFrame>
+    </p:spTree>
+    <p:extLst>
+      <p:ext uri="{BB962C8B-B14F-4D97-AF65-F5344CB8AC3E}">
+        <p14:creationId xmlns:p14="http://schemas.microsoft.com/office/powerpoint/2010/main" val="1202439710"/>
       </p:ext>
     </p:extLst>
   </p:cSld>
@@ -9931,7 +10472,7 @@
         </p:nvSpPr>
         <p:spPr bwMode="auto">
           <a:xfrm>
-            <a:off x="761802" y="2459736"/>
+            <a:off x="768628" y="2285999"/>
             <a:ext cx="5327371" cy="3613149"/>
           </a:xfrm>
           <a:prstGeom prst="rect">
@@ -10336,7 +10877,7 @@
                 <a:latin typeface="Times New Roman" panose="02020603050405020304" pitchFamily="18" charset="0"/>
                 <a:cs typeface="Times New Roman" panose="02020603050405020304" pitchFamily="18" charset="0"/>
               </a:rPr>
-              <a:t>Linear models (LASSO, Elastic Net) identify sparse gene–gene dependencies. Linear models can  fail to capture nonlinear gene–gene dependencies or combinatorial perturbations.</a:t>
+              <a:t>Linear models (LASSO, Elastic Net) identify sparse gene–gene dependencies. Linear models can  fail to capture nonlinear gene–gene or protein to protein dependencies or combinatorial perturbations.</a:t>
             </a:r>
           </a:p>
           <a:p>
@@ -10354,8 +10895,14 @@
                 <a:latin typeface="Times New Roman" panose="02020603050405020304" pitchFamily="18" charset="0"/>
                 <a:cs typeface="Times New Roman" panose="02020603050405020304" pitchFamily="18" charset="0"/>
               </a:rPr>
-              <a:t>Reinforcement learning (RL) shows promise for modeling dynamic perturbation sequences.</a:t>
-            </a:r>
+              <a:t>Reinforcement learning (RL) shows promise for modeling dynamic perturbation sequences </a:t>
+            </a:r>
+          </a:p>
+          <a:p>
+            <a:endParaRPr lang="en-CA" sz="1400" b="1" dirty="0">
+              <a:latin typeface="Times New Roman" panose="02020603050405020304" pitchFamily="18" charset="0"/>
+              <a:cs typeface="Times New Roman" panose="02020603050405020304" pitchFamily="18" charset="0"/>
+            </a:endParaRPr>
           </a:p>
           <a:p>
             <a:r>
@@ -11297,6 +11844,689 @@
           <p:cNvPr id="2" name="Title 1">
             <a:extLst>
               <a:ext uri="{FF2B5EF4-FFF2-40B4-BE49-F238E27FC236}">
+                <a16:creationId xmlns:a16="http://schemas.microsoft.com/office/drawing/2014/main" id="{A7AA7AAC-FF58-834B-CBDF-6C2E17F3DD87}"/>
+              </a:ext>
+            </a:extLst>
+          </p:cNvPr>
+          <p:cNvSpPr>
+            <a:spLocks noGrp="1"/>
+          </p:cNvSpPr>
+          <p:nvPr>
+            <p:ph type="title"/>
+          </p:nvPr>
+        </p:nvSpPr>
+        <p:spPr>
+          <a:xfrm>
+            <a:off x="163017" y="158592"/>
+            <a:ext cx="10515600" cy="558035"/>
+          </a:xfrm>
+        </p:spPr>
+        <p:txBody>
+          <a:bodyPr>
+            <a:normAutofit/>
+          </a:bodyPr>
+          <a:lstStyle/>
+          <a:p>
+            <a:r>
+              <a:rPr lang="en-US" sz="2000" dirty="0"/>
+              <a:t>Example</a:t>
+            </a:r>
+            <a:endParaRPr lang="en-CA" sz="2000" dirty="0"/>
+          </a:p>
+        </p:txBody>
+      </p:sp>
+      <p:sp>
+        <p:nvSpPr>
+          <p:cNvPr id="4" name="Rectangle 3">
+            <a:extLst>
+              <a:ext uri="{FF2B5EF4-FFF2-40B4-BE49-F238E27FC236}">
+                <a16:creationId xmlns:a16="http://schemas.microsoft.com/office/drawing/2014/main" id="{57297EEA-A3FA-17DB-0F38-DF94A269B9A1}"/>
+              </a:ext>
+            </a:extLst>
+          </p:cNvPr>
+          <p:cNvSpPr/>
+          <p:nvPr/>
+        </p:nvSpPr>
+        <p:spPr>
+          <a:xfrm>
+            <a:off x="4215384" y="849440"/>
+            <a:ext cx="2688336" cy="439864"/>
+          </a:xfrm>
+          <a:prstGeom prst="rect">
+            <a:avLst/>
+          </a:prstGeom>
+          <a:noFill/>
+        </p:spPr>
+        <p:style>
+          <a:lnRef idx="2">
+            <a:schemeClr val="accent1">
+              <a:shade val="15000"/>
+            </a:schemeClr>
+          </a:lnRef>
+          <a:fillRef idx="1">
+            <a:schemeClr val="accent1"/>
+          </a:fillRef>
+          <a:effectRef idx="0">
+            <a:schemeClr val="accent1"/>
+          </a:effectRef>
+          <a:fontRef idx="minor">
+            <a:schemeClr val="lt1"/>
+          </a:fontRef>
+        </p:style>
+        <p:txBody>
+          <a:bodyPr rtlCol="0" anchor="ctr"/>
+          <a:lstStyle/>
+          <a:p>
+            <a:pPr algn="ctr"/>
+            <a:endParaRPr lang="en-CA"/>
+          </a:p>
+        </p:txBody>
+      </p:sp>
+      <p:sp>
+        <p:nvSpPr>
+          <p:cNvPr id="7" name="TextBox 6">
+            <a:extLst>
+              <a:ext uri="{FF2B5EF4-FFF2-40B4-BE49-F238E27FC236}">
+                <a16:creationId xmlns:a16="http://schemas.microsoft.com/office/drawing/2014/main" id="{A1F8C08E-C5A6-84A3-B356-101C367696DF}"/>
+              </a:ext>
+            </a:extLst>
+          </p:cNvPr>
+          <p:cNvSpPr txBox="1"/>
+          <p:nvPr/>
+        </p:nvSpPr>
+        <p:spPr>
+          <a:xfrm>
+            <a:off x="4425696" y="919972"/>
+            <a:ext cx="2114746" cy="369332"/>
+          </a:xfrm>
+          <a:prstGeom prst="rect">
+            <a:avLst/>
+          </a:prstGeom>
+          <a:noFill/>
+        </p:spPr>
+        <p:txBody>
+          <a:bodyPr wrap="none" rtlCol="0">
+            <a:spAutoFit/>
+          </a:bodyPr>
+          <a:lstStyle/>
+          <a:p>
+            <a:r>
+              <a:rPr lang="en-US" dirty="0"/>
+              <a:t>GSE153056_RAW.tar</a:t>
+            </a:r>
+            <a:endParaRPr lang="en-CA" dirty="0"/>
+          </a:p>
+        </p:txBody>
+      </p:sp>
+      <p:sp>
+        <p:nvSpPr>
+          <p:cNvPr id="8" name="Rectangle 7">
+            <a:extLst>
+              <a:ext uri="{FF2B5EF4-FFF2-40B4-BE49-F238E27FC236}">
+                <a16:creationId xmlns:a16="http://schemas.microsoft.com/office/drawing/2014/main" id="{1A9EE5CC-E954-FC70-1F72-0B743CF52368}"/>
+              </a:ext>
+            </a:extLst>
+          </p:cNvPr>
+          <p:cNvSpPr/>
+          <p:nvPr/>
+        </p:nvSpPr>
+        <p:spPr>
+          <a:xfrm>
+            <a:off x="2566416" y="2093183"/>
+            <a:ext cx="2688336" cy="646330"/>
+          </a:xfrm>
+          <a:prstGeom prst="rect">
+            <a:avLst/>
+          </a:prstGeom>
+          <a:noFill/>
+        </p:spPr>
+        <p:style>
+          <a:lnRef idx="2">
+            <a:schemeClr val="accent1">
+              <a:shade val="15000"/>
+            </a:schemeClr>
+          </a:lnRef>
+          <a:fillRef idx="1">
+            <a:schemeClr val="accent1"/>
+          </a:fillRef>
+          <a:effectRef idx="0">
+            <a:schemeClr val="accent1"/>
+          </a:effectRef>
+          <a:fontRef idx="minor">
+            <a:schemeClr val="lt1"/>
+          </a:fontRef>
+        </p:style>
+        <p:txBody>
+          <a:bodyPr rtlCol="0" anchor="ctr"/>
+          <a:lstStyle/>
+          <a:p>
+            <a:pPr algn="ctr"/>
+            <a:endParaRPr lang="en-CA"/>
+          </a:p>
+        </p:txBody>
+      </p:sp>
+      <p:sp>
+        <p:nvSpPr>
+          <p:cNvPr id="9" name="Rectangle 8">
+            <a:extLst>
+              <a:ext uri="{FF2B5EF4-FFF2-40B4-BE49-F238E27FC236}">
+                <a16:creationId xmlns:a16="http://schemas.microsoft.com/office/drawing/2014/main" id="{406B3CC9-CDDA-C4D6-378A-44840C6B2B94}"/>
+              </a:ext>
+            </a:extLst>
+          </p:cNvPr>
+          <p:cNvSpPr/>
+          <p:nvPr/>
+        </p:nvSpPr>
+        <p:spPr>
+          <a:xfrm>
+            <a:off x="5855297" y="2100758"/>
+            <a:ext cx="3151632" cy="646331"/>
+          </a:xfrm>
+          <a:prstGeom prst="rect">
+            <a:avLst/>
+          </a:prstGeom>
+          <a:noFill/>
+        </p:spPr>
+        <p:style>
+          <a:lnRef idx="2">
+            <a:schemeClr val="accent1">
+              <a:shade val="15000"/>
+            </a:schemeClr>
+          </a:lnRef>
+          <a:fillRef idx="1">
+            <a:schemeClr val="accent1"/>
+          </a:fillRef>
+          <a:effectRef idx="0">
+            <a:schemeClr val="accent1"/>
+          </a:effectRef>
+          <a:fontRef idx="minor">
+            <a:schemeClr val="lt1"/>
+          </a:fontRef>
+        </p:style>
+        <p:txBody>
+          <a:bodyPr rtlCol="0" anchor="ctr"/>
+          <a:lstStyle/>
+          <a:p>
+            <a:pPr algn="ctr"/>
+            <a:endParaRPr lang="en-CA"/>
+          </a:p>
+        </p:txBody>
+      </p:sp>
+      <p:sp>
+        <p:nvSpPr>
+          <p:cNvPr id="10" name="TextBox 9">
+            <a:extLst>
+              <a:ext uri="{FF2B5EF4-FFF2-40B4-BE49-F238E27FC236}">
+                <a16:creationId xmlns:a16="http://schemas.microsoft.com/office/drawing/2014/main" id="{C6DA7CF7-BA19-5F4C-CBA6-2CDF42CA3036}"/>
+              </a:ext>
+            </a:extLst>
+          </p:cNvPr>
+          <p:cNvSpPr txBox="1"/>
+          <p:nvPr/>
+        </p:nvSpPr>
+        <p:spPr>
+          <a:xfrm>
+            <a:off x="5946647" y="2100758"/>
+            <a:ext cx="3151632" cy="646331"/>
+          </a:xfrm>
+          <a:prstGeom prst="rect">
+            <a:avLst/>
+          </a:prstGeom>
+          <a:noFill/>
+        </p:spPr>
+        <p:txBody>
+          <a:bodyPr wrap="square" rtlCol="0">
+            <a:spAutoFit/>
+          </a:bodyPr>
+          <a:lstStyle/>
+          <a:p>
+            <a:r>
+              <a:rPr lang="en-CA" dirty="0"/>
+              <a:t>Expanded CRISPR-</a:t>
+            </a:r>
+          </a:p>
+          <a:p>
+            <a:r>
+              <a:rPr lang="en-CA" dirty="0"/>
+              <a:t>Compatible CITE-seq</a:t>
+            </a:r>
+          </a:p>
+        </p:txBody>
+      </p:sp>
+      <p:sp>
+        <p:nvSpPr>
+          <p:cNvPr id="12" name="TextBox 11">
+            <a:extLst>
+              <a:ext uri="{FF2B5EF4-FFF2-40B4-BE49-F238E27FC236}">
+                <a16:creationId xmlns:a16="http://schemas.microsoft.com/office/drawing/2014/main" id="{F89FE222-81A9-44D9-AA17-58A7A1FE527C}"/>
+              </a:ext>
+            </a:extLst>
+          </p:cNvPr>
+          <p:cNvSpPr txBox="1"/>
+          <p:nvPr/>
+        </p:nvSpPr>
+        <p:spPr>
+          <a:xfrm>
+            <a:off x="3033239" y="2231295"/>
+            <a:ext cx="1575337" cy="369332"/>
+          </a:xfrm>
+          <a:prstGeom prst="rect">
+            <a:avLst/>
+          </a:prstGeom>
+          <a:noFill/>
+        </p:spPr>
+        <p:txBody>
+          <a:bodyPr wrap="square">
+            <a:spAutoFit/>
+          </a:bodyPr>
+          <a:lstStyle/>
+          <a:p>
+            <a:r>
+              <a:rPr lang="en-CA" dirty="0"/>
+              <a:t>CITE-seq</a:t>
+            </a:r>
+          </a:p>
+        </p:txBody>
+      </p:sp>
+      <p:cxnSp>
+        <p:nvCxnSpPr>
+          <p:cNvPr id="14" name="Straight Arrow Connector 13">
+            <a:extLst>
+              <a:ext uri="{FF2B5EF4-FFF2-40B4-BE49-F238E27FC236}">
+                <a16:creationId xmlns:a16="http://schemas.microsoft.com/office/drawing/2014/main" id="{E8721AA7-C8BE-8B4D-151D-A8DA37129B65}"/>
+              </a:ext>
+            </a:extLst>
+          </p:cNvPr>
+          <p:cNvCxnSpPr>
+            <a:stCxn id="7" idx="2"/>
+          </p:cNvCxnSpPr>
+          <p:nvPr/>
+        </p:nvCxnSpPr>
+        <p:spPr>
+          <a:xfrm flipH="1">
+            <a:off x="4215384" y="1289304"/>
+            <a:ext cx="1267685" cy="803878"/>
+          </a:xfrm>
+          <a:prstGeom prst="straightConnector1">
+            <a:avLst/>
+          </a:prstGeom>
+          <a:ln w="28575">
+            <a:tailEnd type="triangle"/>
+          </a:ln>
+        </p:spPr>
+        <p:style>
+          <a:lnRef idx="1">
+            <a:schemeClr val="accent1"/>
+          </a:lnRef>
+          <a:fillRef idx="0">
+            <a:schemeClr val="accent1"/>
+          </a:fillRef>
+          <a:effectRef idx="0">
+            <a:schemeClr val="accent1"/>
+          </a:effectRef>
+          <a:fontRef idx="minor">
+            <a:schemeClr val="tx1"/>
+          </a:fontRef>
+        </p:style>
+      </p:cxnSp>
+      <p:cxnSp>
+        <p:nvCxnSpPr>
+          <p:cNvPr id="15" name="Straight Arrow Connector 14">
+            <a:extLst>
+              <a:ext uri="{FF2B5EF4-FFF2-40B4-BE49-F238E27FC236}">
+                <a16:creationId xmlns:a16="http://schemas.microsoft.com/office/drawing/2014/main" id="{FD2A5673-06F6-B3B8-F132-AC94B7655FF8}"/>
+              </a:ext>
+            </a:extLst>
+          </p:cNvPr>
+          <p:cNvCxnSpPr>
+            <a:cxnSpLocks/>
+          </p:cNvCxnSpPr>
+          <p:nvPr/>
+        </p:nvCxnSpPr>
+        <p:spPr>
+          <a:xfrm>
+            <a:off x="5483069" y="1289303"/>
+            <a:ext cx="1566955" cy="803878"/>
+          </a:xfrm>
+          <a:prstGeom prst="straightConnector1">
+            <a:avLst/>
+          </a:prstGeom>
+          <a:ln w="28575">
+            <a:tailEnd type="triangle"/>
+          </a:ln>
+        </p:spPr>
+        <p:style>
+          <a:lnRef idx="1">
+            <a:schemeClr val="accent1"/>
+          </a:lnRef>
+          <a:fillRef idx="0">
+            <a:schemeClr val="accent1"/>
+          </a:fillRef>
+          <a:effectRef idx="0">
+            <a:schemeClr val="accent1"/>
+          </a:effectRef>
+          <a:fontRef idx="minor">
+            <a:schemeClr val="tx1"/>
+          </a:fontRef>
+        </p:style>
+      </p:cxnSp>
+      <p:cxnSp>
+        <p:nvCxnSpPr>
+          <p:cNvPr id="19" name="Straight Arrow Connector 18">
+            <a:extLst>
+              <a:ext uri="{FF2B5EF4-FFF2-40B4-BE49-F238E27FC236}">
+                <a16:creationId xmlns:a16="http://schemas.microsoft.com/office/drawing/2014/main" id="{48C7AA50-EB00-9C25-75CE-195B9D93A158}"/>
+              </a:ext>
+            </a:extLst>
+          </p:cNvPr>
+          <p:cNvCxnSpPr>
+            <a:stCxn id="8" idx="2"/>
+          </p:cNvCxnSpPr>
+          <p:nvPr/>
+        </p:nvCxnSpPr>
+        <p:spPr>
+          <a:xfrm flipH="1">
+            <a:off x="3904488" y="2739513"/>
+            <a:ext cx="6096" cy="890655"/>
+          </a:xfrm>
+          <a:prstGeom prst="straightConnector1">
+            <a:avLst/>
+          </a:prstGeom>
+          <a:ln w="28575">
+            <a:tailEnd type="triangle"/>
+          </a:ln>
+        </p:spPr>
+        <p:style>
+          <a:lnRef idx="1">
+            <a:schemeClr val="accent1"/>
+          </a:lnRef>
+          <a:fillRef idx="0">
+            <a:schemeClr val="accent1"/>
+          </a:fillRef>
+          <a:effectRef idx="0">
+            <a:schemeClr val="accent1"/>
+          </a:effectRef>
+          <a:fontRef idx="minor">
+            <a:schemeClr val="tx1"/>
+          </a:fontRef>
+        </p:style>
+      </p:cxnSp>
+      <p:sp>
+        <p:nvSpPr>
+          <p:cNvPr id="22" name="Rectangle 21">
+            <a:extLst>
+              <a:ext uri="{FF2B5EF4-FFF2-40B4-BE49-F238E27FC236}">
+                <a16:creationId xmlns:a16="http://schemas.microsoft.com/office/drawing/2014/main" id="{5F56664F-D47F-502F-8D8E-4E39ACF332DB}"/>
+              </a:ext>
+            </a:extLst>
+          </p:cNvPr>
+          <p:cNvSpPr/>
+          <p:nvPr/>
+        </p:nvSpPr>
+        <p:spPr>
+          <a:xfrm>
+            <a:off x="2566417" y="3608102"/>
+            <a:ext cx="2688336" cy="901129"/>
+          </a:xfrm>
+          <a:prstGeom prst="rect">
+            <a:avLst/>
+          </a:prstGeom>
+          <a:noFill/>
+        </p:spPr>
+        <p:style>
+          <a:lnRef idx="2">
+            <a:schemeClr val="accent1">
+              <a:shade val="15000"/>
+            </a:schemeClr>
+          </a:lnRef>
+          <a:fillRef idx="1">
+            <a:schemeClr val="accent1"/>
+          </a:fillRef>
+          <a:effectRef idx="0">
+            <a:schemeClr val="accent1"/>
+          </a:effectRef>
+          <a:fontRef idx="minor">
+            <a:schemeClr val="lt1"/>
+          </a:fontRef>
+        </p:style>
+        <p:txBody>
+          <a:bodyPr rtlCol="0" anchor="ctr"/>
+          <a:lstStyle/>
+          <a:p>
+            <a:pPr algn="ctr"/>
+            <a:endParaRPr lang="en-CA"/>
+          </a:p>
+        </p:txBody>
+      </p:sp>
+      <p:sp>
+        <p:nvSpPr>
+          <p:cNvPr id="23" name="TextBox 22">
+            <a:extLst>
+              <a:ext uri="{FF2B5EF4-FFF2-40B4-BE49-F238E27FC236}">
+                <a16:creationId xmlns:a16="http://schemas.microsoft.com/office/drawing/2014/main" id="{47D68213-3AE4-19D4-4EF6-433012E7E2CD}"/>
+              </a:ext>
+            </a:extLst>
+          </p:cNvPr>
+          <p:cNvSpPr txBox="1"/>
+          <p:nvPr/>
+        </p:nvSpPr>
+        <p:spPr>
+          <a:xfrm>
+            <a:off x="2810342" y="3769054"/>
+            <a:ext cx="2188291" cy="646331"/>
+          </a:xfrm>
+          <a:prstGeom prst="rect">
+            <a:avLst/>
+          </a:prstGeom>
+          <a:noFill/>
+        </p:spPr>
+        <p:txBody>
+          <a:bodyPr wrap="none" rtlCol="0">
+            <a:spAutoFit/>
+          </a:bodyPr>
+          <a:lstStyle/>
+          <a:p>
+            <a:r>
+              <a:rPr lang="en-US" dirty="0"/>
+              <a:t>Training plus In-silico </a:t>
+            </a:r>
+          </a:p>
+          <a:p>
+            <a:r>
+              <a:rPr lang="en-US" dirty="0"/>
+              <a:t>Perturbation</a:t>
+            </a:r>
+            <a:endParaRPr lang="en-CA" dirty="0"/>
+          </a:p>
+        </p:txBody>
+      </p:sp>
+      <p:sp>
+        <p:nvSpPr>
+          <p:cNvPr id="24" name="Rectangle 23">
+            <a:extLst>
+              <a:ext uri="{FF2B5EF4-FFF2-40B4-BE49-F238E27FC236}">
+                <a16:creationId xmlns:a16="http://schemas.microsoft.com/office/drawing/2014/main" id="{F53A0D4D-A4CB-79C8-9DBC-4E3F009EC561}"/>
+              </a:ext>
+            </a:extLst>
+          </p:cNvPr>
+          <p:cNvSpPr/>
+          <p:nvPr/>
+        </p:nvSpPr>
+        <p:spPr>
+          <a:xfrm>
+            <a:off x="6336704" y="3608101"/>
+            <a:ext cx="2688336" cy="901129"/>
+          </a:xfrm>
+          <a:prstGeom prst="rect">
+            <a:avLst/>
+          </a:prstGeom>
+          <a:noFill/>
+        </p:spPr>
+        <p:style>
+          <a:lnRef idx="2">
+            <a:schemeClr val="accent1">
+              <a:shade val="15000"/>
+            </a:schemeClr>
+          </a:lnRef>
+          <a:fillRef idx="1">
+            <a:schemeClr val="accent1"/>
+          </a:fillRef>
+          <a:effectRef idx="0">
+            <a:schemeClr val="accent1"/>
+          </a:effectRef>
+          <a:fontRef idx="minor">
+            <a:schemeClr val="lt1"/>
+          </a:fontRef>
+        </p:style>
+        <p:txBody>
+          <a:bodyPr rtlCol="0" anchor="ctr"/>
+          <a:lstStyle/>
+          <a:p>
+            <a:pPr algn="ctr"/>
+            <a:endParaRPr lang="en-CA"/>
+          </a:p>
+        </p:txBody>
+      </p:sp>
+      <p:sp>
+        <p:nvSpPr>
+          <p:cNvPr id="25" name="TextBox 24">
+            <a:extLst>
+              <a:ext uri="{FF2B5EF4-FFF2-40B4-BE49-F238E27FC236}">
+                <a16:creationId xmlns:a16="http://schemas.microsoft.com/office/drawing/2014/main" id="{125CD366-5503-00F9-5008-ED6ACC9F8B75}"/>
+              </a:ext>
+            </a:extLst>
+          </p:cNvPr>
+          <p:cNvSpPr txBox="1"/>
+          <p:nvPr/>
+        </p:nvSpPr>
+        <p:spPr>
+          <a:xfrm>
+            <a:off x="6540442" y="3874000"/>
+            <a:ext cx="2415405" cy="369332"/>
+          </a:xfrm>
+          <a:prstGeom prst="rect">
+            <a:avLst/>
+          </a:prstGeom>
+          <a:noFill/>
+        </p:spPr>
+        <p:txBody>
+          <a:bodyPr wrap="none" rtlCol="0">
+            <a:spAutoFit/>
+          </a:bodyPr>
+          <a:lstStyle/>
+          <a:p>
+            <a:r>
+              <a:rPr lang="en-US" dirty="0"/>
+              <a:t>Experimental Validation</a:t>
+            </a:r>
+            <a:endParaRPr lang="en-CA" dirty="0"/>
+          </a:p>
+        </p:txBody>
+      </p:sp>
+      <p:cxnSp>
+        <p:nvCxnSpPr>
+          <p:cNvPr id="26" name="Straight Arrow Connector 25">
+            <a:extLst>
+              <a:ext uri="{FF2B5EF4-FFF2-40B4-BE49-F238E27FC236}">
+                <a16:creationId xmlns:a16="http://schemas.microsoft.com/office/drawing/2014/main" id="{5709A9A2-D288-4E2F-FE54-BAE0FF4B9A3E}"/>
+              </a:ext>
+            </a:extLst>
+          </p:cNvPr>
+          <p:cNvCxnSpPr/>
+          <p:nvPr/>
+        </p:nvCxnSpPr>
+        <p:spPr>
+          <a:xfrm flipH="1">
+            <a:off x="7680872" y="2728794"/>
+            <a:ext cx="6096" cy="890655"/>
+          </a:xfrm>
+          <a:prstGeom prst="straightConnector1">
+            <a:avLst/>
+          </a:prstGeom>
+          <a:ln w="28575">
+            <a:tailEnd type="triangle"/>
+          </a:ln>
+        </p:spPr>
+        <p:style>
+          <a:lnRef idx="1">
+            <a:schemeClr val="accent1"/>
+          </a:lnRef>
+          <a:fillRef idx="0">
+            <a:schemeClr val="accent1"/>
+          </a:fillRef>
+          <a:effectRef idx="0">
+            <a:schemeClr val="accent1"/>
+          </a:effectRef>
+          <a:fontRef idx="minor">
+            <a:schemeClr val="tx1"/>
+          </a:fontRef>
+        </p:style>
+      </p:cxnSp>
+      <p:pic>
+        <p:nvPicPr>
+          <p:cNvPr id="28" name="Picture 27">
+            <a:extLst>
+              <a:ext uri="{FF2B5EF4-FFF2-40B4-BE49-F238E27FC236}">
+                <a16:creationId xmlns:a16="http://schemas.microsoft.com/office/drawing/2014/main" id="{BA0A7FB8-080C-ABAF-8519-6B721E656C7E}"/>
+              </a:ext>
+            </a:extLst>
+          </p:cNvPr>
+          <p:cNvPicPr>
+            <a:picLocks noChangeAspect="1"/>
+          </p:cNvPicPr>
+          <p:nvPr/>
+        </p:nvPicPr>
+        <p:blipFill>
+          <a:blip r:embed="rId2"/>
+          <a:stretch>
+            <a:fillRect/>
+          </a:stretch>
+        </p:blipFill>
+        <p:spPr>
+          <a:xfrm>
+            <a:off x="9098278" y="2487168"/>
+            <a:ext cx="3093721" cy="4233671"/>
+          </a:xfrm>
+          <a:prstGeom prst="rect">
+            <a:avLst/>
+          </a:prstGeom>
+        </p:spPr>
+      </p:pic>
+    </p:spTree>
+    <p:extLst>
+      <p:ext uri="{BB962C8B-B14F-4D97-AF65-F5344CB8AC3E}">
+        <p14:creationId xmlns:p14="http://schemas.microsoft.com/office/powerpoint/2010/main" val="3369813039"/>
+      </p:ext>
+    </p:extLst>
+  </p:cSld>
+  <p:clrMapOvr>
+    <a:masterClrMapping/>
+  </p:clrMapOvr>
+</p:sld>
+</file>
+
+<file path=ppt/slides/slide6.xml><?xml version="1.0" encoding="utf-8"?>
+<p:sld xmlns:a="http://schemas.openxmlformats.org/drawingml/2006/main" xmlns:r="http://schemas.openxmlformats.org/officeDocument/2006/relationships" xmlns:p="http://schemas.openxmlformats.org/presentationml/2006/main">
+  <p:cSld>
+    <p:spTree>
+      <p:nvGrpSpPr>
+        <p:cNvPr id="1" name=""/>
+        <p:cNvGrpSpPr/>
+        <p:nvPr/>
+      </p:nvGrpSpPr>
+      <p:grpSpPr>
+        <a:xfrm>
+          <a:off x="0" y="0"/>
+          <a:ext cx="0" cy="0"/>
+          <a:chOff x="0" y="0"/>
+          <a:chExt cx="0" cy="0"/>
+        </a:xfrm>
+      </p:grpSpPr>
+      <p:sp>
+        <p:nvSpPr>
+          <p:cNvPr id="2" name="Title 1">
+            <a:extLst>
+              <a:ext uri="{FF2B5EF4-FFF2-40B4-BE49-F238E27FC236}">
                 <a16:creationId xmlns:a16="http://schemas.microsoft.com/office/drawing/2014/main" id="{FD1C3AF6-67CE-A2F4-D8AB-9BCD2466C373}"/>
               </a:ext>
             </a:extLst>
@@ -11446,7 +12676,154 @@
 </p:sld>
 </file>
 
-<file path=ppt/slides/slide6.xml><?xml version="1.0" encoding="utf-8"?>
+<file path=ppt/slides/slide7.xml><?xml version="1.0" encoding="utf-8"?>
+<p:sld xmlns:a="http://schemas.openxmlformats.org/drawingml/2006/main" xmlns:r="http://schemas.openxmlformats.org/officeDocument/2006/relationships" xmlns:p="http://schemas.openxmlformats.org/presentationml/2006/main">
+  <p:cSld>
+    <p:spTree>
+      <p:nvGrpSpPr>
+        <p:cNvPr id="1" name=""/>
+        <p:cNvGrpSpPr/>
+        <p:nvPr/>
+      </p:nvGrpSpPr>
+      <p:grpSpPr>
+        <a:xfrm>
+          <a:off x="0" y="0"/>
+          <a:ext cx="0" cy="0"/>
+          <a:chOff x="0" y="0"/>
+          <a:chExt cx="0" cy="0"/>
+        </a:xfrm>
+      </p:grpSpPr>
+      <p:sp>
+        <p:nvSpPr>
+          <p:cNvPr id="2" name="Title 1">
+            <a:extLst>
+              <a:ext uri="{FF2B5EF4-FFF2-40B4-BE49-F238E27FC236}">
+                <a16:creationId xmlns:a16="http://schemas.microsoft.com/office/drawing/2014/main" id="{59B07F0A-3138-797A-FD19-F132FDDFB16F}"/>
+              </a:ext>
+            </a:extLst>
+          </p:cNvPr>
+          <p:cNvSpPr>
+            <a:spLocks noGrp="1"/>
+          </p:cNvSpPr>
+          <p:nvPr>
+            <p:ph type="title"/>
+          </p:nvPr>
+        </p:nvSpPr>
+        <p:spPr/>
+        <p:txBody>
+          <a:bodyPr>
+            <a:normAutofit/>
+          </a:bodyPr>
+          <a:lstStyle/>
+          <a:p>
+            <a:r>
+              <a:rPr lang="en-CA" sz="2000" b="1" dirty="0">
+                <a:latin typeface="Times New Roman" panose="02020603050405020304" pitchFamily="18" charset="0"/>
+                <a:cs typeface="Times New Roman" panose="02020603050405020304" pitchFamily="18" charset="0"/>
+              </a:rPr>
+              <a:t>Proposed Idea 1: Escaping Local Optima in the Waddington Landscape: A Multi-Stage TRPO-PPO Approach for Single-Cell Perturbation Analysis</a:t>
+            </a:r>
+            <a:br>
+              <a:rPr lang="en-CA" sz="2400" dirty="0">
+                <a:latin typeface="Times New Roman" panose="02020603050405020304" pitchFamily="18" charset="0"/>
+                <a:cs typeface="Times New Roman" panose="02020603050405020304" pitchFamily="18" charset="0"/>
+              </a:rPr>
+            </a:br>
+            <a:endParaRPr lang="en-CA" sz="2400" dirty="0">
+              <a:latin typeface="Times New Roman" panose="02020603050405020304" pitchFamily="18" charset="0"/>
+              <a:cs typeface="Times New Roman" panose="02020603050405020304" pitchFamily="18" charset="0"/>
+            </a:endParaRPr>
+          </a:p>
+        </p:txBody>
+      </p:sp>
+      <p:sp>
+        <p:nvSpPr>
+          <p:cNvPr id="3" name="Content Placeholder 2">
+            <a:extLst>
+              <a:ext uri="{FF2B5EF4-FFF2-40B4-BE49-F238E27FC236}">
+                <a16:creationId xmlns:a16="http://schemas.microsoft.com/office/drawing/2014/main" id="{3DFAAE30-6B09-18D9-C24B-38FDD0E4DA86}"/>
+              </a:ext>
+            </a:extLst>
+          </p:cNvPr>
+          <p:cNvSpPr>
+            <a:spLocks noGrp="1"/>
+          </p:cNvSpPr>
+          <p:nvPr>
+            <p:ph idx="1"/>
+          </p:nvPr>
+        </p:nvSpPr>
+        <p:spPr/>
+        <p:txBody>
+          <a:bodyPr>
+            <a:normAutofit/>
+          </a:bodyPr>
+          <a:lstStyle/>
+          <a:p>
+            <a:pPr marL="0" indent="0" fontAlgn="base">
+              <a:buNone/>
+            </a:pPr>
+            <a:r>
+              <a:rPr lang="en-CA" sz="1600" dirty="0">
+                <a:latin typeface="Times New Roman" panose="02020603050405020304" pitchFamily="18" charset="0"/>
+                <a:cs typeface="Times New Roman" panose="02020603050405020304" pitchFamily="18" charset="0"/>
+              </a:rPr>
+              <a:t>Boabang, Francis, and Samuel Asante </a:t>
+            </a:r>
+            <a:r>
+              <a:rPr lang="en-CA" sz="1600" dirty="0" err="1">
+                <a:latin typeface="Times New Roman" panose="02020603050405020304" pitchFamily="18" charset="0"/>
+                <a:cs typeface="Times New Roman" panose="02020603050405020304" pitchFamily="18" charset="0"/>
+              </a:rPr>
+              <a:t>Gyamerah</a:t>
+            </a:r>
+            <a:r>
+              <a:rPr lang="en-CA" sz="1600" dirty="0">
+                <a:latin typeface="Times New Roman" panose="02020603050405020304" pitchFamily="18" charset="0"/>
+                <a:cs typeface="Times New Roman" panose="02020603050405020304" pitchFamily="18" charset="0"/>
+              </a:rPr>
+              <a:t>. "Escaping Local Optima in the Waddington Landscape: A Multi-Stage TRPO-PPO Approach for Single-Cell Perturbation Analysis." </a:t>
+            </a:r>
+            <a:r>
+              <a:rPr lang="en-CA" sz="1600" i="1" dirty="0" err="1">
+                <a:latin typeface="Times New Roman" panose="02020603050405020304" pitchFamily="18" charset="0"/>
+                <a:cs typeface="Times New Roman" panose="02020603050405020304" pitchFamily="18" charset="0"/>
+              </a:rPr>
+              <a:t>arXiv</a:t>
+            </a:r>
+            <a:r>
+              <a:rPr lang="en-CA" sz="1600" i="1" dirty="0">
+                <a:latin typeface="Times New Roman" panose="02020603050405020304" pitchFamily="18" charset="0"/>
+                <a:cs typeface="Times New Roman" panose="02020603050405020304" pitchFamily="18" charset="0"/>
+              </a:rPr>
+              <a:t> preprint arXiv:2510.13018</a:t>
+            </a:r>
+            <a:r>
+              <a:rPr lang="en-CA" sz="1600" dirty="0">
+                <a:latin typeface="Times New Roman" panose="02020603050405020304" pitchFamily="18" charset="0"/>
+                <a:cs typeface="Times New Roman" panose="02020603050405020304" pitchFamily="18" charset="0"/>
+              </a:rPr>
+              <a:t> (2025).</a:t>
+            </a:r>
+          </a:p>
+          <a:p>
+            <a:endParaRPr lang="en-CA" sz="1800" dirty="0"/>
+          </a:p>
+        </p:txBody>
+      </p:sp>
+    </p:spTree>
+    <p:extLst>
+      <p:ext uri="{BB962C8B-B14F-4D97-AF65-F5344CB8AC3E}">
+        <p14:creationId xmlns:p14="http://schemas.microsoft.com/office/powerpoint/2010/main" val="1561357538"/>
+      </p:ext>
+    </p:extLst>
+  </p:cSld>
+  <p:clrMapOvr>
+    <a:masterClrMapping/>
+  </p:clrMapOvr>
+</p:sld>
+</file>
+
+<file path=ppt/slides/slide8.xml><?xml version="1.0" encoding="utf-8"?>
 <p:sld xmlns:a="http://schemas.openxmlformats.org/drawingml/2006/main" xmlns:r="http://schemas.openxmlformats.org/officeDocument/2006/relationships" xmlns:p="http://schemas.openxmlformats.org/presentationml/2006/main">
   <p:cSld>
     <p:spTree>
@@ -11492,11 +12869,14 @@
           <a:lstStyle/>
           <a:p>
             <a:r>
-              <a:rPr lang="en-CA" sz="2400" b="1"/>
-              <a:t>Using Initialization Strategies to Address Nonlinearity in Developmental Biology</a:t>
+              <a:rPr lang="en-CA" sz="2200" b="1" dirty="0">
+                <a:latin typeface="Times New Roman" panose="02020603050405020304" pitchFamily="18" charset="0"/>
+                <a:cs typeface="Times New Roman" panose="02020603050405020304" pitchFamily="18" charset="0"/>
+              </a:rPr>
+              <a:t>Proposed Idea 2: Convex-Initialized Regression for Nonlinear Gene-Regulatory Modeling</a:t>
             </a:r>
             <a:br>
-              <a:rPr lang="en-CA" sz="2400" b="1"/>
+              <a:rPr lang="en-CA" sz="2400" b="1" dirty="0"/>
             </a:br>
             <a:endParaRPr lang="en-CA" sz="2400" dirty="0"/>
           </a:p>
@@ -11520,7 +12900,7 @@
         </p:nvSpPr>
         <p:spPr>
           <a:xfrm>
-            <a:off x="265176" y="956945"/>
+            <a:off x="128016" y="850392"/>
             <a:ext cx="11161776" cy="4351338"/>
           </a:xfrm>
         </p:spPr>
@@ -11534,25 +12914,11 @@
               <a:buNone/>
             </a:pPr>
             <a:r>
-              <a:rPr lang="en-US" sz="1400">
+              <a:rPr lang="en-US" sz="1600" b="1" dirty="0">
                 <a:latin typeface="Times New Roman" panose="02020603050405020304" pitchFamily="18" charset="0"/>
                 <a:cs typeface="Times New Roman" panose="02020603050405020304" pitchFamily="18" charset="0"/>
               </a:rPr>
-              <a:t>K. D. Humbird, J. L. Peterson and R. G. Mcclarren, "Deep Neural Network Initialization With Decision Trees," in </a:t>
-            </a:r>
-            <a:r>
-              <a:rPr lang="en-US" sz="1400" i="1">
-                <a:latin typeface="Times New Roman" panose="02020603050405020304" pitchFamily="18" charset="0"/>
-                <a:cs typeface="Times New Roman" panose="02020603050405020304" pitchFamily="18" charset="0"/>
-              </a:rPr>
-              <a:t>IEEE Transactions on Neural Networks and Learning Systems</a:t>
-            </a:r>
-            <a:r>
-              <a:rPr lang="en-US" sz="1400">
-                <a:latin typeface="Times New Roman" panose="02020603050405020304" pitchFamily="18" charset="0"/>
-                <a:cs typeface="Times New Roman" panose="02020603050405020304" pitchFamily="18" charset="0"/>
-              </a:rPr>
-              <a:t>, vol. 30, no. 5, pp. 1286-1295, May 2019, doi: 10.1109/TNNLS.2018.2869694. </a:t>
+              <a:t>References from Machine Learning Domain</a:t>
             </a:r>
           </a:p>
           <a:p>
@@ -11560,103 +12926,21 @@
               <a:buNone/>
             </a:pPr>
             <a:r>
-              <a:rPr lang="en-US" sz="1400" b="1">
-                <a:latin typeface="Times New Roman" panose="02020603050405020304" pitchFamily="18" charset="0"/>
-                <a:cs typeface="Times New Roman" panose="02020603050405020304" pitchFamily="18" charset="0"/>
-              </a:rPr>
-              <a:t>Application</a:t>
-            </a:r>
-            <a:r>
-              <a:rPr lang="en-US" sz="1400">
-                <a:latin typeface="Times New Roman" panose="02020603050405020304" pitchFamily="18" charset="0"/>
-                <a:cs typeface="Times New Roman" panose="02020603050405020304" pitchFamily="18" charset="0"/>
-              </a:rPr>
-              <a:t>: Decision Tree-Guided Neural Initialization for Stable Modeling of Gene-Regulatory Networks to improve model generalization performance</a:t>
-            </a:r>
-          </a:p>
-          <a:p>
-            <a:pPr marL="0" indent="0" fontAlgn="base">
-              <a:buNone/>
-            </a:pPr>
-            <a:endParaRPr lang="en-US" sz="1400">
-              <a:latin typeface="Times New Roman" panose="02020603050405020304" pitchFamily="18" charset="0"/>
-              <a:cs typeface="Times New Roman" panose="02020603050405020304" pitchFamily="18" charset="0"/>
-            </a:endParaRPr>
-          </a:p>
-          <a:p>
-            <a:pPr marL="0" indent="0" fontAlgn="base">
-              <a:buNone/>
-            </a:pPr>
-            <a:r>
-              <a:rPr lang="en-CA" sz="1400">
-                <a:latin typeface="Times New Roman" panose="02020603050405020304" pitchFamily="18" charset="0"/>
-                <a:cs typeface="Times New Roman" panose="02020603050405020304" pitchFamily="18" charset="0"/>
-              </a:rPr>
-              <a:t>Boabang, Francis, and Samuel Asante Gyamerah. "Escaping Local Optima in the Waddington Landscape: A Multi-Stage TRPO-PPO Approach for Single-Cell Perturbation Analysis." </a:t>
-            </a:r>
-            <a:r>
-              <a:rPr lang="en-CA" sz="1400" i="1">
-                <a:latin typeface="Times New Roman" panose="02020603050405020304" pitchFamily="18" charset="0"/>
-                <a:cs typeface="Times New Roman" panose="02020603050405020304" pitchFamily="18" charset="0"/>
-              </a:rPr>
-              <a:t>arXiv preprint arXiv:2510.13018</a:t>
-            </a:r>
-            <a:r>
-              <a:rPr lang="en-CA" sz="1400">
-                <a:latin typeface="Times New Roman" panose="02020603050405020304" pitchFamily="18" charset="0"/>
-                <a:cs typeface="Times New Roman" panose="02020603050405020304" pitchFamily="18" charset="0"/>
-              </a:rPr>
-              <a:t> (2025).</a:t>
-            </a:r>
-          </a:p>
-          <a:p>
-            <a:pPr marL="0" indent="0" fontAlgn="base">
-              <a:buNone/>
-            </a:pPr>
-            <a:r>
-              <a:rPr lang="en-CA" sz="1400" b="1">
-                <a:latin typeface="Times New Roman" panose="02020603050405020304" pitchFamily="18" charset="0"/>
-                <a:cs typeface="Times New Roman" panose="02020603050405020304" pitchFamily="18" charset="0"/>
-              </a:rPr>
-              <a:t>Application</a:t>
-            </a:r>
-            <a:r>
-              <a:rPr lang="en-CA" sz="1400">
-                <a:latin typeface="Times New Roman" panose="02020603050405020304" pitchFamily="18" charset="0"/>
-                <a:cs typeface="Times New Roman" panose="02020603050405020304" pitchFamily="18" charset="0"/>
-              </a:rPr>
-              <a:t>: Escaping Local Optima in the Waddington Landscape: A Multi-Stage TRPO-PPO Approach for Single-Cell Perturbation Analysis</a:t>
-            </a:r>
-          </a:p>
-          <a:p>
-            <a:pPr marL="0" indent="0" fontAlgn="base">
-              <a:buNone/>
-            </a:pPr>
-            <a:endParaRPr lang="en-CA" sz="1400">
-              <a:latin typeface="Times New Roman" panose="02020603050405020304" pitchFamily="18" charset="0"/>
-              <a:cs typeface="Times New Roman" panose="02020603050405020304" pitchFamily="18" charset="0"/>
-            </a:endParaRPr>
-          </a:p>
-          <a:p>
-            <a:pPr marL="0" indent="0" fontAlgn="base">
-              <a:buNone/>
-            </a:pPr>
-            <a:r>
-              <a:rPr lang="en-CA" sz="1400">
+              <a:rPr lang="en-CA" sz="1600" dirty="0">
                 <a:latin typeface="Times New Roman" panose="02020603050405020304" pitchFamily="18" charset="0"/>
                 <a:cs typeface="Times New Roman" panose="02020603050405020304" pitchFamily="18" charset="0"/>
               </a:rPr>
               <a:t>Selesnick, "Sparse Regularization via Convex Analysis," in </a:t>
             </a:r>
             <a:r>
-              <a:rPr lang="en-CA" sz="1400" i="1">
+              <a:rPr lang="en-CA" sz="1600" i="1" dirty="0">
                 <a:latin typeface="Times New Roman" panose="02020603050405020304" pitchFamily="18" charset="0"/>
                 <a:cs typeface="Times New Roman" panose="02020603050405020304" pitchFamily="18" charset="0"/>
               </a:rPr>
               <a:t>IEEE Transactions on Signal Processing</a:t>
             </a:r>
             <a:r>
-              <a:rPr lang="en-CA" sz="1400">
+              <a:rPr lang="en-CA" sz="1600" dirty="0">
                 <a:latin typeface="Times New Roman" panose="02020603050405020304" pitchFamily="18" charset="0"/>
                 <a:cs typeface="Times New Roman" panose="02020603050405020304" pitchFamily="18" charset="0"/>
               </a:rPr>
@@ -11668,18 +12952,18 @@
               <a:buNone/>
             </a:pPr>
             <a:r>
-              <a:rPr lang="en-CA" sz="1400"/>
+              <a:rPr lang="en-CA" sz="1600" dirty="0"/>
               <a:t>Boabang, Francis. </a:t>
             </a:r>
             <a:r>
-              <a:rPr lang="en-CA" sz="1400" i="1"/>
+              <a:rPr lang="en-CA" sz="1600" i="1" dirty="0"/>
               <a:t>Refining Optimization Methods for Training Machine Learning Models: A Case Study in Robotic Surgical Procedures</a:t>
             </a:r>
             <a:r>
-              <a:rPr lang="en-CA" sz="1400"/>
+              <a:rPr lang="en-CA" sz="1600" dirty="0"/>
               <a:t>. Diss. Concordia University, 2024.</a:t>
             </a:r>
-            <a:endParaRPr lang="en-CA" sz="1400">
+            <a:endParaRPr lang="en-CA" sz="1600" dirty="0">
               <a:latin typeface="Times New Roman" panose="02020603050405020304" pitchFamily="18" charset="0"/>
               <a:cs typeface="Times New Roman" panose="02020603050405020304" pitchFamily="18" charset="0"/>
             </a:endParaRPr>
@@ -11688,12 +12972,21 @@
             <a:pPr marL="0" indent="0">
               <a:buNone/>
             </a:pPr>
-            <a:r>
-              <a:rPr lang="en-CA" sz="1400" b="1">
+            <a:endParaRPr lang="en-CA" sz="1600" b="1" dirty="0">
+              <a:latin typeface="Times New Roman" panose="02020603050405020304" pitchFamily="18" charset="0"/>
+              <a:cs typeface="Times New Roman" panose="02020603050405020304" pitchFamily="18" charset="0"/>
+            </a:endParaRPr>
+          </a:p>
+          <a:p>
+            <a:pPr marL="0" indent="0">
+              <a:buNone/>
+            </a:pPr>
+            <a:r>
+              <a:rPr lang="en-CA" sz="1600" b="1" dirty="0">
                 <a:latin typeface="Times New Roman" panose="02020603050405020304" pitchFamily="18" charset="0"/>
                 <a:cs typeface="Times New Roman" panose="02020603050405020304" pitchFamily="18" charset="0"/>
               </a:rPr>
-              <a:t>Application: Convex-Initialized Regression for Nonlinear Gene-Regulatory Modeling</a:t>
+              <a:t>Application to Perturbation Analysis: Convex-Initialized Regression for Nonlinear Gene-Regulatory Modeling</a:t>
             </a:r>
           </a:p>
           <a:p>
@@ -11701,21 +12994,21 @@
               <a:buNone/>
             </a:pPr>
             <a:r>
-              <a:rPr lang="en-CA" sz="1400">
+              <a:rPr lang="en-CA" sz="1600" dirty="0">
                 <a:latin typeface="Times New Roman" panose="02020603050405020304" pitchFamily="18" charset="0"/>
                 <a:cs typeface="Times New Roman" panose="02020603050405020304" pitchFamily="18" charset="0"/>
               </a:rPr>
               <a:t>Building on Selesnick’s </a:t>
             </a:r>
             <a:r>
-              <a:rPr lang="en-CA" sz="1400" i="1">
+              <a:rPr lang="en-CA" sz="1600" i="1" dirty="0">
                 <a:latin typeface="Times New Roman" panose="02020603050405020304" pitchFamily="18" charset="0"/>
                 <a:cs typeface="Times New Roman" panose="02020603050405020304" pitchFamily="18" charset="0"/>
               </a:rPr>
               <a:t>“Sparse Regularization via Convex Analysis”</a:t>
             </a:r>
             <a:r>
-              <a:rPr lang="en-CA" sz="1400">
+              <a:rPr lang="en-CA" sz="1600" dirty="0">
                 <a:latin typeface="Times New Roman" panose="02020603050405020304" pitchFamily="18" charset="0"/>
                 <a:cs typeface="Times New Roman" panose="02020603050405020304" pitchFamily="18" charset="0"/>
               </a:rPr>
@@ -11727,14 +13020,14 @@
               <a:buNone/>
             </a:pPr>
             <a:r>
-              <a:rPr lang="en-CA" sz="1400" b="1">
+              <a:rPr lang="en-CA" sz="1600" b="1" dirty="0">
                 <a:latin typeface="Times New Roman" panose="02020603050405020304" pitchFamily="18" charset="0"/>
                 <a:cs typeface="Times New Roman" panose="02020603050405020304" pitchFamily="18" charset="0"/>
               </a:rPr>
               <a:t>Convex initialization:</a:t>
             </a:r>
             <a:r>
-              <a:rPr lang="en-CA" sz="1400">
+              <a:rPr lang="en-CA" sz="1600" dirty="0">
                 <a:latin typeface="Times New Roman" panose="02020603050405020304" pitchFamily="18" charset="0"/>
                 <a:cs typeface="Times New Roman" panose="02020603050405020304" pitchFamily="18" charset="0"/>
               </a:rPr>
@@ -11746,25 +13039,176 @@
               <a:buNone/>
             </a:pPr>
             <a:r>
-              <a:rPr lang="en-CA" sz="1400" b="1">
+              <a:rPr lang="en-CA" sz="1600" b="1" dirty="0">
                 <a:latin typeface="Times New Roman" panose="02020603050405020304" pitchFamily="18" charset="0"/>
                 <a:cs typeface="Times New Roman" panose="02020603050405020304" pitchFamily="18" charset="0"/>
               </a:rPr>
               <a:t>Nonlinear refinement:</a:t>
             </a:r>
             <a:r>
-              <a:rPr lang="en-CA" sz="1400">
+              <a:rPr lang="en-CA" sz="1600" dirty="0">
                 <a:latin typeface="Times New Roman" panose="02020603050405020304" pitchFamily="18" charset="0"/>
                 <a:cs typeface="Times New Roman" panose="02020603050405020304" pitchFamily="18" charset="0"/>
               </a:rPr>
-              <a:t> The convex solution seeds subsequent nonlinear learners—such as Gaussian-process regressors or neural networks—capturing higher-order, context-dependent regulatory effects.</a:t>
-            </a:r>
+              <a:t> The convex solution seeds subsequent nonlinear learners such as Gaussian-process regressors or neural networks capturing higher-order, context-dependent regulatory effects.</a:t>
+            </a:r>
+          </a:p>
+          <a:p>
+            <a:pPr marL="0" indent="0">
+              <a:buNone/>
+            </a:pPr>
+            <a:endParaRPr lang="en-CA" sz="1600" dirty="0">
+              <a:latin typeface="Times New Roman" panose="02020603050405020304" pitchFamily="18" charset="0"/>
+              <a:cs typeface="Times New Roman" panose="02020603050405020304" pitchFamily="18" charset="0"/>
+            </a:endParaRPr>
+          </a:p>
+          <a:p>
+            <a:pPr marL="0" indent="0">
+              <a:buNone/>
+            </a:pPr>
+            <a:r>
+              <a:rPr lang="en-CA" sz="1600" dirty="0">
+                <a:latin typeface="Times New Roman" panose="02020603050405020304" pitchFamily="18" charset="0"/>
+                <a:cs typeface="Times New Roman" panose="02020603050405020304" pitchFamily="18" charset="0"/>
+              </a:rPr>
+              <a:t>Convex Stage Method: </a:t>
+            </a:r>
+            <a:r>
+              <a:rPr lang="en-CA" sz="1600" dirty="0" err="1">
+                <a:latin typeface="Times New Roman" panose="02020603050405020304" pitchFamily="18" charset="0"/>
+                <a:cs typeface="Times New Roman" panose="02020603050405020304" pitchFamily="18" charset="0"/>
+              </a:rPr>
+              <a:t>Omranian</a:t>
+            </a:r>
+            <a:r>
+              <a:rPr lang="en-CA" sz="1600" dirty="0">
+                <a:latin typeface="Times New Roman" panose="02020603050405020304" pitchFamily="18" charset="0"/>
+                <a:cs typeface="Times New Roman" panose="02020603050405020304" pitchFamily="18" charset="0"/>
+              </a:rPr>
+              <a:t>, N., Eloundou-</a:t>
+            </a:r>
+            <a:r>
+              <a:rPr lang="en-CA" sz="1600" dirty="0" err="1">
+                <a:latin typeface="Times New Roman" panose="02020603050405020304" pitchFamily="18" charset="0"/>
+                <a:cs typeface="Times New Roman" panose="02020603050405020304" pitchFamily="18" charset="0"/>
+              </a:rPr>
+              <a:t>Mbebi</a:t>
+            </a:r>
+            <a:r>
+              <a:rPr lang="en-CA" sz="1600" dirty="0">
+                <a:latin typeface="Times New Roman" panose="02020603050405020304" pitchFamily="18" charset="0"/>
+                <a:cs typeface="Times New Roman" panose="02020603050405020304" pitchFamily="18" charset="0"/>
+              </a:rPr>
+              <a:t>, J., Mueller-Roeber, B. </a:t>
+            </a:r>
+            <a:r>
+              <a:rPr lang="en-CA" sz="1600" i="1" dirty="0">
+                <a:latin typeface="Times New Roman" panose="02020603050405020304" pitchFamily="18" charset="0"/>
+                <a:cs typeface="Times New Roman" panose="02020603050405020304" pitchFamily="18" charset="0"/>
+              </a:rPr>
+              <a:t>et al.</a:t>
+            </a:r>
+            <a:r>
+              <a:rPr lang="en-CA" sz="1600" b="1" dirty="0">
+                <a:latin typeface="Times New Roman" panose="02020603050405020304" pitchFamily="18" charset="0"/>
+                <a:cs typeface="Times New Roman" panose="02020603050405020304" pitchFamily="18" charset="0"/>
+              </a:rPr>
+              <a:t> Gene regulatory network inference using fused LASSO on multiple data sets, </a:t>
+            </a:r>
+            <a:r>
+              <a:rPr lang="en-CA" sz="1600" i="1" dirty="0">
+                <a:latin typeface="Times New Roman" panose="02020603050405020304" pitchFamily="18" charset="0"/>
+                <a:cs typeface="Times New Roman" panose="02020603050405020304" pitchFamily="18" charset="0"/>
+              </a:rPr>
+              <a:t>Sci Rep</a:t>
+            </a:r>
+            <a:r>
+              <a:rPr lang="en-CA" sz="1600" dirty="0">
+                <a:latin typeface="Times New Roman" panose="02020603050405020304" pitchFamily="18" charset="0"/>
+                <a:cs typeface="Times New Roman" panose="02020603050405020304" pitchFamily="18" charset="0"/>
+              </a:rPr>
+              <a:t> </a:t>
+            </a:r>
+            <a:r>
+              <a:rPr lang="en-CA" sz="1600" b="1" dirty="0">
+                <a:latin typeface="Times New Roman" panose="02020603050405020304" pitchFamily="18" charset="0"/>
+                <a:cs typeface="Times New Roman" panose="02020603050405020304" pitchFamily="18" charset="0"/>
+              </a:rPr>
+              <a:t>6</a:t>
+            </a:r>
+            <a:r>
+              <a:rPr lang="en-CA" sz="1600" dirty="0">
+                <a:latin typeface="Times New Roman" panose="02020603050405020304" pitchFamily="18" charset="0"/>
+                <a:cs typeface="Times New Roman" panose="02020603050405020304" pitchFamily="18" charset="0"/>
+              </a:rPr>
+              <a:t>, 20533 (2016).</a:t>
+            </a:r>
+            <a:endParaRPr lang="en-CA" sz="1600" b="1" dirty="0">
+              <a:latin typeface="Times New Roman" panose="02020603050405020304" pitchFamily="18" charset="0"/>
+              <a:cs typeface="Times New Roman" panose="02020603050405020304" pitchFamily="18" charset="0"/>
+            </a:endParaRPr>
+          </a:p>
+          <a:p>
+            <a:pPr marL="0" indent="0">
+              <a:buNone/>
+            </a:pPr>
+            <a:r>
+              <a:rPr lang="en-CA" sz="1600" dirty="0" err="1">
+                <a:latin typeface="Times New Roman" panose="02020603050405020304" pitchFamily="18" charset="0"/>
+                <a:cs typeface="Times New Roman" panose="02020603050405020304" pitchFamily="18" charset="0"/>
+              </a:rPr>
+              <a:t>NonConvex</a:t>
+            </a:r>
+            <a:r>
+              <a:rPr lang="en-CA" sz="1600" dirty="0">
+                <a:latin typeface="Times New Roman" panose="02020603050405020304" pitchFamily="18" charset="0"/>
+                <a:cs typeface="Times New Roman" panose="02020603050405020304" pitchFamily="18" charset="0"/>
+              </a:rPr>
+              <a:t> Stage method :</a:t>
+            </a:r>
+            <a:r>
+              <a:rPr lang="en-US" altLang="en-US" sz="1600" dirty="0">
+                <a:latin typeface="Times New Roman" panose="02020603050405020304" pitchFamily="18" charset="0"/>
+                <a:cs typeface="Times New Roman" panose="02020603050405020304" pitchFamily="18" charset="0"/>
+              </a:rPr>
+              <a:t>Xing, H., &amp; Yau, C. (2025). </a:t>
+            </a:r>
+            <a:r>
+              <a:rPr lang="en-US" altLang="en-US" sz="1600" b="1" i="1" dirty="0">
+                <a:latin typeface="Times New Roman" panose="02020603050405020304" pitchFamily="18" charset="0"/>
+                <a:cs typeface="Times New Roman" panose="02020603050405020304" pitchFamily="18" charset="0"/>
+              </a:rPr>
+              <a:t>GPerturb: Gaussian Process Modelling of Single-Cell Perturbation Data</a:t>
+            </a:r>
+            <a:r>
+              <a:rPr lang="en-US" altLang="en-US" sz="1600" i="1" dirty="0">
+                <a:latin typeface="Times New Roman" panose="02020603050405020304" pitchFamily="18" charset="0"/>
+                <a:cs typeface="Times New Roman" panose="02020603050405020304" pitchFamily="18" charset="0"/>
+              </a:rPr>
+              <a:t>.</a:t>
+            </a:r>
+            <a:r>
+              <a:rPr lang="en-US" altLang="en-US" sz="1600" dirty="0">
+                <a:latin typeface="Times New Roman" panose="02020603050405020304" pitchFamily="18" charset="0"/>
+                <a:cs typeface="Times New Roman" panose="02020603050405020304" pitchFamily="18" charset="0"/>
+              </a:rPr>
+              <a:t> Nature Communications, 16(1): 5423.</a:t>
+            </a:r>
+          </a:p>
+          <a:p>
+            <a:pPr marL="0" indent="0">
+              <a:buNone/>
+            </a:pPr>
+            <a:endParaRPr lang="en-CA" sz="1400" dirty="0">
+              <a:latin typeface="Times New Roman" panose="02020603050405020304" pitchFamily="18" charset="0"/>
+              <a:cs typeface="Times New Roman" panose="02020603050405020304" pitchFamily="18" charset="0"/>
+            </a:endParaRPr>
           </a:p>
           <a:p>
             <a:pPr marL="0" indent="0" fontAlgn="base">
               <a:buNone/>
             </a:pPr>
-            <a:endParaRPr lang="en-US" sz="1400">
+            <a:endParaRPr lang="en-US" sz="1400" dirty="0">
               <a:latin typeface="Times New Roman" panose="02020603050405020304" pitchFamily="18" charset="0"/>
               <a:cs typeface="Times New Roman" panose="02020603050405020304" pitchFamily="18" charset="0"/>
             </a:endParaRPr>
@@ -11773,7 +13217,7 @@
             <a:pPr marL="0" indent="0" fontAlgn="base">
               <a:buNone/>
             </a:pPr>
-            <a:endParaRPr lang="en-US" sz="1400">
+            <a:endParaRPr lang="en-US" sz="1400" dirty="0">
               <a:latin typeface="Times New Roman" panose="02020603050405020304" pitchFamily="18" charset="0"/>
               <a:cs typeface="Times New Roman" panose="02020603050405020304" pitchFamily="18" charset="0"/>
             </a:endParaRPr>
@@ -11782,7 +13226,7 @@
             <a:pPr marL="0" indent="0" fontAlgn="base">
               <a:buNone/>
             </a:pPr>
-            <a:endParaRPr lang="en-US" sz="1400">
+            <a:endParaRPr lang="en-US" sz="1400" dirty="0">
               <a:latin typeface="Times New Roman" panose="02020603050405020304" pitchFamily="18" charset="0"/>
               <a:cs typeface="Times New Roman" panose="02020603050405020304" pitchFamily="18" charset="0"/>
             </a:endParaRPr>
@@ -11792,7 +13236,7 @@
               <a:buNone/>
             </a:pPr>
             <a:r>
-              <a:rPr lang="en-US" sz="1400">
+              <a:rPr lang="en-US" sz="1400" dirty="0">
                 <a:latin typeface="Times New Roman" panose="02020603050405020304" pitchFamily="18" charset="0"/>
                 <a:cs typeface="Times New Roman" panose="02020603050405020304" pitchFamily="18" charset="0"/>
               </a:rPr>
@@ -11820,7 +13264,7 @@
 </p:sld>
 </file>
 
-<file path=ppt/slides/slide7.xml><?xml version="1.0" encoding="utf-8"?>
+<file path=ppt/slides/slide9.xml><?xml version="1.0" encoding="utf-8"?>
 <p:sld xmlns:a="http://schemas.openxmlformats.org/drawingml/2006/main" xmlns:r="http://schemas.openxmlformats.org/officeDocument/2006/relationships" xmlns:p="http://schemas.openxmlformats.org/presentationml/2006/main">
   <p:cSld>
     <p:spTree>
@@ -11861,13 +13305,13 @@
           <a:lstStyle/>
           <a:p>
             <a:r>
-              <a:rPr lang="en-US" sz="2000" dirty="0">
+              <a:rPr lang="en-US" sz="2000" b="1" dirty="0">
                 <a:latin typeface="Times New Roman" panose="02020603050405020304" pitchFamily="18" charset="0"/>
                 <a:cs typeface="Times New Roman" panose="02020603050405020304" pitchFamily="18" charset="0"/>
               </a:rPr>
-              <a:t>Proposed Methodology</a:t>
-            </a:r>
-            <a:endParaRPr lang="en-CA" sz="2000" dirty="0">
+              <a:t>Proposed Idea 3: Decision Tree-Guided Neural Initialization for Stable Modeling of Gene-Regulatory Networks to improve model generalization performance</a:t>
+            </a:r>
+            <a:endParaRPr lang="en-CA" sz="2000" b="1" dirty="0">
               <a:latin typeface="Times New Roman" panose="02020603050405020304" pitchFamily="18" charset="0"/>
               <a:cs typeface="Times New Roman" panose="02020603050405020304" pitchFamily="18" charset="0"/>
             </a:endParaRPr>
@@ -11892,10 +13336,273 @@
         </p:nvSpPr>
         <p:spPr/>
         <p:txBody>
-          <a:bodyPr/>
+          <a:bodyPr>
+            <a:normAutofit/>
+          </a:bodyPr>
           <a:lstStyle/>
           <a:p>
-            <a:endParaRPr lang="en-CA" dirty="0"/>
+            <a:pPr marL="0" indent="0" fontAlgn="base">
+              <a:buNone/>
+            </a:pPr>
+            <a:r>
+              <a:rPr lang="en-US" sz="1600" b="1" dirty="0">
+                <a:latin typeface="Times New Roman" panose="02020603050405020304" pitchFamily="18" charset="0"/>
+                <a:cs typeface="Times New Roman" panose="02020603050405020304" pitchFamily="18" charset="0"/>
+              </a:rPr>
+              <a:t>Reference from Machine Learning Domain</a:t>
+            </a:r>
+          </a:p>
+          <a:p>
+            <a:pPr marL="0" indent="0" fontAlgn="base">
+              <a:buNone/>
+            </a:pPr>
+            <a:r>
+              <a:rPr lang="en-US" sz="1600" dirty="0">
+                <a:latin typeface="Times New Roman" panose="02020603050405020304" pitchFamily="18" charset="0"/>
+                <a:cs typeface="Times New Roman" panose="02020603050405020304" pitchFamily="18" charset="0"/>
+              </a:rPr>
+              <a:t>K. D. Humbird, J. L. Peterson and R. G. Mcclarren, "Deep Neural Network Initialization With Decision Trees," in </a:t>
+            </a:r>
+            <a:r>
+              <a:rPr lang="en-US" sz="1600" i="1" dirty="0">
+                <a:latin typeface="Times New Roman" panose="02020603050405020304" pitchFamily="18" charset="0"/>
+                <a:cs typeface="Times New Roman" panose="02020603050405020304" pitchFamily="18" charset="0"/>
+              </a:rPr>
+              <a:t>IEEE Transactions on Neural Networks and Learning Systems</a:t>
+            </a:r>
+            <a:r>
+              <a:rPr lang="en-US" sz="1600" dirty="0">
+                <a:latin typeface="Times New Roman" panose="02020603050405020304" pitchFamily="18" charset="0"/>
+                <a:cs typeface="Times New Roman" panose="02020603050405020304" pitchFamily="18" charset="0"/>
+              </a:rPr>
+              <a:t>, vol. 30, no. 5, pp. 1286-1295, May 2019, </a:t>
+            </a:r>
+            <a:r>
+              <a:rPr lang="en-US" sz="1600" dirty="0" err="1">
+                <a:latin typeface="Times New Roman" panose="02020603050405020304" pitchFamily="18" charset="0"/>
+                <a:cs typeface="Times New Roman" panose="02020603050405020304" pitchFamily="18" charset="0"/>
+              </a:rPr>
+              <a:t>doi</a:t>
+            </a:r>
+            <a:r>
+              <a:rPr lang="en-US" sz="1600" dirty="0">
+                <a:latin typeface="Times New Roman" panose="02020603050405020304" pitchFamily="18" charset="0"/>
+                <a:cs typeface="Times New Roman" panose="02020603050405020304" pitchFamily="18" charset="0"/>
+              </a:rPr>
+              <a:t>: 10.1109/TNNLS.2018.2869694. </a:t>
+            </a:r>
+          </a:p>
+          <a:p>
+            <a:pPr marL="0" indent="0" fontAlgn="base">
+              <a:buNone/>
+            </a:pPr>
+            <a:endParaRPr lang="en-US" sz="1600" dirty="0">
+              <a:latin typeface="Times New Roman" panose="02020603050405020304" pitchFamily="18" charset="0"/>
+              <a:cs typeface="Times New Roman" panose="02020603050405020304" pitchFamily="18" charset="0"/>
+            </a:endParaRPr>
+          </a:p>
+          <a:p>
+            <a:pPr marL="0" indent="0" fontAlgn="base">
+              <a:buNone/>
+            </a:pPr>
+            <a:r>
+              <a:rPr lang="en-US" sz="1600" b="1" dirty="0">
+                <a:latin typeface="Times New Roman" panose="02020603050405020304" pitchFamily="18" charset="0"/>
+                <a:cs typeface="Times New Roman" panose="02020603050405020304" pitchFamily="18" charset="0"/>
+              </a:rPr>
+              <a:t>Application</a:t>
+            </a:r>
+            <a:r>
+              <a:rPr lang="en-US" sz="1600" dirty="0">
+                <a:latin typeface="Times New Roman" panose="02020603050405020304" pitchFamily="18" charset="0"/>
+                <a:cs typeface="Times New Roman" panose="02020603050405020304" pitchFamily="18" charset="0"/>
+              </a:rPr>
+              <a:t>: Decision Tree-Guided Neural Initialization for Stable Modeling of Gene-Regulatory Networks to improve model generalization performance</a:t>
+            </a:r>
+          </a:p>
+          <a:p>
+            <a:pPr marL="0" indent="0" fontAlgn="base">
+              <a:buNone/>
+            </a:pPr>
+            <a:endParaRPr lang="en-US" sz="1600" dirty="0">
+              <a:latin typeface="Times New Roman" panose="02020603050405020304" pitchFamily="18" charset="0"/>
+              <a:cs typeface="Times New Roman" panose="02020603050405020304" pitchFamily="18" charset="0"/>
+            </a:endParaRPr>
+          </a:p>
+          <a:p>
+            <a:pPr marL="0" indent="0" fontAlgn="base">
+              <a:buNone/>
+            </a:pPr>
+            <a:r>
+              <a:rPr lang="en-US" sz="1600" dirty="0">
+                <a:latin typeface="Times New Roman" panose="02020603050405020304" pitchFamily="18" charset="0"/>
+                <a:cs typeface="Times New Roman" panose="02020603050405020304" pitchFamily="18" charset="0"/>
+              </a:rPr>
+              <a:t>Convexity  Phase Method In Biological Domain: </a:t>
+            </a:r>
+            <a:r>
+              <a:rPr lang="en-US" altLang="en-US" sz="1600" dirty="0">
+                <a:latin typeface="Times New Roman" panose="02020603050405020304" pitchFamily="18" charset="0"/>
+                <a:cs typeface="Times New Roman" panose="02020603050405020304" pitchFamily="18" charset="0"/>
+              </a:rPr>
+              <a:t>Huynh-Thu, V. A., </a:t>
+            </a:r>
+            <a:r>
+              <a:rPr lang="en-US" altLang="en-US" sz="1600" dirty="0" err="1">
+                <a:latin typeface="Times New Roman" panose="02020603050405020304" pitchFamily="18" charset="0"/>
+                <a:cs typeface="Times New Roman" panose="02020603050405020304" pitchFamily="18" charset="0"/>
+              </a:rPr>
+              <a:t>Irrthum</a:t>
+            </a:r>
+            <a:r>
+              <a:rPr lang="en-US" altLang="en-US" sz="1600" dirty="0">
+                <a:latin typeface="Times New Roman" panose="02020603050405020304" pitchFamily="18" charset="0"/>
+                <a:cs typeface="Times New Roman" panose="02020603050405020304" pitchFamily="18" charset="0"/>
+              </a:rPr>
+              <a:t>, A., </a:t>
+            </a:r>
+            <a:r>
+              <a:rPr lang="en-US" altLang="en-US" sz="1600" dirty="0" err="1">
+                <a:latin typeface="Times New Roman" panose="02020603050405020304" pitchFamily="18" charset="0"/>
+                <a:cs typeface="Times New Roman" panose="02020603050405020304" pitchFamily="18" charset="0"/>
+              </a:rPr>
+              <a:t>Wehenkel</a:t>
+            </a:r>
+            <a:r>
+              <a:rPr lang="en-US" altLang="en-US" sz="1600" dirty="0">
+                <a:latin typeface="Times New Roman" panose="02020603050405020304" pitchFamily="18" charset="0"/>
+                <a:cs typeface="Times New Roman" panose="02020603050405020304" pitchFamily="18" charset="0"/>
+              </a:rPr>
+              <a:t>, L., &amp; Geurts, P. (2010). </a:t>
+            </a:r>
+            <a:r>
+              <a:rPr lang="en-US" altLang="en-US" sz="1600" b="1" i="1" dirty="0">
+                <a:latin typeface="Times New Roman" panose="02020603050405020304" pitchFamily="18" charset="0"/>
+                <a:cs typeface="Times New Roman" panose="02020603050405020304" pitchFamily="18" charset="0"/>
+              </a:rPr>
+              <a:t>Inferring regulatory networks from expression data using tree-based methods</a:t>
+            </a:r>
+            <a:r>
+              <a:rPr lang="en-US" altLang="en-US" sz="1600" i="1" dirty="0">
+                <a:latin typeface="Times New Roman" panose="02020603050405020304" pitchFamily="18" charset="0"/>
+                <a:cs typeface="Times New Roman" panose="02020603050405020304" pitchFamily="18" charset="0"/>
+              </a:rPr>
+              <a:t>.</a:t>
+            </a:r>
+            <a:r>
+              <a:rPr lang="en-US" altLang="en-US" sz="1600" dirty="0">
+                <a:latin typeface="Times New Roman" panose="02020603050405020304" pitchFamily="18" charset="0"/>
+                <a:cs typeface="Times New Roman" panose="02020603050405020304" pitchFamily="18" charset="0"/>
+              </a:rPr>
+              <a:t> </a:t>
+            </a:r>
+            <a:r>
+              <a:rPr lang="en-US" altLang="en-US" sz="1600" dirty="0" err="1">
+                <a:latin typeface="Times New Roman" panose="02020603050405020304" pitchFamily="18" charset="0"/>
+                <a:cs typeface="Times New Roman" panose="02020603050405020304" pitchFamily="18" charset="0"/>
+              </a:rPr>
+              <a:t>PLoS</a:t>
+            </a:r>
+            <a:r>
+              <a:rPr lang="en-US" altLang="en-US" sz="1600" dirty="0">
+                <a:latin typeface="Times New Roman" panose="02020603050405020304" pitchFamily="18" charset="0"/>
+                <a:cs typeface="Times New Roman" panose="02020603050405020304" pitchFamily="18" charset="0"/>
+              </a:rPr>
+              <a:t> ONE, 5(9): e12776.</a:t>
+            </a:r>
+          </a:p>
+          <a:p>
+            <a:pPr marL="0" indent="0" fontAlgn="base">
+              <a:buNone/>
+            </a:pPr>
+            <a:endParaRPr lang="en-US" altLang="en-US" sz="1600" dirty="0">
+              <a:latin typeface="Times New Roman" panose="02020603050405020304" pitchFamily="18" charset="0"/>
+              <a:cs typeface="Times New Roman" panose="02020603050405020304" pitchFamily="18" charset="0"/>
+            </a:endParaRPr>
+          </a:p>
+          <a:p>
+            <a:pPr marL="0" indent="0" fontAlgn="base">
+              <a:buNone/>
+            </a:pPr>
+            <a:r>
+              <a:rPr lang="en-US" sz="1600" dirty="0">
+                <a:latin typeface="Times New Roman" panose="02020603050405020304" pitchFamily="18" charset="0"/>
+                <a:cs typeface="Times New Roman" panose="02020603050405020304" pitchFamily="18" charset="0"/>
+              </a:rPr>
+              <a:t>Nonconvexity Phase Method In Biological Domain: </a:t>
+            </a:r>
+            <a:r>
+              <a:rPr lang="en-CA" sz="1600" dirty="0">
+                <a:latin typeface="Times New Roman" panose="02020603050405020304" pitchFamily="18" charset="0"/>
+                <a:cs typeface="Times New Roman" panose="02020603050405020304" pitchFamily="18" charset="0"/>
+              </a:rPr>
+              <a:t>Ahlmann-</a:t>
+            </a:r>
+            <a:r>
+              <a:rPr lang="en-CA" sz="1600" dirty="0" err="1">
+                <a:latin typeface="Times New Roman" panose="02020603050405020304" pitchFamily="18" charset="0"/>
+                <a:cs typeface="Times New Roman" panose="02020603050405020304" pitchFamily="18" charset="0"/>
+              </a:rPr>
+              <a:t>Eltze</a:t>
+            </a:r>
+            <a:r>
+              <a:rPr lang="en-CA" sz="1600" dirty="0">
+                <a:latin typeface="Times New Roman" panose="02020603050405020304" pitchFamily="18" charset="0"/>
+                <a:cs typeface="Times New Roman" panose="02020603050405020304" pitchFamily="18" charset="0"/>
+              </a:rPr>
+              <a:t>, C., Huber, W. &amp; Anders, S. </a:t>
+            </a:r>
+            <a:r>
+              <a:rPr lang="en-CA" sz="1600" b="1" dirty="0">
+                <a:latin typeface="Times New Roman" panose="02020603050405020304" pitchFamily="18" charset="0"/>
+                <a:cs typeface="Times New Roman" panose="02020603050405020304" pitchFamily="18" charset="0"/>
+              </a:rPr>
+              <a:t>Deep-learning-based gene perturbation effect prediction does not yet outperform simple linear baselines</a:t>
+            </a:r>
+            <a:r>
+              <a:rPr lang="en-CA" sz="1600" dirty="0">
+                <a:latin typeface="Times New Roman" panose="02020603050405020304" pitchFamily="18" charset="0"/>
+                <a:cs typeface="Times New Roman" panose="02020603050405020304" pitchFamily="18" charset="0"/>
+              </a:rPr>
+              <a:t>. </a:t>
+            </a:r>
+            <a:r>
+              <a:rPr lang="en-CA" sz="1600" i="1" dirty="0">
+                <a:latin typeface="Times New Roman" panose="02020603050405020304" pitchFamily="18" charset="0"/>
+                <a:cs typeface="Times New Roman" panose="02020603050405020304" pitchFamily="18" charset="0"/>
+              </a:rPr>
+              <a:t>Nat Methods</a:t>
+            </a:r>
+            <a:r>
+              <a:rPr lang="en-CA" sz="1600" dirty="0">
+                <a:latin typeface="Times New Roman" panose="02020603050405020304" pitchFamily="18" charset="0"/>
+                <a:cs typeface="Times New Roman" panose="02020603050405020304" pitchFamily="18" charset="0"/>
+              </a:rPr>
+              <a:t> </a:t>
+            </a:r>
+            <a:r>
+              <a:rPr lang="en-CA" sz="1600" b="1" dirty="0">
+                <a:latin typeface="Times New Roman" panose="02020603050405020304" pitchFamily="18" charset="0"/>
+                <a:cs typeface="Times New Roman" panose="02020603050405020304" pitchFamily="18" charset="0"/>
+              </a:rPr>
+              <a:t>22</a:t>
+            </a:r>
+            <a:endParaRPr lang="en-US" altLang="en-US" sz="1600" dirty="0">
+              <a:latin typeface="Times New Roman" panose="02020603050405020304" pitchFamily="18" charset="0"/>
+              <a:cs typeface="Times New Roman" panose="02020603050405020304" pitchFamily="18" charset="0"/>
+            </a:endParaRPr>
+          </a:p>
+          <a:p>
+            <a:pPr marL="0" indent="0" fontAlgn="base">
+              <a:buNone/>
+            </a:pPr>
+            <a:endParaRPr lang="en-US" sz="1600" dirty="0">
+              <a:latin typeface="Times New Roman" panose="02020603050405020304" pitchFamily="18" charset="0"/>
+              <a:cs typeface="Times New Roman" panose="02020603050405020304" pitchFamily="18" charset="0"/>
+            </a:endParaRPr>
+          </a:p>
+          <a:p>
+            <a:endParaRPr lang="en-CA" sz="1600" dirty="0"/>
           </a:p>
         </p:txBody>
       </p:sp>
@@ -11903,747 +13610,6 @@
     <p:extLst>
       <p:ext uri="{BB962C8B-B14F-4D97-AF65-F5344CB8AC3E}">
         <p14:creationId xmlns:p14="http://schemas.microsoft.com/office/powerpoint/2010/main" val="1500399720"/>
-      </p:ext>
-    </p:extLst>
-  </p:cSld>
-  <p:clrMapOvr>
-    <a:masterClrMapping/>
-  </p:clrMapOvr>
-</p:sld>
-</file>
-
-<file path=ppt/slides/slide8.xml><?xml version="1.0" encoding="utf-8"?>
-<p:sld xmlns:a="http://schemas.openxmlformats.org/drawingml/2006/main" xmlns:r="http://schemas.openxmlformats.org/officeDocument/2006/relationships" xmlns:p="http://schemas.openxmlformats.org/presentationml/2006/main">
-  <p:cSld>
-    <p:bg>
-      <p:bgPr>
-        <a:solidFill>
-          <a:schemeClr val="bg1"/>
-        </a:solidFill>
-        <a:effectLst/>
-      </p:bgPr>
-    </p:bg>
-    <p:spTree>
-      <p:nvGrpSpPr>
-        <p:cNvPr id="1" name=""/>
-        <p:cNvGrpSpPr/>
-        <p:nvPr/>
-      </p:nvGrpSpPr>
-      <p:grpSpPr>
-        <a:xfrm>
-          <a:off x="0" y="0"/>
-          <a:ext cx="0" cy="0"/>
-          <a:chOff x="0" y="0"/>
-          <a:chExt cx="0" cy="0"/>
-        </a:xfrm>
-      </p:grpSpPr>
-      <p:sp useBgFill="1">
-        <p:nvSpPr>
-          <p:cNvPr id="9" name="Rectangle 8">
-            <a:extLst>
-              <a:ext uri="{FF2B5EF4-FFF2-40B4-BE49-F238E27FC236}">
-                <a16:creationId xmlns:a16="http://schemas.microsoft.com/office/drawing/2014/main" id="{56E9B3E6-E277-4D68-BA48-9CB43FFBD6E2}"/>
-              </a:ext>
-              <a:ext uri="{C183D7F6-B498-43B3-948B-1728B52AA6E4}">
-                <adec:decorative xmlns:adec="http://schemas.microsoft.com/office/drawing/2017/decorative" val="1"/>
-              </a:ext>
-            </a:extLst>
-          </p:cNvPr>
-          <p:cNvSpPr>
-            <a:spLocks noGrp="1" noRot="1" noChangeAspect="1" noMove="1" noResize="1" noEditPoints="1" noAdjustHandles="1" noChangeArrowheads="1" noChangeShapeType="1" noTextEdit="1"/>
-          </p:cNvSpPr>
-          <p:nvPr>
-            <p:extLst>
-              <p:ext uri="{386F3935-93C4-4BCD-93E2-E3B085C9AB24}">
-                <p16:designElem xmlns:p16="http://schemas.microsoft.com/office/powerpoint/2015/main" val="1"/>
-              </p:ext>
-            </p:extLst>
-          </p:nvPr>
-        </p:nvSpPr>
-        <p:spPr>
-          <a:xfrm>
-            <a:off x="0" y="0"/>
-            <a:ext cx="12191999" cy="6857365"/>
-          </a:xfrm>
-          <a:prstGeom prst="rect">
-            <a:avLst/>
-          </a:prstGeom>
-          <a:ln>
-            <a:noFill/>
-          </a:ln>
-        </p:spPr>
-        <p:style>
-          <a:lnRef idx="2">
-            <a:schemeClr val="accent1">
-              <a:shade val="50000"/>
-            </a:schemeClr>
-          </a:lnRef>
-          <a:fillRef idx="1">
-            <a:schemeClr val="accent1"/>
-          </a:fillRef>
-          <a:effectRef idx="0">
-            <a:schemeClr val="accent1"/>
-          </a:effectRef>
-          <a:fontRef idx="minor">
-            <a:schemeClr val="lt1"/>
-          </a:fontRef>
-        </p:style>
-        <p:txBody>
-          <a:bodyPr rtlCol="0" anchor="ctr"/>
-          <a:lstStyle/>
-          <a:p>
-            <a:pPr algn="ctr"/>
-            <a:endParaRPr lang="en-US"/>
-          </a:p>
-        </p:txBody>
-      </p:sp>
-      <p:grpSp>
-        <p:nvGrpSpPr>
-          <p:cNvPr id="11" name="Group 10">
-            <a:extLst>
-              <a:ext uri="{FF2B5EF4-FFF2-40B4-BE49-F238E27FC236}">
-                <a16:creationId xmlns:a16="http://schemas.microsoft.com/office/drawing/2014/main" id="{AE1C45F0-260A-458C-96ED-C1F6D2151219}"/>
-              </a:ext>
-              <a:ext uri="{C183D7F6-B498-43B3-948B-1728B52AA6E4}">
-                <adec:decorative xmlns:adec="http://schemas.microsoft.com/office/drawing/2017/decorative" val="1"/>
-              </a:ext>
-            </a:extLst>
-          </p:cNvPr>
-          <p:cNvGrpSpPr>
-            <a:grpSpLocks noGrp="1" noUngrp="1" noRot="1" noChangeAspect="1" noMove="1" noResize="1"/>
-          </p:cNvGrpSpPr>
-          <p:nvPr>
-            <p:extLst>
-              <p:ext uri="{386F3935-93C4-4BCD-93E2-E3B085C9AB24}">
-                <p16:designElem xmlns:p16="http://schemas.microsoft.com/office/powerpoint/2015/main" val="1"/>
-              </p:ext>
-            </p:extLst>
-          </p:nvPr>
-        </p:nvGrpSpPr>
-        <p:grpSpPr>
-          <a:xfrm>
-            <a:off x="4" y="1216597"/>
-            <a:ext cx="731521" cy="673460"/>
-            <a:chOff x="3940602" y="308034"/>
-            <a:chExt cx="2116791" cy="3428999"/>
-          </a:xfrm>
-          <a:solidFill>
-            <a:schemeClr val="accent4"/>
-          </a:solidFill>
-        </p:grpSpPr>
-        <p:sp>
-          <p:nvSpPr>
-            <p:cNvPr id="12" name="Rectangle 11">
-              <a:extLst>
-                <a:ext uri="{FF2B5EF4-FFF2-40B4-BE49-F238E27FC236}">
-                  <a16:creationId xmlns:a16="http://schemas.microsoft.com/office/drawing/2014/main" id="{A6604B49-AD5C-4590-B051-06C8222ECD99}"/>
-                </a:ext>
-                <a:ext uri="{C183D7F6-B498-43B3-948B-1728B52AA6E4}">
-                  <adec:decorative xmlns:adec="http://schemas.microsoft.com/office/drawing/2017/decorative" val="1"/>
-                </a:ext>
-              </a:extLst>
-            </p:cNvPr>
-            <p:cNvSpPr/>
-            <p:nvPr>
-              <p:extLst>
-                <p:ext uri="{386F3935-93C4-4BCD-93E2-E3B085C9AB24}">
-                  <p16:designElem xmlns:p16="http://schemas.microsoft.com/office/powerpoint/2015/main" val="1"/>
-                </p:ext>
-              </p:extLst>
-            </p:nvPr>
-          </p:nvSpPr>
-          <p:spPr>
-            <a:xfrm>
-              <a:off x="3940602" y="308034"/>
-              <a:ext cx="566743" cy="3428999"/>
-            </a:xfrm>
-            <a:prstGeom prst="rect">
-              <a:avLst/>
-            </a:prstGeom>
-            <a:grpFill/>
-            <a:ln>
-              <a:noFill/>
-            </a:ln>
-          </p:spPr>
-          <p:style>
-            <a:lnRef idx="2">
-              <a:schemeClr val="accent1">
-                <a:shade val="50000"/>
-              </a:schemeClr>
-            </a:lnRef>
-            <a:fillRef idx="1">
-              <a:schemeClr val="accent1"/>
-            </a:fillRef>
-            <a:effectRef idx="0">
-              <a:schemeClr val="accent1"/>
-            </a:effectRef>
-            <a:fontRef idx="minor">
-              <a:schemeClr val="lt1"/>
-            </a:fontRef>
-          </p:style>
-          <p:txBody>
-            <a:bodyPr rtlCol="0" anchor="ctr"/>
-            <a:lstStyle/>
-            <a:p>
-              <a:pPr algn="ctr"/>
-              <a:endParaRPr lang="en-US"/>
-            </a:p>
-          </p:txBody>
-        </p:sp>
-        <p:sp>
-          <p:nvSpPr>
-            <p:cNvPr id="13" name="Rectangle 12">
-              <a:extLst>
-                <a:ext uri="{FF2B5EF4-FFF2-40B4-BE49-F238E27FC236}">
-                  <a16:creationId xmlns:a16="http://schemas.microsoft.com/office/drawing/2014/main" id="{743ECCAF-29C5-4537-947C-7EA1292463DB}"/>
-                </a:ext>
-                <a:ext uri="{C183D7F6-B498-43B3-948B-1728B52AA6E4}">
-                  <adec:decorative xmlns:adec="http://schemas.microsoft.com/office/drawing/2017/decorative" val="1"/>
-                </a:ext>
-              </a:extLst>
-            </p:cNvPr>
-            <p:cNvSpPr/>
-            <p:nvPr>
-              <p:extLst>
-                <p:ext uri="{386F3935-93C4-4BCD-93E2-E3B085C9AB24}">
-                  <p16:designElem xmlns:p16="http://schemas.microsoft.com/office/powerpoint/2015/main" val="1"/>
-                </p:ext>
-              </p:extLst>
-            </p:nvPr>
-          </p:nvSpPr>
-          <p:spPr>
-            <a:xfrm>
-              <a:off x="4715626" y="308034"/>
-              <a:ext cx="566743" cy="3428999"/>
-            </a:xfrm>
-            <a:prstGeom prst="rect">
-              <a:avLst/>
-            </a:prstGeom>
-            <a:grpFill/>
-            <a:ln>
-              <a:noFill/>
-            </a:ln>
-          </p:spPr>
-          <p:style>
-            <a:lnRef idx="2">
-              <a:schemeClr val="accent1">
-                <a:shade val="50000"/>
-              </a:schemeClr>
-            </a:lnRef>
-            <a:fillRef idx="1">
-              <a:schemeClr val="accent1"/>
-            </a:fillRef>
-            <a:effectRef idx="0">
-              <a:schemeClr val="accent1"/>
-            </a:effectRef>
-            <a:fontRef idx="minor">
-              <a:schemeClr val="lt1"/>
-            </a:fontRef>
-          </p:style>
-          <p:txBody>
-            <a:bodyPr rtlCol="0" anchor="ctr"/>
-            <a:lstStyle/>
-            <a:p>
-              <a:pPr algn="ctr"/>
-              <a:endParaRPr lang="en-US"/>
-            </a:p>
-          </p:txBody>
-        </p:sp>
-        <p:sp>
-          <p:nvSpPr>
-            <p:cNvPr id="14" name="Rectangle 13">
-              <a:extLst>
-                <a:ext uri="{FF2B5EF4-FFF2-40B4-BE49-F238E27FC236}">
-                  <a16:creationId xmlns:a16="http://schemas.microsoft.com/office/drawing/2014/main" id="{ED49787B-8DE6-4467-AD0A-8DECC6E0C2D6}"/>
-                </a:ext>
-                <a:ext uri="{C183D7F6-B498-43B3-948B-1728B52AA6E4}">
-                  <adec:decorative xmlns:adec="http://schemas.microsoft.com/office/drawing/2017/decorative" val="1"/>
-                </a:ext>
-              </a:extLst>
-            </p:cNvPr>
-            <p:cNvSpPr/>
-            <p:nvPr>
-              <p:extLst>
-                <p:ext uri="{386F3935-93C4-4BCD-93E2-E3B085C9AB24}">
-                  <p16:designElem xmlns:p16="http://schemas.microsoft.com/office/powerpoint/2015/main" val="1"/>
-                </p:ext>
-              </p:extLst>
-            </p:nvPr>
-          </p:nvSpPr>
-          <p:spPr>
-            <a:xfrm>
-              <a:off x="5490650" y="308034"/>
-              <a:ext cx="566743" cy="3428999"/>
-            </a:xfrm>
-            <a:prstGeom prst="rect">
-              <a:avLst/>
-            </a:prstGeom>
-            <a:grpFill/>
-            <a:ln>
-              <a:noFill/>
-            </a:ln>
-          </p:spPr>
-          <p:style>
-            <a:lnRef idx="2">
-              <a:schemeClr val="accent1">
-                <a:shade val="50000"/>
-              </a:schemeClr>
-            </a:lnRef>
-            <a:fillRef idx="1">
-              <a:schemeClr val="accent1"/>
-            </a:fillRef>
-            <a:effectRef idx="0">
-              <a:schemeClr val="accent1"/>
-            </a:effectRef>
-            <a:fontRef idx="minor">
-              <a:schemeClr val="lt1"/>
-            </a:fontRef>
-          </p:style>
-          <p:txBody>
-            <a:bodyPr rtlCol="0" anchor="ctr"/>
-            <a:lstStyle/>
-            <a:p>
-              <a:pPr algn="ctr"/>
-              <a:endParaRPr lang="en-US"/>
-            </a:p>
-          </p:txBody>
-        </p:sp>
-      </p:grpSp>
-      <p:sp>
-        <p:nvSpPr>
-          <p:cNvPr id="16" name="Rectangle 15">
-            <a:extLst>
-              <a:ext uri="{FF2B5EF4-FFF2-40B4-BE49-F238E27FC236}">
-                <a16:creationId xmlns:a16="http://schemas.microsoft.com/office/drawing/2014/main" id="{D5B0017B-2ECA-49AF-B397-DC140825DF8D}"/>
-              </a:ext>
-              <a:ext uri="{C183D7F6-B498-43B3-948B-1728B52AA6E4}">
-                <adec:decorative xmlns:adec="http://schemas.microsoft.com/office/drawing/2017/decorative" val="1"/>
-              </a:ext>
-            </a:extLst>
-          </p:cNvPr>
-          <p:cNvSpPr>
-            <a:spLocks noGrp="1" noRot="1" noChangeAspect="1" noMove="1" noResize="1" noEditPoints="1" noAdjustHandles="1" noChangeArrowheads="1" noChangeShapeType="1" noTextEdit="1"/>
-          </p:cNvSpPr>
-          <p:nvPr>
-            <p:extLst>
-              <p:ext uri="{386F3935-93C4-4BCD-93E2-E3B085C9AB24}">
-                <p16:designElem xmlns:p16="http://schemas.microsoft.com/office/powerpoint/2015/main" val="1"/>
-              </p:ext>
-            </p:extLst>
-          </p:nvPr>
-        </p:nvSpPr>
-        <p:spPr>
-          <a:xfrm>
-            <a:off x="640079" y="613954"/>
-            <a:ext cx="10907487" cy="1894116"/>
-          </a:xfrm>
-          <a:prstGeom prst="rect">
-            <a:avLst/>
-          </a:prstGeom>
-          <a:solidFill>
-            <a:schemeClr val="bg1"/>
-          </a:solidFill>
-          <a:ln>
-            <a:noFill/>
-          </a:ln>
-          <a:effectLst>
-            <a:outerShdw blurRad="139700" dist="127000" dir="5400000" algn="t" rotWithShape="0">
-              <a:prstClr val="black">
-                <a:alpha val="15000"/>
-              </a:prstClr>
-            </a:outerShdw>
-          </a:effectLst>
-        </p:spPr>
-        <p:style>
-          <a:lnRef idx="2">
-            <a:schemeClr val="accent1">
-              <a:shade val="50000"/>
-            </a:schemeClr>
-          </a:lnRef>
-          <a:fillRef idx="1">
-            <a:schemeClr val="accent1"/>
-          </a:fillRef>
-          <a:effectRef idx="0">
-            <a:schemeClr val="accent1"/>
-          </a:effectRef>
-          <a:fontRef idx="minor">
-            <a:schemeClr val="lt1"/>
-          </a:fontRef>
-        </p:style>
-        <p:txBody>
-          <a:bodyPr rtlCol="0" anchor="ctr"/>
-          <a:lstStyle/>
-          <a:p>
-            <a:pPr algn="ctr"/>
-            <a:endParaRPr lang="en-US"/>
-          </a:p>
-        </p:txBody>
-      </p:sp>
-      <p:sp>
-        <p:nvSpPr>
-          <p:cNvPr id="2" name="Title 1">
-            <a:extLst>
-              <a:ext uri="{FF2B5EF4-FFF2-40B4-BE49-F238E27FC236}">
-                <a16:creationId xmlns:a16="http://schemas.microsoft.com/office/drawing/2014/main" id="{6BF1000D-1C8E-2F1B-B07B-51EF429F518A}"/>
-              </a:ext>
-            </a:extLst>
-          </p:cNvPr>
-          <p:cNvSpPr>
-            <a:spLocks noGrp="1"/>
-          </p:cNvSpPr>
-          <p:nvPr>
-            <p:ph type="title"/>
-          </p:nvPr>
-        </p:nvSpPr>
-        <p:spPr>
-          <a:xfrm>
-            <a:off x="1043631" y="809898"/>
-            <a:ext cx="10173010" cy="1554480"/>
-          </a:xfrm>
-        </p:spPr>
-        <p:txBody>
-          <a:bodyPr anchor="ctr">
-            <a:normAutofit/>
-          </a:bodyPr>
-          <a:lstStyle/>
-          <a:p>
-            <a:r>
-              <a:rPr lang="en-CA" sz="4800" b="1">
-                <a:latin typeface="Times New Roman" panose="02020603050405020304" pitchFamily="18" charset="0"/>
-                <a:cs typeface="Times New Roman" panose="02020603050405020304" pitchFamily="18" charset="0"/>
-              </a:rPr>
-              <a:t>Expected Impact</a:t>
-            </a:r>
-            <a:br>
-              <a:rPr lang="en-CA" sz="4800" b="1">
-                <a:latin typeface="Times New Roman" panose="02020603050405020304" pitchFamily="18" charset="0"/>
-                <a:cs typeface="Times New Roman" panose="02020603050405020304" pitchFamily="18" charset="0"/>
-              </a:rPr>
-            </a:br>
-            <a:endParaRPr lang="en-CA" sz="4800">
-              <a:latin typeface="Times New Roman" panose="02020603050405020304" pitchFamily="18" charset="0"/>
-              <a:cs typeface="Times New Roman" panose="02020603050405020304" pitchFamily="18" charset="0"/>
-            </a:endParaRPr>
-          </a:p>
-        </p:txBody>
-      </p:sp>
-      <p:cxnSp>
-        <p:nvCxnSpPr>
-          <p:cNvPr id="18" name="Straight Connector 17">
-            <a:extLst>
-              <a:ext uri="{FF2B5EF4-FFF2-40B4-BE49-F238E27FC236}">
-                <a16:creationId xmlns:a16="http://schemas.microsoft.com/office/drawing/2014/main" id="{6CF1BAF6-AD41-4082-B212-8A1F9A2E8779}"/>
-              </a:ext>
-              <a:ext uri="{C183D7F6-B498-43B3-948B-1728B52AA6E4}">
-                <adec:decorative xmlns:adec="http://schemas.microsoft.com/office/drawing/2017/decorative" val="1"/>
-              </a:ext>
-            </a:extLst>
-          </p:cNvPr>
-          <p:cNvCxnSpPr>
-            <a:cxnSpLocks noGrp="1" noRot="1" noChangeAspect="1" noMove="1" noResize="1" noEditPoints="1" noAdjustHandles="1" noChangeArrowheads="1" noChangeShapeType="1"/>
-          </p:cNvCxnSpPr>
-          <p:nvPr>
-            <p:extLst>
-              <p:ext uri="{386F3935-93C4-4BCD-93E2-E3B085C9AB24}">
-                <p16:designElem xmlns:p16="http://schemas.microsoft.com/office/powerpoint/2015/main" val="1"/>
-              </p:ext>
-            </p:extLst>
-          </p:nvPr>
-        </p:nvCxnSpPr>
-        <p:spPr>
-          <a:xfrm flipH="1">
-            <a:off x="838200" y="6485313"/>
-            <a:ext cx="10515600" cy="0"/>
-          </a:xfrm>
-          <a:prstGeom prst="line">
-            <a:avLst/>
-          </a:prstGeom>
-          <a:ln w="57150">
-            <a:solidFill>
-              <a:schemeClr val="accent4"/>
-            </a:solidFill>
-          </a:ln>
-        </p:spPr>
-        <p:style>
-          <a:lnRef idx="1">
-            <a:schemeClr val="accent1"/>
-          </a:lnRef>
-          <a:fillRef idx="0">
-            <a:schemeClr val="accent1"/>
-          </a:fillRef>
-          <a:effectRef idx="0">
-            <a:schemeClr val="accent1"/>
-          </a:effectRef>
-          <a:fontRef idx="minor">
-            <a:schemeClr val="tx1"/>
-          </a:fontRef>
-        </p:style>
-      </p:cxnSp>
-      <p:graphicFrame>
-        <p:nvGraphicFramePr>
-          <p:cNvPr id="5" name="Content Placeholder 2">
-            <a:extLst>
-              <a:ext uri="{FF2B5EF4-FFF2-40B4-BE49-F238E27FC236}">
-                <a16:creationId xmlns:a16="http://schemas.microsoft.com/office/drawing/2014/main" id="{4B034FA6-CFEC-6BBB-BE60-D6D98D39226F}"/>
-              </a:ext>
-            </a:extLst>
-          </p:cNvPr>
-          <p:cNvGraphicFramePr>
-            <a:graphicFrameLocks noGrp="1"/>
-          </p:cNvGraphicFramePr>
-          <p:nvPr>
-            <p:ph idx="1"/>
-            <p:extLst>
-              <p:ext uri="{D42A27DB-BD31-4B8C-83A1-F6EECF244321}">
-                <p14:modId xmlns:p14="http://schemas.microsoft.com/office/powerpoint/2010/main" val="2525633962"/>
-              </p:ext>
-            </p:extLst>
-          </p:nvPr>
-        </p:nvGraphicFramePr>
-        <p:xfrm>
-          <a:off x="904602" y="3017519"/>
-          <a:ext cx="10378440" cy="3209902"/>
-        </p:xfrm>
-        <a:graphic>
-          <a:graphicData uri="http://schemas.openxmlformats.org/drawingml/2006/diagram">
-            <dgm:relIds xmlns:dgm="http://schemas.openxmlformats.org/drawingml/2006/diagram" xmlns:r="http://schemas.openxmlformats.org/officeDocument/2006/relationships" r:dm="rId2" r:lo="rId3" r:qs="rId4" r:cs="rId5"/>
-          </a:graphicData>
-        </a:graphic>
-      </p:graphicFrame>
-    </p:spTree>
-    <p:extLst>
-      <p:ext uri="{BB962C8B-B14F-4D97-AF65-F5344CB8AC3E}">
-        <p14:creationId xmlns:p14="http://schemas.microsoft.com/office/powerpoint/2010/main" val="1202439710"/>
-      </p:ext>
-    </p:extLst>
-  </p:cSld>
-  <p:clrMapOvr>
-    <a:masterClrMapping/>
-  </p:clrMapOvr>
-</p:sld>
-</file>
-
-<file path=ppt/slides/slide9.xml><?xml version="1.0" encoding="utf-8"?>
-<p:sld xmlns:a="http://schemas.openxmlformats.org/drawingml/2006/main" xmlns:r="http://schemas.openxmlformats.org/officeDocument/2006/relationships" xmlns:p="http://schemas.openxmlformats.org/presentationml/2006/main">
-  <p:cSld>
-    <p:spTree>
-      <p:nvGrpSpPr>
-        <p:cNvPr id="1" name=""/>
-        <p:cNvGrpSpPr/>
-        <p:nvPr/>
-      </p:nvGrpSpPr>
-      <p:grpSpPr>
-        <a:xfrm>
-          <a:off x="0" y="0"/>
-          <a:ext cx="0" cy="0"/>
-          <a:chOff x="0" y="0"/>
-          <a:chExt cx="0" cy="0"/>
-        </a:xfrm>
-      </p:grpSpPr>
-      <p:sp>
-        <p:nvSpPr>
-          <p:cNvPr id="2" name="Title 1">
-            <a:extLst>
-              <a:ext uri="{FF2B5EF4-FFF2-40B4-BE49-F238E27FC236}">
-                <a16:creationId xmlns:a16="http://schemas.microsoft.com/office/drawing/2014/main" id="{B29FF606-D46E-59EF-4C76-AD609B0A293E}"/>
-              </a:ext>
-            </a:extLst>
-          </p:cNvPr>
-          <p:cNvSpPr>
-            <a:spLocks noGrp="1"/>
-          </p:cNvSpPr>
-          <p:nvPr>
-            <p:ph type="title"/>
-          </p:nvPr>
-        </p:nvSpPr>
-        <p:spPr>
-          <a:xfrm>
-            <a:off x="987552" y="365125"/>
-            <a:ext cx="10366248" cy="1070483"/>
-          </a:xfrm>
-        </p:spPr>
-        <p:txBody>
-          <a:bodyPr/>
-          <a:lstStyle/>
-          <a:p>
-            <a:r>
-              <a:rPr lang="en-CA" sz="2000" dirty="0">
-                <a:latin typeface="Times New Roman" panose="02020603050405020304" pitchFamily="18" charset="0"/>
-                <a:cs typeface="Times New Roman" panose="02020603050405020304" pitchFamily="18" charset="0"/>
-              </a:rPr>
-              <a:t>References</a:t>
-            </a:r>
-            <a:br>
-              <a:rPr lang="en-CA" b="1" dirty="0"/>
-            </a:br>
-            <a:endParaRPr lang="en-CA" dirty="0"/>
-          </a:p>
-        </p:txBody>
-      </p:sp>
-      <p:sp>
-        <p:nvSpPr>
-          <p:cNvPr id="3" name="Content Placeholder 2">
-            <a:extLst>
-              <a:ext uri="{FF2B5EF4-FFF2-40B4-BE49-F238E27FC236}">
-                <a16:creationId xmlns:a16="http://schemas.microsoft.com/office/drawing/2014/main" id="{1EA4C39E-A79E-2D8D-CE01-BBB5609C1FB5}"/>
-              </a:ext>
-            </a:extLst>
-          </p:cNvPr>
-          <p:cNvSpPr>
-            <a:spLocks noGrp="1"/>
-          </p:cNvSpPr>
-          <p:nvPr>
-            <p:ph idx="1"/>
-          </p:nvPr>
-        </p:nvSpPr>
-        <p:spPr>
-          <a:xfrm>
-            <a:off x="838200" y="1253331"/>
-            <a:ext cx="10515600" cy="4351338"/>
-          </a:xfrm>
-        </p:spPr>
-        <p:txBody>
-          <a:bodyPr>
-            <a:normAutofit/>
-          </a:bodyPr>
-          <a:lstStyle/>
-          <a:p>
-            <a:r>
-              <a:rPr lang="en-CA" sz="1400" dirty="0">
-                <a:latin typeface="Times New Roman" panose="02020603050405020304" pitchFamily="18" charset="0"/>
-                <a:cs typeface="Times New Roman" panose="02020603050405020304" pitchFamily="18" charset="0"/>
-              </a:rPr>
-              <a:t>Xing, H., &amp; Yau, C. (2025). </a:t>
-            </a:r>
-            <a:r>
-              <a:rPr lang="en-CA" sz="1400" i="1" dirty="0">
-                <a:latin typeface="Times New Roman" panose="02020603050405020304" pitchFamily="18" charset="0"/>
-                <a:cs typeface="Times New Roman" panose="02020603050405020304" pitchFamily="18" charset="0"/>
-              </a:rPr>
-              <a:t>GPerturb: Gaussian Process Modelling of Single-Cell Perturbation Data</a:t>
-            </a:r>
-            <a:r>
-              <a:rPr lang="en-CA" sz="1400" dirty="0">
-                <a:latin typeface="Times New Roman" panose="02020603050405020304" pitchFamily="18" charset="0"/>
-                <a:cs typeface="Times New Roman" panose="02020603050405020304" pitchFamily="18" charset="0"/>
-              </a:rPr>
-              <a:t>. </a:t>
-            </a:r>
-            <a:r>
-              <a:rPr lang="en-CA" sz="1400" i="1" dirty="0">
-                <a:latin typeface="Times New Roman" panose="02020603050405020304" pitchFamily="18" charset="0"/>
-                <a:cs typeface="Times New Roman" panose="02020603050405020304" pitchFamily="18" charset="0"/>
-              </a:rPr>
-              <a:t>Nature Communications</a:t>
-            </a:r>
-            <a:r>
-              <a:rPr lang="en-CA" sz="1400" dirty="0">
-                <a:latin typeface="Times New Roman" panose="02020603050405020304" pitchFamily="18" charset="0"/>
-                <a:cs typeface="Times New Roman" panose="02020603050405020304" pitchFamily="18" charset="0"/>
-              </a:rPr>
-              <a:t>.</a:t>
-            </a:r>
-          </a:p>
-          <a:p>
-            <a:r>
-              <a:rPr lang="en-CA" sz="1400" dirty="0">
-                <a:latin typeface="Times New Roman" panose="02020603050405020304" pitchFamily="18" charset="0"/>
-                <a:cs typeface="Times New Roman" panose="02020603050405020304" pitchFamily="18" charset="0"/>
-              </a:rPr>
-              <a:t>Gavriilidis, G. I., et al. (2024). </a:t>
-            </a:r>
-            <a:r>
-              <a:rPr lang="en-CA" sz="1400" i="1" dirty="0">
-                <a:latin typeface="Times New Roman" panose="02020603050405020304" pitchFamily="18" charset="0"/>
-                <a:cs typeface="Times New Roman" panose="02020603050405020304" pitchFamily="18" charset="0"/>
-              </a:rPr>
-              <a:t>A Mini-review on Perturbation Modelling Across Single-Cell </a:t>
-            </a:r>
-            <a:r>
-              <a:rPr lang="en-CA" sz="1400" i="1" dirty="0" err="1">
-                <a:latin typeface="Times New Roman" panose="02020603050405020304" pitchFamily="18" charset="0"/>
-                <a:cs typeface="Times New Roman" panose="02020603050405020304" pitchFamily="18" charset="0"/>
-              </a:rPr>
-              <a:t>Omic</a:t>
-            </a:r>
-            <a:r>
-              <a:rPr lang="en-CA" sz="1400" i="1" dirty="0">
-                <a:latin typeface="Times New Roman" panose="02020603050405020304" pitchFamily="18" charset="0"/>
-                <a:cs typeface="Times New Roman" panose="02020603050405020304" pitchFamily="18" charset="0"/>
-              </a:rPr>
-              <a:t> Modalities</a:t>
-            </a:r>
-            <a:r>
-              <a:rPr lang="en-CA" sz="1400" dirty="0">
-                <a:latin typeface="Times New Roman" panose="02020603050405020304" pitchFamily="18" charset="0"/>
-                <a:cs typeface="Times New Roman" panose="02020603050405020304" pitchFamily="18" charset="0"/>
-              </a:rPr>
-              <a:t>. </a:t>
-            </a:r>
-            <a:r>
-              <a:rPr lang="en-CA" sz="1400" i="1" dirty="0">
-                <a:latin typeface="Times New Roman" panose="02020603050405020304" pitchFamily="18" charset="0"/>
-                <a:cs typeface="Times New Roman" panose="02020603050405020304" pitchFamily="18" charset="0"/>
-              </a:rPr>
-              <a:t>CSBJ</a:t>
-            </a:r>
-            <a:r>
-              <a:rPr lang="en-CA" sz="1400" dirty="0">
-                <a:latin typeface="Times New Roman" panose="02020603050405020304" pitchFamily="18" charset="0"/>
-                <a:cs typeface="Times New Roman" panose="02020603050405020304" pitchFamily="18" charset="0"/>
-              </a:rPr>
-              <a:t>.</a:t>
-            </a:r>
-          </a:p>
-          <a:p>
-            <a:r>
-              <a:rPr lang="en-CA" sz="1400" dirty="0">
-                <a:latin typeface="Times New Roman" panose="02020603050405020304" pitchFamily="18" charset="0"/>
-                <a:cs typeface="Times New Roman" panose="02020603050405020304" pitchFamily="18" charset="0"/>
-              </a:rPr>
-              <a:t>Wang, Y., et al. (2023). </a:t>
-            </a:r>
-            <a:r>
-              <a:rPr lang="en-CA" sz="1400" i="1" dirty="0">
-                <a:latin typeface="Times New Roman" panose="02020603050405020304" pitchFamily="18" charset="0"/>
-                <a:cs typeface="Times New Roman" panose="02020603050405020304" pitchFamily="18" charset="0"/>
-              </a:rPr>
-              <a:t>Self-play Reinforcement Learning Guides Protein Engineering</a:t>
-            </a:r>
-            <a:r>
-              <a:rPr lang="en-CA" sz="1400" dirty="0">
-                <a:latin typeface="Times New Roman" panose="02020603050405020304" pitchFamily="18" charset="0"/>
-                <a:cs typeface="Times New Roman" panose="02020603050405020304" pitchFamily="18" charset="0"/>
-              </a:rPr>
-              <a:t>. </a:t>
-            </a:r>
-            <a:r>
-              <a:rPr lang="en-CA" sz="1400" i="1" dirty="0">
-                <a:latin typeface="Times New Roman" panose="02020603050405020304" pitchFamily="18" charset="0"/>
-                <a:cs typeface="Times New Roman" panose="02020603050405020304" pitchFamily="18" charset="0"/>
-              </a:rPr>
-              <a:t>Nature Machine Intelligence</a:t>
-            </a:r>
-            <a:r>
-              <a:rPr lang="en-CA" sz="1400" dirty="0">
-                <a:latin typeface="Times New Roman" panose="02020603050405020304" pitchFamily="18" charset="0"/>
-                <a:cs typeface="Times New Roman" panose="02020603050405020304" pitchFamily="18" charset="0"/>
-              </a:rPr>
-              <a:t>.</a:t>
-            </a:r>
-          </a:p>
-          <a:p>
-            <a:endParaRPr lang="en-CA" sz="1400" dirty="0">
-              <a:latin typeface="Times New Roman" panose="02020603050405020304" pitchFamily="18" charset="0"/>
-              <a:cs typeface="Times New Roman" panose="02020603050405020304" pitchFamily="18" charset="0"/>
-            </a:endParaRPr>
-          </a:p>
-        </p:txBody>
-      </p:sp>
-    </p:spTree>
-    <p:extLst>
-      <p:ext uri="{BB962C8B-B14F-4D97-AF65-F5344CB8AC3E}">
-        <p14:creationId xmlns:p14="http://schemas.microsoft.com/office/powerpoint/2010/main" val="3632761428"/>
       </p:ext>
     </p:extLst>
   </p:cSld>

--- a/ppt slides for omic codeathon.pptx
+++ b/ppt slides for omic codeathon.pptx
@@ -11889,7 +11889,7 @@
         </p:nvSpPr>
         <p:spPr>
           <a:xfrm>
-            <a:off x="4215384" y="849440"/>
+            <a:off x="2523744" y="1693456"/>
             <a:ext cx="2688336" cy="439864"/>
           </a:xfrm>
           <a:prstGeom prst="rect">
@@ -11936,7 +11936,7 @@
         </p:nvSpPr>
         <p:spPr>
           <a:xfrm>
-            <a:off x="4425696" y="919972"/>
+            <a:off x="2734056" y="1763988"/>
             <a:ext cx="2114746" cy="369332"/>
           </a:xfrm>
           <a:prstGeom prst="rect">
@@ -11972,7 +11972,7 @@
         </p:nvSpPr>
         <p:spPr>
           <a:xfrm>
-            <a:off x="2566416" y="2093183"/>
+            <a:off x="874776" y="2937199"/>
             <a:ext cx="2688336" cy="646330"/>
           </a:xfrm>
           <a:prstGeom prst="rect">
@@ -12019,7 +12019,7 @@
         </p:nvSpPr>
         <p:spPr>
           <a:xfrm>
-            <a:off x="5855297" y="2100758"/>
+            <a:off x="4163657" y="2944774"/>
             <a:ext cx="3151632" cy="646331"/>
           </a:xfrm>
           <a:prstGeom prst="rect">
@@ -12066,7 +12066,7 @@
         </p:nvSpPr>
         <p:spPr>
           <a:xfrm>
-            <a:off x="5946647" y="2100758"/>
+            <a:off x="4255007" y="2944774"/>
             <a:ext cx="3151632" cy="646331"/>
           </a:xfrm>
           <a:prstGeom prst="rect">
@@ -12107,7 +12107,7 @@
         </p:nvSpPr>
         <p:spPr>
           <a:xfrm>
-            <a:off x="3033239" y="2231295"/>
+            <a:off x="1341599" y="3075311"/>
             <a:ext cx="1575337" cy="369332"/>
           </a:xfrm>
           <a:prstGeom prst="rect">
@@ -12144,7 +12144,7 @@
         </p:nvCxnSpPr>
         <p:spPr>
           <a:xfrm flipH="1">
-            <a:off x="4215384" y="1289304"/>
+            <a:off x="2523744" y="2133320"/>
             <a:ext cx="1267685" cy="803878"/>
           </a:xfrm>
           <a:prstGeom prst="straightConnector1">
@@ -12185,7 +12185,7 @@
         </p:nvCxnSpPr>
         <p:spPr>
           <a:xfrm>
-            <a:off x="5483069" y="1289303"/>
+            <a:off x="3791429" y="2133319"/>
             <a:ext cx="1566955" cy="803878"/>
           </a:xfrm>
           <a:prstGeom prst="straightConnector1">
@@ -12226,7 +12226,7 @@
         </p:nvCxnSpPr>
         <p:spPr>
           <a:xfrm flipH="1">
-            <a:off x="3904488" y="2739513"/>
+            <a:off x="2212848" y="3583529"/>
             <a:ext cx="6096" cy="890655"/>
           </a:xfrm>
           <a:prstGeom prst="straightConnector1">
@@ -12265,7 +12265,7 @@
         </p:nvSpPr>
         <p:spPr>
           <a:xfrm>
-            <a:off x="2566417" y="3608102"/>
+            <a:off x="874777" y="4452118"/>
             <a:ext cx="2688336" cy="901129"/>
           </a:xfrm>
           <a:prstGeom prst="rect">
@@ -12312,7 +12312,7 @@
         </p:nvSpPr>
         <p:spPr>
           <a:xfrm>
-            <a:off x="2810342" y="3769054"/>
+            <a:off x="1118702" y="4613070"/>
             <a:ext cx="2188291" cy="646331"/>
           </a:xfrm>
           <a:prstGeom prst="rect">
@@ -12354,7 +12354,7 @@
         </p:nvSpPr>
         <p:spPr>
           <a:xfrm>
-            <a:off x="6336704" y="3608101"/>
+            <a:off x="4645064" y="4452117"/>
             <a:ext cx="2688336" cy="901129"/>
           </a:xfrm>
           <a:prstGeom prst="rect">
@@ -12401,7 +12401,7 @@
         </p:nvSpPr>
         <p:spPr>
           <a:xfrm>
-            <a:off x="6540442" y="3874000"/>
+            <a:off x="4848802" y="4718016"/>
             <a:ext cx="2415405" cy="369332"/>
           </a:xfrm>
           <a:prstGeom prst="rect">
@@ -12437,7 +12437,7 @@
         </p:nvCxnSpPr>
         <p:spPr>
           <a:xfrm flipH="1">
-            <a:off x="7680872" y="2728794"/>
+            <a:off x="5989232" y="3572810"/>
             <a:ext cx="6096" cy="890655"/>
           </a:xfrm>
           <a:prstGeom prst="straightConnector1">
@@ -12484,14 +12484,49 @@
         </p:blipFill>
         <p:spPr>
           <a:xfrm>
-            <a:off x="9098278" y="2487168"/>
-            <a:ext cx="3093721" cy="4233671"/>
+            <a:off x="7820903" y="806599"/>
+            <a:ext cx="4163833" cy="5276087"/>
           </a:xfrm>
           <a:prstGeom prst="rect">
             <a:avLst/>
           </a:prstGeom>
         </p:spPr>
       </p:pic>
+      <p:sp>
+        <p:nvSpPr>
+          <p:cNvPr id="32" name="TextBox 31">
+            <a:extLst>
+              <a:ext uri="{FF2B5EF4-FFF2-40B4-BE49-F238E27FC236}">
+                <a16:creationId xmlns:a16="http://schemas.microsoft.com/office/drawing/2014/main" id="{DD763A5E-71D8-B5EE-70DD-A11FB200E25F}"/>
+              </a:ext>
+            </a:extLst>
+          </p:cNvPr>
+          <p:cNvSpPr txBox="1"/>
+          <p:nvPr/>
+        </p:nvSpPr>
+        <p:spPr>
+          <a:xfrm>
+            <a:off x="163017" y="6330076"/>
+            <a:ext cx="8684514" cy="369332"/>
+          </a:xfrm>
+          <a:prstGeom prst="rect">
+            <a:avLst/>
+          </a:prstGeom>
+          <a:noFill/>
+        </p:spPr>
+        <p:txBody>
+          <a:bodyPr wrap="square">
+            <a:spAutoFit/>
+          </a:bodyPr>
+          <a:lstStyle/>
+          <a:p>
+            <a:r>
+              <a:rPr lang="en-CA" dirty="0"/>
+              <a:t>https://drive.google.com/file/d/1kj6sNfe_Tib92T1__a-CkNkFFudfbhOt/view?usp=sharing</a:t>
+            </a:r>
+          </a:p>
+        </p:txBody>
+      </p:sp>
     </p:spTree>
     <p:extLst>
       <p:ext uri="{BB962C8B-B14F-4D97-AF65-F5344CB8AC3E}">

--- a/ppt slides for omic codeathon.pptx
+++ b/ppt slides for omic codeathon.pptx
@@ -9544,14 +9544,36 @@
             <p:ph type="subTitle" idx="1"/>
           </p:nvPr>
         </p:nvSpPr>
-        <p:spPr/>
+        <p:spPr>
+          <a:xfrm>
+            <a:off x="563880" y="4333876"/>
+            <a:ext cx="10418064" cy="1655762"/>
+          </a:xfrm>
+        </p:spPr>
         <p:txBody>
-          <a:bodyPr/>
+          <a:bodyPr>
+            <a:normAutofit fontScale="92500" lnSpcReduction="20000"/>
+          </a:bodyPr>
           <a:lstStyle/>
           <a:p>
             <a:r>
               <a:rPr lang="en-US" dirty="0"/>
               <a:t>Francis Boabang</a:t>
+            </a:r>
+          </a:p>
+          <a:p>
+            <a:endParaRPr lang="en-US" dirty="0"/>
+          </a:p>
+          <a:p>
+            <a:r>
+              <a:rPr lang="en-US" dirty="0"/>
+              <a:t>Sponsor: </a:t>
+            </a:r>
+            <a:r>
+              <a:rPr lang="en-CA" u="sng" dirty="0">
+                <a:hlinkClick r:id="rId2"/>
+              </a:rPr>
+              <a:t>https://docs.google.com/forms/d/e/1FAIpQLSfmWvIxuE7JR4T7kwfWA_HIt0GUQ_czqVlK2zeeio5tzBmmvw/viewform?pli=1</a:t>
             </a:r>
             <a:endParaRPr lang="en-CA" dirty="0"/>
           </a:p>
